--- a/Notes/Slide Deck.pptx
+++ b/Notes/Slide Deck.pptx
@@ -105,6 +105,11 @@
       </a:defRPr>
     </a:lvl9pPr>
   </p:defaultTextStyle>
+  <p:extLst>
+    <p:ext uri="{EFAFB233-063F-42B5-8137-9DF3F51BA10A}">
+      <p15:sldGuideLst xmlns:p15="http://schemas.microsoft.com/office/powerpoint/2012/main"/>
+    </p:ext>
+  </p:extLst>
 </p:presentation>
 </file>
 
@@ -4052,7 +4057,7 @@
             </a:pPr>
             <a:r>
               <a:rPr lang="en-US" dirty="0"/>
-              <a:t>1. Background		2. Daily Energy Data	3.</a:t>
+              <a:t>1. Background		2. Energy Meter Data	3.</a:t>
             </a:r>
           </a:p>
           <a:p>
@@ -4454,17 +4459,414 @@
           <a:effectLst>
             <a:reflection blurRad="12700" stA="38000" endPos="28000" dist="5000" dir="5400000" sy="-100000" algn="bl" rotWithShape="0"/>
           </a:effectLst>
-          <a:extLst>
-            <a:ext uri="{909E8E84-426E-40DD-AFC4-6F175D3DCCD1}">
-              <a14:hiddenFill xmlns:a14="http://schemas.microsoft.com/office/drawing/2010/main">
-                <a:solidFill>
-                  <a:srgbClr val="FFFFFF"/>
-                </a:solidFill>
-              </a14:hiddenFill>
-            </a:ext>
-          </a:extLst>
         </p:spPr>
       </p:pic>
+      <p:sp>
+        <p:nvSpPr>
+          <p:cNvPr id="7" name="Content Placeholder 2">
+            <a:extLst>
+              <a:ext uri="{FF2B5EF4-FFF2-40B4-BE49-F238E27FC236}">
+                <a16:creationId xmlns:a16="http://schemas.microsoft.com/office/drawing/2014/main" id="{3CF8C64E-A30C-3A60-BBB2-518E7C1CD162}"/>
+              </a:ext>
+            </a:extLst>
+          </p:cNvPr>
+          <p:cNvSpPr txBox="1">
+            <a:spLocks/>
+          </p:cNvSpPr>
+          <p:nvPr/>
+        </p:nvSpPr>
+        <p:spPr>
+          <a:xfrm>
+            <a:off x="4136995" y="3740798"/>
+            <a:ext cx="435006" cy="364332"/>
+          </a:xfrm>
+          <a:prstGeom prst="rect">
+            <a:avLst/>
+          </a:prstGeom>
+        </p:spPr>
+        <p:txBody>
+          <a:bodyPr vert="horz" lIns="91440" tIns="45720" rIns="91440" bIns="45720" rtlCol="0">
+            <a:normAutofit fontScale="85000" lnSpcReduction="20000"/>
+          </a:bodyPr>
+          <a:lstStyle>
+            <a:lvl1pPr marL="228600" indent="-228600" algn="l" defTabSz="914400" rtl="0" eaLnBrk="1" latinLnBrk="0" hangingPunct="1">
+              <a:lnSpc>
+                <a:spcPct val="90000"/>
+              </a:lnSpc>
+              <a:spcBef>
+                <a:spcPts val="1000"/>
+              </a:spcBef>
+              <a:buFont typeface="Arial" panose="020B0604020202020204" pitchFamily="34" charset="0"/>
+              <a:buChar char="•"/>
+              <a:defRPr sz="2800" kern="1200">
+                <a:solidFill>
+                  <a:schemeClr val="tx1"/>
+                </a:solidFill>
+                <a:latin typeface="+mn-lt"/>
+                <a:ea typeface="+mn-ea"/>
+                <a:cs typeface="+mn-cs"/>
+              </a:defRPr>
+            </a:lvl1pPr>
+            <a:lvl2pPr marL="685800" indent="-228600" algn="l" defTabSz="914400" rtl="0" eaLnBrk="1" latinLnBrk="0" hangingPunct="1">
+              <a:lnSpc>
+                <a:spcPct val="90000"/>
+              </a:lnSpc>
+              <a:spcBef>
+                <a:spcPts val="500"/>
+              </a:spcBef>
+              <a:buFont typeface="Arial" panose="020B0604020202020204" pitchFamily="34" charset="0"/>
+              <a:buChar char="•"/>
+              <a:defRPr sz="2400" kern="1200">
+                <a:solidFill>
+                  <a:schemeClr val="tx1"/>
+                </a:solidFill>
+                <a:latin typeface="+mn-lt"/>
+                <a:ea typeface="+mn-ea"/>
+                <a:cs typeface="+mn-cs"/>
+              </a:defRPr>
+            </a:lvl2pPr>
+            <a:lvl3pPr marL="1143000" indent="-228600" algn="l" defTabSz="914400" rtl="0" eaLnBrk="1" latinLnBrk="0" hangingPunct="1">
+              <a:lnSpc>
+                <a:spcPct val="90000"/>
+              </a:lnSpc>
+              <a:spcBef>
+                <a:spcPts val="500"/>
+              </a:spcBef>
+              <a:buFont typeface="Arial" panose="020B0604020202020204" pitchFamily="34" charset="0"/>
+              <a:buChar char="•"/>
+              <a:defRPr sz="2000" kern="1200">
+                <a:solidFill>
+                  <a:schemeClr val="tx1"/>
+                </a:solidFill>
+                <a:latin typeface="+mn-lt"/>
+                <a:ea typeface="+mn-ea"/>
+                <a:cs typeface="+mn-cs"/>
+              </a:defRPr>
+            </a:lvl3pPr>
+            <a:lvl4pPr marL="1600200" indent="-228600" algn="l" defTabSz="914400" rtl="0" eaLnBrk="1" latinLnBrk="0" hangingPunct="1">
+              <a:lnSpc>
+                <a:spcPct val="90000"/>
+              </a:lnSpc>
+              <a:spcBef>
+                <a:spcPts val="500"/>
+              </a:spcBef>
+              <a:buFont typeface="Arial" panose="020B0604020202020204" pitchFamily="34" charset="0"/>
+              <a:buChar char="•"/>
+              <a:defRPr sz="1800" kern="1200">
+                <a:solidFill>
+                  <a:schemeClr val="tx1"/>
+                </a:solidFill>
+                <a:latin typeface="+mn-lt"/>
+                <a:ea typeface="+mn-ea"/>
+                <a:cs typeface="+mn-cs"/>
+              </a:defRPr>
+            </a:lvl4pPr>
+            <a:lvl5pPr marL="2057400" indent="-228600" algn="l" defTabSz="914400" rtl="0" eaLnBrk="1" latinLnBrk="0" hangingPunct="1">
+              <a:lnSpc>
+                <a:spcPct val="90000"/>
+              </a:lnSpc>
+              <a:spcBef>
+                <a:spcPts val="500"/>
+              </a:spcBef>
+              <a:buFont typeface="Arial" panose="020B0604020202020204" pitchFamily="34" charset="0"/>
+              <a:buChar char="•"/>
+              <a:defRPr sz="1800" kern="1200">
+                <a:solidFill>
+                  <a:schemeClr val="tx1"/>
+                </a:solidFill>
+                <a:latin typeface="+mn-lt"/>
+                <a:ea typeface="+mn-ea"/>
+                <a:cs typeface="+mn-cs"/>
+              </a:defRPr>
+            </a:lvl5pPr>
+            <a:lvl6pPr marL="2514600" indent="-228600" algn="l" defTabSz="914400" rtl="0" eaLnBrk="1" latinLnBrk="0" hangingPunct="1">
+              <a:lnSpc>
+                <a:spcPct val="90000"/>
+              </a:lnSpc>
+              <a:spcBef>
+                <a:spcPts val="500"/>
+              </a:spcBef>
+              <a:buFont typeface="Arial" panose="020B0604020202020204" pitchFamily="34" charset="0"/>
+              <a:buChar char="•"/>
+              <a:defRPr sz="1800" kern="1200">
+                <a:solidFill>
+                  <a:schemeClr val="tx1"/>
+                </a:solidFill>
+                <a:latin typeface="+mn-lt"/>
+                <a:ea typeface="+mn-ea"/>
+                <a:cs typeface="+mn-cs"/>
+              </a:defRPr>
+            </a:lvl6pPr>
+            <a:lvl7pPr marL="2971800" indent="-228600" algn="l" defTabSz="914400" rtl="0" eaLnBrk="1" latinLnBrk="0" hangingPunct="1">
+              <a:lnSpc>
+                <a:spcPct val="90000"/>
+              </a:lnSpc>
+              <a:spcBef>
+                <a:spcPts val="500"/>
+              </a:spcBef>
+              <a:buFont typeface="Arial" panose="020B0604020202020204" pitchFamily="34" charset="0"/>
+              <a:buChar char="•"/>
+              <a:defRPr sz="1800" kern="1200">
+                <a:solidFill>
+                  <a:schemeClr val="tx1"/>
+                </a:solidFill>
+                <a:latin typeface="+mn-lt"/>
+                <a:ea typeface="+mn-ea"/>
+                <a:cs typeface="+mn-cs"/>
+              </a:defRPr>
+            </a:lvl7pPr>
+            <a:lvl8pPr marL="3429000" indent="-228600" algn="l" defTabSz="914400" rtl="0" eaLnBrk="1" latinLnBrk="0" hangingPunct="1">
+              <a:lnSpc>
+                <a:spcPct val="90000"/>
+              </a:lnSpc>
+              <a:spcBef>
+                <a:spcPts val="500"/>
+              </a:spcBef>
+              <a:buFont typeface="Arial" panose="020B0604020202020204" pitchFamily="34" charset="0"/>
+              <a:buChar char="•"/>
+              <a:defRPr sz="1800" kern="1200">
+                <a:solidFill>
+                  <a:schemeClr val="tx1"/>
+                </a:solidFill>
+                <a:latin typeface="+mn-lt"/>
+                <a:ea typeface="+mn-ea"/>
+                <a:cs typeface="+mn-cs"/>
+              </a:defRPr>
+            </a:lvl8pPr>
+            <a:lvl9pPr marL="3886200" indent="-228600" algn="l" defTabSz="914400" rtl="0" eaLnBrk="1" latinLnBrk="0" hangingPunct="1">
+              <a:lnSpc>
+                <a:spcPct val="90000"/>
+              </a:lnSpc>
+              <a:spcBef>
+                <a:spcPts val="500"/>
+              </a:spcBef>
+              <a:buFont typeface="Arial" panose="020B0604020202020204" pitchFamily="34" charset="0"/>
+              <a:buChar char="•"/>
+              <a:defRPr sz="1800" kern="1200">
+                <a:solidFill>
+                  <a:schemeClr val="tx1"/>
+                </a:solidFill>
+                <a:latin typeface="+mn-lt"/>
+                <a:ea typeface="+mn-ea"/>
+                <a:cs typeface="+mn-cs"/>
+              </a:defRPr>
+            </a:lvl9pPr>
+          </a:lstStyle>
+          <a:p>
+            <a:pPr marL="0" indent="0">
+              <a:buFont typeface="Arial" panose="020B0604020202020204" pitchFamily="34" charset="0"/>
+              <a:buNone/>
+            </a:pPr>
+            <a:r>
+              <a:rPr lang="en-US" dirty="0"/>
+              <a:t>+</a:t>
+            </a:r>
+          </a:p>
+        </p:txBody>
+      </p:sp>
+      <p:sp>
+        <p:nvSpPr>
+          <p:cNvPr id="9" name="Content Placeholder 2">
+            <a:extLst>
+              <a:ext uri="{FF2B5EF4-FFF2-40B4-BE49-F238E27FC236}">
+                <a16:creationId xmlns:a16="http://schemas.microsoft.com/office/drawing/2014/main" id="{AC9BF74D-A91F-CFAF-1215-8BA404461BB8}"/>
+              </a:ext>
+            </a:extLst>
+          </p:cNvPr>
+          <p:cNvSpPr txBox="1">
+            <a:spLocks/>
+          </p:cNvSpPr>
+          <p:nvPr/>
+        </p:nvSpPr>
+        <p:spPr>
+          <a:xfrm>
+            <a:off x="7760041" y="3740798"/>
+            <a:ext cx="435006" cy="364332"/>
+          </a:xfrm>
+          <a:prstGeom prst="rect">
+            <a:avLst/>
+          </a:prstGeom>
+        </p:spPr>
+        <p:txBody>
+          <a:bodyPr vert="horz" lIns="91440" tIns="45720" rIns="91440" bIns="45720" rtlCol="0">
+            <a:normAutofit fontScale="85000" lnSpcReduction="20000"/>
+          </a:bodyPr>
+          <a:lstStyle>
+            <a:lvl1pPr marL="228600" indent="-228600" algn="l" defTabSz="914400" rtl="0" eaLnBrk="1" latinLnBrk="0" hangingPunct="1">
+              <a:lnSpc>
+                <a:spcPct val="90000"/>
+              </a:lnSpc>
+              <a:spcBef>
+                <a:spcPts val="1000"/>
+              </a:spcBef>
+              <a:buFont typeface="Arial" panose="020B0604020202020204" pitchFamily="34" charset="0"/>
+              <a:buChar char="•"/>
+              <a:defRPr sz="2800" kern="1200">
+                <a:solidFill>
+                  <a:schemeClr val="tx1"/>
+                </a:solidFill>
+                <a:latin typeface="+mn-lt"/>
+                <a:ea typeface="+mn-ea"/>
+                <a:cs typeface="+mn-cs"/>
+              </a:defRPr>
+            </a:lvl1pPr>
+            <a:lvl2pPr marL="685800" indent="-228600" algn="l" defTabSz="914400" rtl="0" eaLnBrk="1" latinLnBrk="0" hangingPunct="1">
+              <a:lnSpc>
+                <a:spcPct val="90000"/>
+              </a:lnSpc>
+              <a:spcBef>
+                <a:spcPts val="500"/>
+              </a:spcBef>
+              <a:buFont typeface="Arial" panose="020B0604020202020204" pitchFamily="34" charset="0"/>
+              <a:buChar char="•"/>
+              <a:defRPr sz="2400" kern="1200">
+                <a:solidFill>
+                  <a:schemeClr val="tx1"/>
+                </a:solidFill>
+                <a:latin typeface="+mn-lt"/>
+                <a:ea typeface="+mn-ea"/>
+                <a:cs typeface="+mn-cs"/>
+              </a:defRPr>
+            </a:lvl2pPr>
+            <a:lvl3pPr marL="1143000" indent="-228600" algn="l" defTabSz="914400" rtl="0" eaLnBrk="1" latinLnBrk="0" hangingPunct="1">
+              <a:lnSpc>
+                <a:spcPct val="90000"/>
+              </a:lnSpc>
+              <a:spcBef>
+                <a:spcPts val="500"/>
+              </a:spcBef>
+              <a:buFont typeface="Arial" panose="020B0604020202020204" pitchFamily="34" charset="0"/>
+              <a:buChar char="•"/>
+              <a:defRPr sz="2000" kern="1200">
+                <a:solidFill>
+                  <a:schemeClr val="tx1"/>
+                </a:solidFill>
+                <a:latin typeface="+mn-lt"/>
+                <a:ea typeface="+mn-ea"/>
+                <a:cs typeface="+mn-cs"/>
+              </a:defRPr>
+            </a:lvl3pPr>
+            <a:lvl4pPr marL="1600200" indent="-228600" algn="l" defTabSz="914400" rtl="0" eaLnBrk="1" latinLnBrk="0" hangingPunct="1">
+              <a:lnSpc>
+                <a:spcPct val="90000"/>
+              </a:lnSpc>
+              <a:spcBef>
+                <a:spcPts val="500"/>
+              </a:spcBef>
+              <a:buFont typeface="Arial" panose="020B0604020202020204" pitchFamily="34" charset="0"/>
+              <a:buChar char="•"/>
+              <a:defRPr sz="1800" kern="1200">
+                <a:solidFill>
+                  <a:schemeClr val="tx1"/>
+                </a:solidFill>
+                <a:latin typeface="+mn-lt"/>
+                <a:ea typeface="+mn-ea"/>
+                <a:cs typeface="+mn-cs"/>
+              </a:defRPr>
+            </a:lvl4pPr>
+            <a:lvl5pPr marL="2057400" indent="-228600" algn="l" defTabSz="914400" rtl="0" eaLnBrk="1" latinLnBrk="0" hangingPunct="1">
+              <a:lnSpc>
+                <a:spcPct val="90000"/>
+              </a:lnSpc>
+              <a:spcBef>
+                <a:spcPts val="500"/>
+              </a:spcBef>
+              <a:buFont typeface="Arial" panose="020B0604020202020204" pitchFamily="34" charset="0"/>
+              <a:buChar char="•"/>
+              <a:defRPr sz="1800" kern="1200">
+                <a:solidFill>
+                  <a:schemeClr val="tx1"/>
+                </a:solidFill>
+                <a:latin typeface="+mn-lt"/>
+                <a:ea typeface="+mn-ea"/>
+                <a:cs typeface="+mn-cs"/>
+              </a:defRPr>
+            </a:lvl5pPr>
+            <a:lvl6pPr marL="2514600" indent="-228600" algn="l" defTabSz="914400" rtl="0" eaLnBrk="1" latinLnBrk="0" hangingPunct="1">
+              <a:lnSpc>
+                <a:spcPct val="90000"/>
+              </a:lnSpc>
+              <a:spcBef>
+                <a:spcPts val="500"/>
+              </a:spcBef>
+              <a:buFont typeface="Arial" panose="020B0604020202020204" pitchFamily="34" charset="0"/>
+              <a:buChar char="•"/>
+              <a:defRPr sz="1800" kern="1200">
+                <a:solidFill>
+                  <a:schemeClr val="tx1"/>
+                </a:solidFill>
+                <a:latin typeface="+mn-lt"/>
+                <a:ea typeface="+mn-ea"/>
+                <a:cs typeface="+mn-cs"/>
+              </a:defRPr>
+            </a:lvl6pPr>
+            <a:lvl7pPr marL="2971800" indent="-228600" algn="l" defTabSz="914400" rtl="0" eaLnBrk="1" latinLnBrk="0" hangingPunct="1">
+              <a:lnSpc>
+                <a:spcPct val="90000"/>
+              </a:lnSpc>
+              <a:spcBef>
+                <a:spcPts val="500"/>
+              </a:spcBef>
+              <a:buFont typeface="Arial" panose="020B0604020202020204" pitchFamily="34" charset="0"/>
+              <a:buChar char="•"/>
+              <a:defRPr sz="1800" kern="1200">
+                <a:solidFill>
+                  <a:schemeClr val="tx1"/>
+                </a:solidFill>
+                <a:latin typeface="+mn-lt"/>
+                <a:ea typeface="+mn-ea"/>
+                <a:cs typeface="+mn-cs"/>
+              </a:defRPr>
+            </a:lvl7pPr>
+            <a:lvl8pPr marL="3429000" indent="-228600" algn="l" defTabSz="914400" rtl="0" eaLnBrk="1" latinLnBrk="0" hangingPunct="1">
+              <a:lnSpc>
+                <a:spcPct val="90000"/>
+              </a:lnSpc>
+              <a:spcBef>
+                <a:spcPts val="500"/>
+              </a:spcBef>
+              <a:buFont typeface="Arial" panose="020B0604020202020204" pitchFamily="34" charset="0"/>
+              <a:buChar char="•"/>
+              <a:defRPr sz="1800" kern="1200">
+                <a:solidFill>
+                  <a:schemeClr val="tx1"/>
+                </a:solidFill>
+                <a:latin typeface="+mn-lt"/>
+                <a:ea typeface="+mn-ea"/>
+                <a:cs typeface="+mn-cs"/>
+              </a:defRPr>
+            </a:lvl8pPr>
+            <a:lvl9pPr marL="3886200" indent="-228600" algn="l" defTabSz="914400" rtl="0" eaLnBrk="1" latinLnBrk="0" hangingPunct="1">
+              <a:lnSpc>
+                <a:spcPct val="90000"/>
+              </a:lnSpc>
+              <a:spcBef>
+                <a:spcPts val="500"/>
+              </a:spcBef>
+              <a:buFont typeface="Arial" panose="020B0604020202020204" pitchFamily="34" charset="0"/>
+              <a:buChar char="•"/>
+              <a:defRPr sz="1800" kern="1200">
+                <a:solidFill>
+                  <a:schemeClr val="tx1"/>
+                </a:solidFill>
+                <a:latin typeface="+mn-lt"/>
+                <a:ea typeface="+mn-ea"/>
+                <a:cs typeface="+mn-cs"/>
+              </a:defRPr>
+            </a:lvl9pPr>
+          </a:lstStyle>
+          <a:p>
+            <a:pPr marL="0" indent="0">
+              <a:buFont typeface="Arial" panose="020B0604020202020204" pitchFamily="34" charset="0"/>
+              <a:buNone/>
+            </a:pPr>
+            <a:r>
+              <a:rPr lang="en-US" dirty="0"/>
+              <a:t>=</a:t>
+            </a:r>
+          </a:p>
+        </p:txBody>
+      </p:sp>
     </p:spTree>
     <p:extLst>
       <p:ext uri="{BB962C8B-B14F-4D97-AF65-F5344CB8AC3E}">

--- a/Notes/Slide Deck.pptx
+++ b/Notes/Slide Deck.pptx
@@ -7,6 +7,11 @@
   <p:sldIdLst>
     <p:sldId id="256" r:id="rId2"/>
     <p:sldId id="257" r:id="rId3"/>
+    <p:sldId id="258" r:id="rId4"/>
+    <p:sldId id="260" r:id="rId5"/>
+    <p:sldId id="261" r:id="rId6"/>
+    <p:sldId id="262" r:id="rId7"/>
+    <p:sldId id="259" r:id="rId8"/>
   </p:sldIdLst>
   <p:sldSz cx="12192000" cy="6858000"/>
   <p:notesSz cx="6858000" cy="9144000"/>
@@ -3405,7 +3410,10 @@
           <a:lstStyle/>
           <a:p>
             <a:pPr algn="ctr"/>
-            <a:endParaRPr lang="en-US"/>
+            <a:endParaRPr lang="en-US">
+              <a:latin typeface="Biome" panose="020B0503030204020804" pitchFamily="34" charset="0"/>
+              <a:cs typeface="Biome" panose="020B0503030204020804" pitchFamily="34" charset="0"/>
+            </a:endParaRPr>
           </a:p>
         </p:txBody>
       </p:sp>
@@ -3485,7 +3493,10 @@
           <a:lstStyle/>
           <a:p>
             <a:pPr algn="ctr"/>
-            <a:endParaRPr lang="en-US"/>
+            <a:endParaRPr lang="en-US">
+              <a:latin typeface="Biome" panose="020B0503030204020804" pitchFamily="34" charset="0"/>
+              <a:cs typeface="Biome" panose="020B0503030204020804" pitchFamily="34" charset="0"/>
+            </a:endParaRPr>
           </a:p>
         </p:txBody>
       </p:sp>
@@ -3519,7 +3530,10 @@
           <a:p>
             <a:pPr algn="l"/>
             <a:r>
-              <a:rPr lang="en-US" sz="5400" dirty="0"/>
+              <a:rPr lang="en-US" sz="5400" dirty="0">
+                <a:latin typeface="Biome" panose="020B0503030204020804" pitchFamily="34" charset="0"/>
+                <a:cs typeface="Biome" panose="020B0503030204020804" pitchFamily="34" charset="0"/>
+              </a:rPr>
               <a:t>Project Sundial</a:t>
             </a:r>
           </a:p>
@@ -3555,7 +3569,10 @@
           <a:p>
             <a:pPr algn="l"/>
             <a:r>
-              <a:rPr lang="en-US" sz="2000" dirty="0"/>
+              <a:rPr lang="en-US" sz="2000" dirty="0">
+                <a:latin typeface="Biome" panose="020B0503030204020804" pitchFamily="34" charset="0"/>
+                <a:cs typeface="Biome" panose="020B0503030204020804" pitchFamily="34" charset="0"/>
+              </a:rPr>
               <a:t>A 3D Interface for Energy Meter Data</a:t>
             </a:r>
           </a:p>
@@ -3784,7 +3801,7 @@
         </p:nvSpPr>
         <p:spPr>
           <a:xfrm>
-            <a:off x="9890312" y="6284068"/>
+            <a:off x="9339896" y="6284068"/>
             <a:ext cx="4087305" cy="1147863"/>
           </a:xfrm>
           <a:prstGeom prst="rect">
@@ -3962,7 +3979,10 @@
           <a:p>
             <a:pPr algn="l"/>
             <a:r>
-              <a:rPr lang="en-US" sz="2000" dirty="0"/>
+              <a:rPr lang="en-US" sz="2000" dirty="0">
+                <a:latin typeface="Biome" panose="020B0503030204020804" pitchFamily="34" charset="0"/>
+                <a:cs typeface="Biome" panose="020B0503030204020804" pitchFamily="34" charset="0"/>
+              </a:rPr>
               <a:t>Built on Circaevum</a:t>
             </a:r>
           </a:p>
@@ -4020,7 +4040,10 @@
           <a:lstStyle/>
           <a:p>
             <a:r>
-              <a:rPr lang="en-US" dirty="0"/>
+              <a:rPr lang="en-US" dirty="0">
+                <a:latin typeface="Biome" panose="020B0503030204020804" pitchFamily="34" charset="0"/>
+                <a:cs typeface="Biome" panose="020B0503030204020804" pitchFamily="34" charset="0"/>
+              </a:rPr>
               <a:t>Outline</a:t>
             </a:r>
           </a:p>
@@ -4044,8 +4067,8 @@
         </p:nvSpPr>
         <p:spPr>
           <a:xfrm>
-            <a:off x="838200" y="2353469"/>
-            <a:ext cx="10515600" cy="4351338"/>
+            <a:off x="377406" y="2593130"/>
+            <a:ext cx="11437188" cy="2798043"/>
           </a:xfrm>
         </p:spPr>
         <p:txBody>
@@ -4056,12 +4079,18 @@
               <a:buNone/>
             </a:pPr>
             <a:r>
-              <a:rPr lang="en-US" dirty="0"/>
-              <a:t>1. Background		2. Energy Meter Data	3.</a:t>
-            </a:r>
-          </a:p>
-          <a:p>
-            <a:endParaRPr lang="en-US" dirty="0"/>
+              <a:rPr lang="en-US" dirty="0">
+                <a:latin typeface="Biome" panose="020B0503030204020804" pitchFamily="34" charset="0"/>
+                <a:cs typeface="Biome" panose="020B0503030204020804" pitchFamily="34" charset="0"/>
+              </a:rPr>
+              <a:t>1. Background		2. Energy Meter Data	     3. Sundial</a:t>
+            </a:r>
+          </a:p>
+          <a:p>
+            <a:endParaRPr lang="en-US" dirty="0">
+              <a:latin typeface="Biome" panose="020B0503030204020804" pitchFamily="34" charset="0"/>
+              <a:cs typeface="Biome" panose="020B0503030204020804" pitchFamily="34" charset="0"/>
+            </a:endParaRPr>
           </a:p>
         </p:txBody>
       </p:sp>
@@ -4153,7 +4182,10 @@
           <a:lstStyle/>
           <a:p>
             <a:pPr algn="ctr"/>
-            <a:endParaRPr lang="en-US"/>
+            <a:endParaRPr lang="en-US">
+              <a:latin typeface="Biome" panose="020B0503030204020804" pitchFamily="34" charset="0"/>
+              <a:cs typeface="Biome" panose="020B0503030204020804" pitchFamily="34" charset="0"/>
+            </a:endParaRPr>
           </a:p>
         </p:txBody>
       </p:sp>
@@ -4256,7 +4288,10 @@
           <a:lstStyle/>
           <a:p>
             <a:pPr algn="ctr"/>
-            <a:endParaRPr lang="en-US"/>
+            <a:endParaRPr lang="en-US">
+              <a:latin typeface="Biome" panose="020B0503030204020804" pitchFamily="34" charset="0"/>
+              <a:cs typeface="Biome" panose="020B0503030204020804" pitchFamily="34" charset="0"/>
+            </a:endParaRPr>
           </a:p>
         </p:txBody>
       </p:sp>
@@ -4356,7 +4391,10 @@
           <a:lstStyle/>
           <a:p>
             <a:pPr algn="ctr"/>
-            <a:endParaRPr lang="en-US"/>
+            <a:endParaRPr lang="en-US">
+              <a:latin typeface="Biome" panose="020B0503030204020804" pitchFamily="34" charset="0"/>
+              <a:cs typeface="Biome" panose="020B0503030204020804" pitchFamily="34" charset="0"/>
+            </a:endParaRPr>
           </a:p>
         </p:txBody>
       </p:sp>
@@ -4388,7 +4426,7 @@
         </p:blipFill>
         <p:spPr>
           <a:xfrm>
-            <a:off x="838200" y="2982972"/>
+            <a:off x="377406" y="3429000"/>
             <a:ext cx="3086838" cy="1737489"/>
           </a:xfrm>
           <a:prstGeom prst="roundRect">
@@ -4440,7 +4478,7 @@
         </p:blipFill>
         <p:spPr bwMode="auto">
           <a:xfrm>
-            <a:off x="4673203" y="2982972"/>
+            <a:off x="4533244" y="3425703"/>
             <a:ext cx="2864644" cy="1740786"/>
           </a:xfrm>
           <a:prstGeom prst="roundRect">
@@ -4477,7 +4515,7 @@
         </p:nvSpPr>
         <p:spPr>
           <a:xfrm>
-            <a:off x="4136995" y="3740798"/>
+            <a:off x="3712230" y="3997045"/>
             <a:ext cx="435006" cy="364332"/>
           </a:xfrm>
           <a:prstGeom prst="rect">
@@ -4486,7 +4524,7 @@
         </p:spPr>
         <p:txBody>
           <a:bodyPr vert="horz" lIns="91440" tIns="45720" rIns="91440" bIns="45720" rtlCol="0">
-            <a:normAutofit fontScale="85000" lnSpcReduction="20000"/>
+            <a:noAutofit/>
           </a:bodyPr>
           <a:lstStyle>
             <a:lvl1pPr marL="228600" indent="-228600" algn="l" defTabSz="914400" rtl="0" eaLnBrk="1" latinLnBrk="0" hangingPunct="1">
@@ -4658,7 +4696,10 @@
               <a:buNone/>
             </a:pPr>
             <a:r>
-              <a:rPr lang="en-US" dirty="0"/>
+              <a:rPr lang="en-US" sz="4800" dirty="0">
+                <a:latin typeface="Biome" panose="020B0503030204020804" pitchFamily="34" charset="0"/>
+                <a:cs typeface="Biome" panose="020B0503030204020804" pitchFamily="34" charset="0"/>
+              </a:rPr>
               <a:t>+</a:t>
             </a:r>
           </a:p>
@@ -4680,7 +4721,7 @@
         </p:nvSpPr>
         <p:spPr>
           <a:xfrm>
-            <a:off x="7760041" y="3740798"/>
+            <a:off x="7793315" y="3997045"/>
             <a:ext cx="435006" cy="364332"/>
           </a:xfrm>
           <a:prstGeom prst="rect">
@@ -4689,7 +4730,7 @@
         </p:spPr>
         <p:txBody>
           <a:bodyPr vert="horz" lIns="91440" tIns="45720" rIns="91440" bIns="45720" rtlCol="0">
-            <a:normAutofit fontScale="85000" lnSpcReduction="20000"/>
+            <a:noAutofit/>
           </a:bodyPr>
           <a:lstStyle>
             <a:lvl1pPr marL="228600" indent="-228600" algn="l" defTabSz="914400" rtl="0" eaLnBrk="1" latinLnBrk="0" hangingPunct="1">
@@ -4861,12 +4902,59 @@
               <a:buNone/>
             </a:pPr>
             <a:r>
-              <a:rPr lang="en-US" dirty="0"/>
+              <a:rPr lang="en-US" sz="4800" dirty="0">
+                <a:latin typeface="Biome" panose="020B0503030204020804" pitchFamily="34" charset="0"/>
+                <a:cs typeface="Biome" panose="020B0503030204020804" pitchFamily="34" charset="0"/>
+              </a:rPr>
               <a:t>=</a:t>
             </a:r>
           </a:p>
         </p:txBody>
       </p:sp>
+      <p:pic>
+        <p:nvPicPr>
+          <p:cNvPr id="12" name="Picture 11">
+            <a:extLst>
+              <a:ext uri="{FF2B5EF4-FFF2-40B4-BE49-F238E27FC236}">
+                <a16:creationId xmlns:a16="http://schemas.microsoft.com/office/drawing/2014/main" id="{4C3B5923-899C-4549-A527-1A0D5BC61068}"/>
+              </a:ext>
+            </a:extLst>
+          </p:cNvPr>
+          <p:cNvPicPr>
+            <a:picLocks noChangeAspect="1"/>
+          </p:cNvPicPr>
+          <p:nvPr/>
+        </p:nvPicPr>
+        <p:blipFill rotWithShape="1">
+          <a:blip r:embed="rId4"/>
+          <a:srcRect t="9363" b="9418"/>
+          <a:stretch/>
+        </p:blipFill>
+        <p:spPr>
+          <a:xfrm>
+            <a:off x="8634304" y="3428899"/>
+            <a:ext cx="2949357" cy="1737590"/>
+          </a:xfrm>
+          <a:prstGeom prst="roundRect">
+            <a:avLst>
+              <a:gd name="adj" fmla="val 8594"/>
+            </a:avLst>
+          </a:prstGeom>
+          <a:solidFill>
+            <a:srgbClr val="FFFFFF">
+              <a:shade val="85000"/>
+            </a:srgbClr>
+          </a:solidFill>
+          <a:ln>
+            <a:solidFill>
+              <a:schemeClr val="tx1"/>
+            </a:solidFill>
+          </a:ln>
+          <a:effectLst>
+            <a:reflection blurRad="12700" stA="38000" endPos="28000" dist="5000" dir="5400000" sy="-100000" algn="bl" rotWithShape="0"/>
+          </a:effectLst>
+        </p:spPr>
+      </p:pic>
     </p:spTree>
     <p:extLst>
       <p:ext uri="{BB962C8B-B14F-4D97-AF65-F5344CB8AC3E}">
@@ -4877,6 +4965,5196 @@
   <p:clrMapOvr>
     <a:masterClrMapping/>
   </p:clrMapOvr>
+</p:sld>
+</file>
+
+<file path=ppt/slides/slide3.xml><?xml version="1.0" encoding="utf-8"?>
+<p:sld xmlns:a="http://schemas.openxmlformats.org/drawingml/2006/main" xmlns:r="http://schemas.openxmlformats.org/officeDocument/2006/relationships" xmlns:p="http://schemas.openxmlformats.org/presentationml/2006/main">
+  <p:cSld>
+    <p:spTree>
+      <p:nvGrpSpPr>
+        <p:cNvPr id="1" name=""/>
+        <p:cNvGrpSpPr/>
+        <p:nvPr/>
+      </p:nvGrpSpPr>
+      <p:grpSpPr>
+        <a:xfrm>
+          <a:off x="0" y="0"/>
+          <a:ext cx="0" cy="0"/>
+          <a:chOff x="0" y="0"/>
+          <a:chExt cx="0" cy="0"/>
+        </a:xfrm>
+      </p:grpSpPr>
+      <p:sp>
+        <p:nvSpPr>
+          <p:cNvPr id="2" name="Title 1">
+            <a:extLst>
+              <a:ext uri="{FF2B5EF4-FFF2-40B4-BE49-F238E27FC236}">
+                <a16:creationId xmlns:a16="http://schemas.microsoft.com/office/drawing/2014/main" id="{B1F4A399-281E-DF5D-E710-B81236B29750}"/>
+              </a:ext>
+            </a:extLst>
+          </p:cNvPr>
+          <p:cNvSpPr>
+            <a:spLocks noGrp="1"/>
+          </p:cNvSpPr>
+          <p:nvPr>
+            <p:ph type="title"/>
+          </p:nvPr>
+        </p:nvSpPr>
+        <p:spPr/>
+        <p:txBody>
+          <a:bodyPr/>
+          <a:lstStyle/>
+          <a:p>
+            <a:r>
+              <a:rPr lang="en-US" dirty="0">
+                <a:latin typeface="Biome" panose="020B0503030204020804" pitchFamily="34" charset="0"/>
+                <a:cs typeface="Biome" panose="020B0503030204020804" pitchFamily="34" charset="0"/>
+              </a:rPr>
+              <a:t>Circaevum</a:t>
+            </a:r>
+          </a:p>
+        </p:txBody>
+      </p:sp>
+      <p:sp>
+        <p:nvSpPr>
+          <p:cNvPr id="3" name="Content Placeholder 2">
+            <a:extLst>
+              <a:ext uri="{FF2B5EF4-FFF2-40B4-BE49-F238E27FC236}">
+                <a16:creationId xmlns:a16="http://schemas.microsoft.com/office/drawing/2014/main" id="{F20EE39A-35D7-F3CF-F36B-72BE9C65C60A}"/>
+              </a:ext>
+            </a:extLst>
+          </p:cNvPr>
+          <p:cNvSpPr>
+            <a:spLocks noGrp="1"/>
+          </p:cNvSpPr>
+          <p:nvPr>
+            <p:ph idx="1"/>
+          </p:nvPr>
+        </p:nvSpPr>
+        <p:spPr>
+          <a:xfrm>
+            <a:off x="406880" y="2267200"/>
+            <a:ext cx="11785120" cy="4351338"/>
+          </a:xfrm>
+        </p:spPr>
+        <p:txBody>
+          <a:bodyPr/>
+          <a:lstStyle/>
+          <a:p>
+            <a:pPr marL="0" indent="0">
+              <a:buNone/>
+            </a:pPr>
+            <a:r>
+              <a:rPr lang="en-US" dirty="0"/>
+              <a:t>A 3D General-Purpose Calendar System </a:t>
+            </a:r>
+          </a:p>
+          <a:p>
+            <a:pPr marL="0" indent="0">
+              <a:buNone/>
+            </a:pPr>
+            <a:r>
+              <a:rPr lang="en-US" dirty="0"/>
+              <a:t>- Modeled after the Earth’s orbit around the Sun</a:t>
+            </a:r>
+          </a:p>
+          <a:p>
+            <a:pPr>
+              <a:buFontTx/>
+              <a:buChar char="-"/>
+            </a:pPr>
+            <a:r>
+              <a:rPr lang="en-US" dirty="0"/>
+              <a:t>Maps events based on timespan and location</a:t>
+            </a:r>
+          </a:p>
+          <a:p>
+            <a:pPr>
+              <a:buFontTx/>
+              <a:buChar char="-"/>
+            </a:pPr>
+            <a:r>
+              <a:rPr lang="en-US" dirty="0"/>
+              <a:t>Visual place to aggregate time-based data </a:t>
+            </a:r>
+          </a:p>
+          <a:p>
+            <a:pPr marL="0" indent="0">
+              <a:buNone/>
+            </a:pPr>
+            <a:endParaRPr lang="en-US" dirty="0"/>
+          </a:p>
+          <a:p>
+            <a:pPr marL="0" indent="0">
+              <a:buNone/>
+            </a:pPr>
+            <a:endParaRPr lang="en-US" dirty="0"/>
+          </a:p>
+          <a:p>
+            <a:pPr marL="0" indent="0">
+              <a:buNone/>
+            </a:pPr>
+            <a:r>
+              <a:rPr lang="en-US" dirty="0"/>
+              <a:t>Built in Game Engine = Deployable to multiple platforms</a:t>
+            </a:r>
+          </a:p>
+          <a:p>
+            <a:pPr>
+              <a:buFontTx/>
+              <a:buChar char="-"/>
+            </a:pPr>
+            <a:endParaRPr lang="en-US" dirty="0"/>
+          </a:p>
+          <a:p>
+            <a:pPr marL="0" indent="0">
+              <a:buNone/>
+            </a:pPr>
+            <a:endParaRPr lang="en-US" dirty="0"/>
+          </a:p>
+          <a:p>
+            <a:pPr marL="0" indent="0">
+              <a:buNone/>
+            </a:pPr>
+            <a:endParaRPr lang="en-US" dirty="0"/>
+          </a:p>
+        </p:txBody>
+      </p:sp>
+      <p:sp>
+        <p:nvSpPr>
+          <p:cNvPr id="4" name="Freeform: Shape 3">
+            <a:extLst>
+              <a:ext uri="{FF2B5EF4-FFF2-40B4-BE49-F238E27FC236}">
+                <a16:creationId xmlns:a16="http://schemas.microsoft.com/office/drawing/2014/main" id="{72EE4071-BE36-751D-1CCB-50257F1979B1}"/>
+              </a:ext>
+            </a:extLst>
+          </p:cNvPr>
+          <p:cNvSpPr/>
+          <p:nvPr/>
+        </p:nvSpPr>
+        <p:spPr>
+          <a:xfrm>
+            <a:off x="0" y="1417738"/>
+            <a:ext cx="13544550" cy="702866"/>
+          </a:xfrm>
+          <a:custGeom>
+            <a:avLst/>
+            <a:gdLst>
+              <a:gd name="connsiteX0" fmla="*/ 0 w 13544550"/>
+              <a:gd name="connsiteY0" fmla="*/ 784798 h 1092698"/>
+              <a:gd name="connsiteX1" fmla="*/ 5886450 w 13544550"/>
+              <a:gd name="connsiteY1" fmla="*/ 3748 h 1092698"/>
+              <a:gd name="connsiteX2" fmla="*/ 13544550 w 13544550"/>
+              <a:gd name="connsiteY2" fmla="*/ 1070548 h 1092698"/>
+            </a:gdLst>
+            <a:ahLst/>
+            <a:cxnLst>
+              <a:cxn ang="0">
+                <a:pos x="connsiteX0" y="connsiteY0"/>
+              </a:cxn>
+              <a:cxn ang="0">
+                <a:pos x="connsiteX1" y="connsiteY1"/>
+              </a:cxn>
+              <a:cxn ang="0">
+                <a:pos x="connsiteX2" y="connsiteY2"/>
+              </a:cxn>
+            </a:cxnLst>
+            <a:rect l="l" t="t" r="r" b="b"/>
+            <a:pathLst>
+              <a:path w="13544550" h="1092698">
+                <a:moveTo>
+                  <a:pt x="0" y="784798"/>
+                </a:moveTo>
+                <a:cubicBezTo>
+                  <a:pt x="1814512" y="370460"/>
+                  <a:pt x="3629025" y="-43877"/>
+                  <a:pt x="5886450" y="3748"/>
+                </a:cubicBezTo>
+                <a:cubicBezTo>
+                  <a:pt x="8143875" y="51373"/>
+                  <a:pt x="11287125" y="1270573"/>
+                  <a:pt x="13544550" y="1070548"/>
+                </a:cubicBezTo>
+              </a:path>
+            </a:pathLst>
+          </a:custGeom>
+          <a:solidFill>
+            <a:srgbClr val="BF9000">
+              <a:alpha val="50196"/>
+            </a:srgbClr>
+          </a:solidFill>
+          <a:ln>
+            <a:noFill/>
+          </a:ln>
+        </p:spPr>
+        <p:style>
+          <a:lnRef idx="2">
+            <a:schemeClr val="accent1">
+              <a:shade val="50000"/>
+            </a:schemeClr>
+          </a:lnRef>
+          <a:fillRef idx="1">
+            <a:schemeClr val="accent1"/>
+          </a:fillRef>
+          <a:effectRef idx="0">
+            <a:schemeClr val="accent1"/>
+          </a:effectRef>
+          <a:fontRef idx="minor">
+            <a:schemeClr val="lt1"/>
+          </a:fontRef>
+        </p:style>
+        <p:txBody>
+          <a:bodyPr rtlCol="0" anchor="ctr"/>
+          <a:lstStyle/>
+          <a:p>
+            <a:pPr algn="ctr"/>
+            <a:endParaRPr lang="en-US"/>
+          </a:p>
+        </p:txBody>
+      </p:sp>
+      <p:sp>
+        <p:nvSpPr>
+          <p:cNvPr id="5" name="Freeform: Shape 4">
+            <a:extLst>
+              <a:ext uri="{FF2B5EF4-FFF2-40B4-BE49-F238E27FC236}">
+                <a16:creationId xmlns:a16="http://schemas.microsoft.com/office/drawing/2014/main" id="{4DC65CA7-9E98-BC34-5DD4-95FDBD1F59CF}"/>
+              </a:ext>
+            </a:extLst>
+          </p:cNvPr>
+          <p:cNvSpPr/>
+          <p:nvPr/>
+        </p:nvSpPr>
+        <p:spPr>
+          <a:xfrm>
+            <a:off x="-114300" y="1689129"/>
+            <a:ext cx="12439650" cy="432388"/>
+          </a:xfrm>
+          <a:custGeom>
+            <a:avLst/>
+            <a:gdLst>
+              <a:gd name="connsiteX0" fmla="*/ 0 w 12439650"/>
+              <a:gd name="connsiteY0" fmla="*/ 285773 h 654690"/>
+              <a:gd name="connsiteX1" fmla="*/ 3238500 w 12439650"/>
+              <a:gd name="connsiteY1" fmla="*/ 647723 h 654690"/>
+              <a:gd name="connsiteX2" fmla="*/ 7543800 w 12439650"/>
+              <a:gd name="connsiteY2" fmla="*/ 23 h 654690"/>
+              <a:gd name="connsiteX3" fmla="*/ 12439650 w 12439650"/>
+              <a:gd name="connsiteY3" fmla="*/ 628673 h 654690"/>
+            </a:gdLst>
+            <a:ahLst/>
+            <a:cxnLst>
+              <a:cxn ang="0">
+                <a:pos x="connsiteX0" y="connsiteY0"/>
+              </a:cxn>
+              <a:cxn ang="0">
+                <a:pos x="connsiteX1" y="connsiteY1"/>
+              </a:cxn>
+              <a:cxn ang="0">
+                <a:pos x="connsiteX2" y="connsiteY2"/>
+              </a:cxn>
+              <a:cxn ang="0">
+                <a:pos x="connsiteX3" y="connsiteY3"/>
+              </a:cxn>
+            </a:cxnLst>
+            <a:rect l="l" t="t" r="r" b="b"/>
+            <a:pathLst>
+              <a:path w="12439650" h="654690">
+                <a:moveTo>
+                  <a:pt x="0" y="285773"/>
+                </a:moveTo>
+                <a:cubicBezTo>
+                  <a:pt x="990600" y="490560"/>
+                  <a:pt x="1981200" y="695348"/>
+                  <a:pt x="3238500" y="647723"/>
+                </a:cubicBezTo>
+                <a:cubicBezTo>
+                  <a:pt x="4495800" y="600098"/>
+                  <a:pt x="6010275" y="3198"/>
+                  <a:pt x="7543800" y="23"/>
+                </a:cubicBezTo>
+                <a:cubicBezTo>
+                  <a:pt x="9077325" y="-3152"/>
+                  <a:pt x="10758487" y="312760"/>
+                  <a:pt x="12439650" y="628673"/>
+                </a:cubicBezTo>
+              </a:path>
+            </a:pathLst>
+          </a:custGeom>
+          <a:solidFill>
+            <a:schemeClr val="accent4">
+              <a:lumMod val="60000"/>
+              <a:lumOff val="40000"/>
+            </a:schemeClr>
+          </a:solidFill>
+          <a:ln>
+            <a:noFill/>
+          </a:ln>
+        </p:spPr>
+        <p:style>
+          <a:lnRef idx="2">
+            <a:schemeClr val="accent1">
+              <a:shade val="50000"/>
+            </a:schemeClr>
+          </a:lnRef>
+          <a:fillRef idx="1">
+            <a:schemeClr val="accent1"/>
+          </a:fillRef>
+          <a:effectRef idx="0">
+            <a:schemeClr val="accent1"/>
+          </a:effectRef>
+          <a:fontRef idx="minor">
+            <a:schemeClr val="lt1"/>
+          </a:fontRef>
+        </p:style>
+        <p:txBody>
+          <a:bodyPr rtlCol="0" anchor="ctr"/>
+          <a:lstStyle/>
+          <a:p>
+            <a:pPr algn="ctr"/>
+            <a:endParaRPr lang="en-US"/>
+          </a:p>
+        </p:txBody>
+      </p:sp>
+      <p:sp>
+        <p:nvSpPr>
+          <p:cNvPr id="6" name="Freeform: Shape 5">
+            <a:extLst>
+              <a:ext uri="{FF2B5EF4-FFF2-40B4-BE49-F238E27FC236}">
+                <a16:creationId xmlns:a16="http://schemas.microsoft.com/office/drawing/2014/main" id="{E27F91B0-AC71-1122-8B32-A11E8FF71E6E}"/>
+              </a:ext>
+            </a:extLst>
+          </p:cNvPr>
+          <p:cNvSpPr/>
+          <p:nvPr/>
+        </p:nvSpPr>
+        <p:spPr>
+          <a:xfrm>
+            <a:off x="-138344" y="1690688"/>
+            <a:ext cx="12515850" cy="530902"/>
+          </a:xfrm>
+          <a:custGeom>
+            <a:avLst/>
+            <a:gdLst>
+              <a:gd name="connsiteX0" fmla="*/ 0 w 12515850"/>
+              <a:gd name="connsiteY0" fmla="*/ 392012 h 803852"/>
+              <a:gd name="connsiteX1" fmla="*/ 2895600 w 12515850"/>
+              <a:gd name="connsiteY1" fmla="*/ 11012 h 803852"/>
+              <a:gd name="connsiteX2" fmla="*/ 9982200 w 12515850"/>
+              <a:gd name="connsiteY2" fmla="*/ 773012 h 803852"/>
+              <a:gd name="connsiteX3" fmla="*/ 12515850 w 12515850"/>
+              <a:gd name="connsiteY3" fmla="*/ 582512 h 803852"/>
+            </a:gdLst>
+            <a:ahLst/>
+            <a:cxnLst>
+              <a:cxn ang="0">
+                <a:pos x="connsiteX0" y="connsiteY0"/>
+              </a:cxn>
+              <a:cxn ang="0">
+                <a:pos x="connsiteX1" y="connsiteY1"/>
+              </a:cxn>
+              <a:cxn ang="0">
+                <a:pos x="connsiteX2" y="connsiteY2"/>
+              </a:cxn>
+              <a:cxn ang="0">
+                <a:pos x="connsiteX3" y="connsiteY3"/>
+              </a:cxn>
+            </a:cxnLst>
+            <a:rect l="l" t="t" r="r" b="b"/>
+            <a:pathLst>
+              <a:path w="12515850" h="803852">
+                <a:moveTo>
+                  <a:pt x="0" y="392012"/>
+                </a:moveTo>
+                <a:cubicBezTo>
+                  <a:pt x="615950" y="169762"/>
+                  <a:pt x="1231900" y="-52488"/>
+                  <a:pt x="2895600" y="11012"/>
+                </a:cubicBezTo>
+                <a:cubicBezTo>
+                  <a:pt x="4559300" y="74512"/>
+                  <a:pt x="8378825" y="677762"/>
+                  <a:pt x="9982200" y="773012"/>
+                </a:cubicBezTo>
+                <a:cubicBezTo>
+                  <a:pt x="11585575" y="868262"/>
+                  <a:pt x="12050712" y="725387"/>
+                  <a:pt x="12515850" y="582512"/>
+                </a:cubicBezTo>
+              </a:path>
+            </a:pathLst>
+          </a:custGeom>
+          <a:solidFill>
+            <a:schemeClr val="tx1"/>
+          </a:solidFill>
+          <a:ln>
+            <a:noFill/>
+          </a:ln>
+        </p:spPr>
+        <p:style>
+          <a:lnRef idx="2">
+            <a:schemeClr val="accent1">
+              <a:shade val="50000"/>
+            </a:schemeClr>
+          </a:lnRef>
+          <a:fillRef idx="1">
+            <a:schemeClr val="accent1"/>
+          </a:fillRef>
+          <a:effectRef idx="0">
+            <a:schemeClr val="accent1"/>
+          </a:effectRef>
+          <a:fontRef idx="minor">
+            <a:schemeClr val="lt1"/>
+          </a:fontRef>
+        </p:style>
+        <p:txBody>
+          <a:bodyPr rtlCol="0" anchor="ctr"/>
+          <a:lstStyle/>
+          <a:p>
+            <a:pPr algn="ctr"/>
+            <a:endParaRPr lang="en-US"/>
+          </a:p>
+        </p:txBody>
+      </p:sp>
+      <p:pic>
+        <p:nvPicPr>
+          <p:cNvPr id="1072" name="Online Media 1071" title="Circaevum: Recent Updates">
+            <a:hlinkClick r:id="" action="ppaction://media"/>
+            <a:extLst>
+              <a:ext uri="{FF2B5EF4-FFF2-40B4-BE49-F238E27FC236}">
+                <a16:creationId xmlns:a16="http://schemas.microsoft.com/office/drawing/2014/main" id="{C0E74749-36E6-A31E-1162-FB9FB183F29E}"/>
+              </a:ext>
+            </a:extLst>
+          </p:cNvPr>
+          <p:cNvPicPr>
+            <a:picLocks noRot="1" noChangeAspect="1"/>
+          </p:cNvPicPr>
+          <p:nvPr>
+            <a:videoFile r:link="rId1"/>
+          </p:nvPr>
+        </p:nvPicPr>
+        <p:blipFill>
+          <a:blip r:embed="rId3"/>
+          <a:stretch>
+            <a:fillRect/>
+          </a:stretch>
+        </p:blipFill>
+        <p:spPr>
+          <a:xfrm>
+            <a:off x="7703388" y="2494540"/>
+            <a:ext cx="4283148" cy="2419979"/>
+          </a:xfrm>
+          <a:prstGeom prst="rect">
+            <a:avLst/>
+          </a:prstGeom>
+        </p:spPr>
+      </p:pic>
+      <p:sp>
+        <p:nvSpPr>
+          <p:cNvPr id="1073" name="TextBox 1072">
+            <a:extLst>
+              <a:ext uri="{FF2B5EF4-FFF2-40B4-BE49-F238E27FC236}">
+                <a16:creationId xmlns:a16="http://schemas.microsoft.com/office/drawing/2014/main" id="{1140AB46-8746-3E20-32D3-635C20CBF6D3}"/>
+              </a:ext>
+            </a:extLst>
+          </p:cNvPr>
+          <p:cNvSpPr txBox="1"/>
+          <p:nvPr/>
+        </p:nvSpPr>
+        <p:spPr>
+          <a:xfrm>
+            <a:off x="717430" y="6014472"/>
+            <a:ext cx="516147" cy="369332"/>
+          </a:xfrm>
+          <a:prstGeom prst="rect">
+            <a:avLst/>
+          </a:prstGeom>
+          <a:solidFill>
+            <a:schemeClr val="bg1"/>
+          </a:solidFill>
+          <a:ln>
+            <a:solidFill>
+              <a:schemeClr val="tx1"/>
+            </a:solidFill>
+          </a:ln>
+        </p:spPr>
+        <p:txBody>
+          <a:bodyPr wrap="square" rtlCol="0">
+            <a:spAutoFit/>
+          </a:bodyPr>
+          <a:lstStyle/>
+          <a:p>
+            <a:pPr algn="ctr"/>
+            <a:r>
+              <a:rPr lang="en-US" dirty="0"/>
+              <a:t>PC</a:t>
+            </a:r>
+          </a:p>
+        </p:txBody>
+      </p:sp>
+      <p:sp>
+        <p:nvSpPr>
+          <p:cNvPr id="1074" name="TextBox 1073">
+            <a:extLst>
+              <a:ext uri="{FF2B5EF4-FFF2-40B4-BE49-F238E27FC236}">
+                <a16:creationId xmlns:a16="http://schemas.microsoft.com/office/drawing/2014/main" id="{67F8B304-5D59-1260-5FC4-E586642CC744}"/>
+              </a:ext>
+            </a:extLst>
+          </p:cNvPr>
+          <p:cNvSpPr txBox="1"/>
+          <p:nvPr/>
+        </p:nvSpPr>
+        <p:spPr>
+          <a:xfrm>
+            <a:off x="1406105" y="6014472"/>
+            <a:ext cx="931654" cy="369332"/>
+          </a:xfrm>
+          <a:prstGeom prst="rect">
+            <a:avLst/>
+          </a:prstGeom>
+          <a:solidFill>
+            <a:schemeClr val="bg1"/>
+          </a:solidFill>
+          <a:ln>
+            <a:solidFill>
+              <a:schemeClr val="tx1"/>
+            </a:solidFill>
+          </a:ln>
+        </p:spPr>
+        <p:txBody>
+          <a:bodyPr wrap="square" rtlCol="0">
+            <a:spAutoFit/>
+          </a:bodyPr>
+          <a:lstStyle/>
+          <a:p>
+            <a:pPr algn="ctr"/>
+            <a:r>
+              <a:rPr lang="en-US" dirty="0"/>
+              <a:t>Mobile</a:t>
+            </a:r>
+          </a:p>
+        </p:txBody>
+      </p:sp>
+      <p:sp>
+        <p:nvSpPr>
+          <p:cNvPr id="1076" name="TextBox 1075">
+            <a:extLst>
+              <a:ext uri="{FF2B5EF4-FFF2-40B4-BE49-F238E27FC236}">
+                <a16:creationId xmlns:a16="http://schemas.microsoft.com/office/drawing/2014/main" id="{677F5834-3AB7-F291-55B8-AB037EBF61F3}"/>
+              </a:ext>
+            </a:extLst>
+          </p:cNvPr>
+          <p:cNvSpPr txBox="1"/>
+          <p:nvPr/>
+        </p:nvSpPr>
+        <p:spPr>
+          <a:xfrm>
+            <a:off x="3198962" y="6014472"/>
+            <a:ext cx="1876987" cy="369332"/>
+          </a:xfrm>
+          <a:prstGeom prst="rect">
+            <a:avLst/>
+          </a:prstGeom>
+          <a:solidFill>
+            <a:schemeClr val="bg1"/>
+          </a:solidFill>
+          <a:ln>
+            <a:solidFill>
+              <a:schemeClr val="tx1"/>
+            </a:solidFill>
+          </a:ln>
+        </p:spPr>
+        <p:txBody>
+          <a:bodyPr wrap="square" rtlCol="0">
+            <a:spAutoFit/>
+          </a:bodyPr>
+          <a:lstStyle/>
+          <a:p>
+            <a:pPr algn="ctr"/>
+            <a:r>
+              <a:rPr lang="en-US" dirty="0"/>
+              <a:t>Game Console</a:t>
+            </a:r>
+          </a:p>
+        </p:txBody>
+      </p:sp>
+      <p:sp>
+        <p:nvSpPr>
+          <p:cNvPr id="1077" name="TextBox 1076">
+            <a:extLst>
+              <a:ext uri="{FF2B5EF4-FFF2-40B4-BE49-F238E27FC236}">
+                <a16:creationId xmlns:a16="http://schemas.microsoft.com/office/drawing/2014/main" id="{44813CB1-2A88-DC84-B951-1D318E1DDC8C}"/>
+              </a:ext>
+            </a:extLst>
+          </p:cNvPr>
+          <p:cNvSpPr txBox="1"/>
+          <p:nvPr/>
+        </p:nvSpPr>
+        <p:spPr>
+          <a:xfrm>
+            <a:off x="5248477" y="6014472"/>
+            <a:ext cx="746881" cy="369332"/>
+          </a:xfrm>
+          <a:prstGeom prst="rect">
+            <a:avLst/>
+          </a:prstGeom>
+          <a:solidFill>
+            <a:schemeClr val="bg1"/>
+          </a:solidFill>
+          <a:ln>
+            <a:solidFill>
+              <a:schemeClr val="tx1"/>
+            </a:solidFill>
+          </a:ln>
+        </p:spPr>
+        <p:txBody>
+          <a:bodyPr wrap="square" rtlCol="0">
+            <a:spAutoFit/>
+          </a:bodyPr>
+          <a:lstStyle/>
+          <a:p>
+            <a:pPr algn="ctr"/>
+            <a:r>
+              <a:rPr lang="en-US" dirty="0"/>
+              <a:t>Web</a:t>
+            </a:r>
+          </a:p>
+        </p:txBody>
+      </p:sp>
+      <p:sp>
+        <p:nvSpPr>
+          <p:cNvPr id="1078" name="TextBox 1077">
+            <a:extLst>
+              <a:ext uri="{FF2B5EF4-FFF2-40B4-BE49-F238E27FC236}">
+                <a16:creationId xmlns:a16="http://schemas.microsoft.com/office/drawing/2014/main" id="{A71E27DA-156A-B3F3-AAFA-10D377F80073}"/>
+              </a:ext>
+            </a:extLst>
+          </p:cNvPr>
+          <p:cNvSpPr txBox="1"/>
+          <p:nvPr/>
+        </p:nvSpPr>
+        <p:spPr>
+          <a:xfrm>
+            <a:off x="2510287" y="6014472"/>
+            <a:ext cx="516147" cy="369332"/>
+          </a:xfrm>
+          <a:prstGeom prst="rect">
+            <a:avLst/>
+          </a:prstGeom>
+          <a:solidFill>
+            <a:schemeClr val="bg1"/>
+          </a:solidFill>
+          <a:ln>
+            <a:solidFill>
+              <a:schemeClr val="tx1"/>
+            </a:solidFill>
+          </a:ln>
+        </p:spPr>
+        <p:txBody>
+          <a:bodyPr wrap="square" rtlCol="0">
+            <a:spAutoFit/>
+          </a:bodyPr>
+          <a:lstStyle/>
+          <a:p>
+            <a:pPr algn="ctr"/>
+            <a:r>
+              <a:rPr lang="en-US" dirty="0"/>
+              <a:t>VR</a:t>
+            </a:r>
+          </a:p>
+        </p:txBody>
+      </p:sp>
+    </p:spTree>
+    <p:extLst>
+      <p:ext uri="{BB962C8B-B14F-4D97-AF65-F5344CB8AC3E}">
+        <p14:creationId xmlns:p14="http://schemas.microsoft.com/office/powerpoint/2010/main" val="2254801299"/>
+      </p:ext>
+    </p:extLst>
+  </p:cSld>
+  <p:clrMapOvr>
+    <a:masterClrMapping/>
+  </p:clrMapOvr>
+  <p:timing>
+    <p:tnLst>
+      <p:par>
+        <p:cTn id="1" dur="indefinite" restart="never" nodeType="tmRoot">
+          <p:childTnLst>
+            <p:seq concurrent="1" nextAc="seek">
+              <p:cTn id="2" dur="indefinite" nodeType="mainSeq">
+                <p:childTnLst>
+                  <p:par>
+                    <p:cTn id="3" fill="hold">
+                      <p:stCondLst>
+                        <p:cond delay="indefinite"/>
+                      </p:stCondLst>
+                      <p:childTnLst>
+                        <p:par>
+                          <p:cTn id="4" fill="hold">
+                            <p:stCondLst>
+                              <p:cond delay="0"/>
+                            </p:stCondLst>
+                            <p:childTnLst>
+                              <p:par>
+                                <p:cTn id="5" presetID="1" presetClass="mediacall" presetSubtype="0" fill="hold" nodeType="clickEffect">
+                                  <p:stCondLst>
+                                    <p:cond delay="0"/>
+                                  </p:stCondLst>
+                                  <p:childTnLst>
+                                    <p:cmd type="call" cmd="playFrom(0.0)">
+                                      <p:cBhvr>
+                                        <p:cTn id="6" dur="1" fill="hold"/>
+                                        <p:tgtEl>
+                                          <p:spTgt spid="1072"/>
+                                        </p:tgtEl>
+                                      </p:cBhvr>
+                                    </p:cmd>
+                                  </p:childTnLst>
+                                </p:cTn>
+                              </p:par>
+                            </p:childTnLst>
+                          </p:cTn>
+                        </p:par>
+                      </p:childTnLst>
+                    </p:cTn>
+                  </p:par>
+                </p:childTnLst>
+              </p:cTn>
+              <p:prevCondLst>
+                <p:cond evt="onPrev" delay="0">
+                  <p:tgtEl>
+                    <p:sldTgt/>
+                  </p:tgtEl>
+                </p:cond>
+              </p:prevCondLst>
+              <p:nextCondLst>
+                <p:cond evt="onNext" delay="0">
+                  <p:tgtEl>
+                    <p:sldTgt/>
+                  </p:tgtEl>
+                </p:cond>
+              </p:nextCondLst>
+            </p:seq>
+            <p:video>
+              <p:cMediaNode vol="80000">
+                <p:cTn id="7" fill="hold" display="0">
+                  <p:stCondLst>
+                    <p:cond delay="indefinite"/>
+                  </p:stCondLst>
+                </p:cTn>
+                <p:tgtEl>
+                  <p:spTgt spid="1072"/>
+                </p:tgtEl>
+              </p:cMediaNode>
+            </p:video>
+            <p:seq concurrent="1" nextAc="seek">
+              <p:cTn id="8" restart="whenNotActive" fill="hold" evtFilter="cancelBubble" nodeType="interactiveSeq">
+                <p:stCondLst>
+                  <p:cond evt="onClick" delay="0">
+                    <p:tgtEl>
+                      <p:spTgt spid="1072"/>
+                    </p:tgtEl>
+                  </p:cond>
+                </p:stCondLst>
+                <p:endSync evt="end" delay="0">
+                  <p:rtn val="all"/>
+                </p:endSync>
+                <p:childTnLst>
+                  <p:par>
+                    <p:cTn id="9" fill="hold">
+                      <p:stCondLst>
+                        <p:cond delay="0"/>
+                      </p:stCondLst>
+                      <p:childTnLst>
+                        <p:par>
+                          <p:cTn id="10" fill="hold">
+                            <p:stCondLst>
+                              <p:cond delay="0"/>
+                            </p:stCondLst>
+                            <p:childTnLst>
+                              <p:par>
+                                <p:cTn id="11" presetID="2" presetClass="mediacall" presetSubtype="0" fill="hold" nodeType="clickEffect">
+                                  <p:stCondLst>
+                                    <p:cond delay="0"/>
+                                  </p:stCondLst>
+                                  <p:childTnLst>
+                                    <p:cmd type="call" cmd="togglePause">
+                                      <p:cBhvr>
+                                        <p:cTn id="12" dur="1" fill="hold"/>
+                                        <p:tgtEl>
+                                          <p:spTgt spid="1072"/>
+                                        </p:tgtEl>
+                                      </p:cBhvr>
+                                    </p:cmd>
+                                  </p:childTnLst>
+                                </p:cTn>
+                              </p:par>
+                            </p:childTnLst>
+                          </p:cTn>
+                        </p:par>
+                      </p:childTnLst>
+                    </p:cTn>
+                  </p:par>
+                </p:childTnLst>
+              </p:cTn>
+              <p:nextCondLst>
+                <p:cond evt="onClick" delay="0">
+                  <p:tgtEl>
+                    <p:spTgt spid="1072"/>
+                  </p:tgtEl>
+                </p:cond>
+              </p:nextCondLst>
+            </p:seq>
+          </p:childTnLst>
+        </p:cTn>
+      </p:par>
+    </p:tnLst>
+  </p:timing>
+</p:sld>
+</file>
+
+<file path=ppt/slides/slide4.xml><?xml version="1.0" encoding="utf-8"?>
+<p:sld xmlns:a="http://schemas.openxmlformats.org/drawingml/2006/main" xmlns:r="http://schemas.openxmlformats.org/officeDocument/2006/relationships" xmlns:p="http://schemas.openxmlformats.org/presentationml/2006/main">
+  <p:cSld>
+    <p:spTree>
+      <p:nvGrpSpPr>
+        <p:cNvPr id="1" name=""/>
+        <p:cNvGrpSpPr/>
+        <p:nvPr/>
+      </p:nvGrpSpPr>
+      <p:grpSpPr>
+        <a:xfrm>
+          <a:off x="0" y="0"/>
+          <a:ext cx="0" cy="0"/>
+          <a:chOff x="0" y="0"/>
+          <a:chExt cx="0" cy="0"/>
+        </a:xfrm>
+      </p:grpSpPr>
+      <p:sp>
+        <p:nvSpPr>
+          <p:cNvPr id="2" name="Title 1">
+            <a:extLst>
+              <a:ext uri="{FF2B5EF4-FFF2-40B4-BE49-F238E27FC236}">
+                <a16:creationId xmlns:a16="http://schemas.microsoft.com/office/drawing/2014/main" id="{B1F4A399-281E-DF5D-E710-B81236B29750}"/>
+              </a:ext>
+            </a:extLst>
+          </p:cNvPr>
+          <p:cNvSpPr>
+            <a:spLocks noGrp="1"/>
+          </p:cNvSpPr>
+          <p:nvPr>
+            <p:ph type="title"/>
+          </p:nvPr>
+        </p:nvSpPr>
+        <p:spPr/>
+        <p:txBody>
+          <a:bodyPr/>
+          <a:lstStyle/>
+          <a:p>
+            <a:r>
+              <a:rPr lang="en-US" dirty="0">
+                <a:latin typeface="Biome" panose="020B0503030204020804" pitchFamily="34" charset="0"/>
+                <a:cs typeface="Biome" panose="020B0503030204020804" pitchFamily="34" charset="0"/>
+              </a:rPr>
+              <a:t>Energy Meter Data</a:t>
+            </a:r>
+          </a:p>
+        </p:txBody>
+      </p:sp>
+      <p:sp>
+        <p:nvSpPr>
+          <p:cNvPr id="3" name="Content Placeholder 2">
+            <a:extLst>
+              <a:ext uri="{FF2B5EF4-FFF2-40B4-BE49-F238E27FC236}">
+                <a16:creationId xmlns:a16="http://schemas.microsoft.com/office/drawing/2014/main" id="{F20EE39A-35D7-F3CF-F36B-72BE9C65C60A}"/>
+              </a:ext>
+            </a:extLst>
+          </p:cNvPr>
+          <p:cNvSpPr>
+            <a:spLocks noGrp="1"/>
+          </p:cNvSpPr>
+          <p:nvPr>
+            <p:ph idx="1"/>
+          </p:nvPr>
+        </p:nvSpPr>
+        <p:spPr>
+          <a:xfrm>
+            <a:off x="406880" y="2267200"/>
+            <a:ext cx="10515600" cy="530903"/>
+          </a:xfrm>
+        </p:spPr>
+        <p:txBody>
+          <a:bodyPr>
+            <a:normAutofit/>
+          </a:bodyPr>
+          <a:lstStyle/>
+          <a:p>
+            <a:pPr marL="0" indent="0">
+              <a:buNone/>
+            </a:pPr>
+            <a:r>
+              <a:rPr lang="en-US" sz="2400" dirty="0">
+                <a:latin typeface="Biome" panose="020B0503030204020804" pitchFamily="34" charset="0"/>
+                <a:cs typeface="Biome" panose="020B0503030204020804" pitchFamily="34" charset="0"/>
+              </a:rPr>
+              <a:t>Existing Meters have API’s to export metering data</a:t>
+            </a:r>
+          </a:p>
+        </p:txBody>
+      </p:sp>
+      <p:sp>
+        <p:nvSpPr>
+          <p:cNvPr id="4" name="Freeform: Shape 3">
+            <a:extLst>
+              <a:ext uri="{FF2B5EF4-FFF2-40B4-BE49-F238E27FC236}">
+                <a16:creationId xmlns:a16="http://schemas.microsoft.com/office/drawing/2014/main" id="{72EE4071-BE36-751D-1CCB-50257F1979B1}"/>
+              </a:ext>
+            </a:extLst>
+          </p:cNvPr>
+          <p:cNvSpPr/>
+          <p:nvPr/>
+        </p:nvSpPr>
+        <p:spPr>
+          <a:xfrm flipV="1">
+            <a:off x="0" y="1589700"/>
+            <a:ext cx="13544550" cy="530903"/>
+          </a:xfrm>
+          <a:custGeom>
+            <a:avLst/>
+            <a:gdLst>
+              <a:gd name="connsiteX0" fmla="*/ 0 w 13544550"/>
+              <a:gd name="connsiteY0" fmla="*/ 784798 h 1092698"/>
+              <a:gd name="connsiteX1" fmla="*/ 5886450 w 13544550"/>
+              <a:gd name="connsiteY1" fmla="*/ 3748 h 1092698"/>
+              <a:gd name="connsiteX2" fmla="*/ 13544550 w 13544550"/>
+              <a:gd name="connsiteY2" fmla="*/ 1070548 h 1092698"/>
+            </a:gdLst>
+            <a:ahLst/>
+            <a:cxnLst>
+              <a:cxn ang="0">
+                <a:pos x="connsiteX0" y="connsiteY0"/>
+              </a:cxn>
+              <a:cxn ang="0">
+                <a:pos x="connsiteX1" y="connsiteY1"/>
+              </a:cxn>
+              <a:cxn ang="0">
+                <a:pos x="connsiteX2" y="connsiteY2"/>
+              </a:cxn>
+            </a:cxnLst>
+            <a:rect l="l" t="t" r="r" b="b"/>
+            <a:pathLst>
+              <a:path w="13544550" h="1092698">
+                <a:moveTo>
+                  <a:pt x="0" y="784798"/>
+                </a:moveTo>
+                <a:cubicBezTo>
+                  <a:pt x="1814512" y="370460"/>
+                  <a:pt x="3629025" y="-43877"/>
+                  <a:pt x="5886450" y="3748"/>
+                </a:cubicBezTo>
+                <a:cubicBezTo>
+                  <a:pt x="8143875" y="51373"/>
+                  <a:pt x="11287125" y="1270573"/>
+                  <a:pt x="13544550" y="1070548"/>
+                </a:cubicBezTo>
+              </a:path>
+            </a:pathLst>
+          </a:custGeom>
+          <a:solidFill>
+            <a:srgbClr val="BF9000">
+              <a:alpha val="50196"/>
+            </a:srgbClr>
+          </a:solidFill>
+          <a:ln>
+            <a:noFill/>
+          </a:ln>
+        </p:spPr>
+        <p:style>
+          <a:lnRef idx="2">
+            <a:schemeClr val="accent1">
+              <a:shade val="50000"/>
+            </a:schemeClr>
+          </a:lnRef>
+          <a:fillRef idx="1">
+            <a:schemeClr val="accent1"/>
+          </a:fillRef>
+          <a:effectRef idx="0">
+            <a:schemeClr val="accent1"/>
+          </a:effectRef>
+          <a:fontRef idx="minor">
+            <a:schemeClr val="lt1"/>
+          </a:fontRef>
+        </p:style>
+        <p:txBody>
+          <a:bodyPr rtlCol="0" anchor="ctr"/>
+          <a:lstStyle/>
+          <a:p>
+            <a:pPr algn="ctr"/>
+            <a:endParaRPr lang="en-US"/>
+          </a:p>
+        </p:txBody>
+      </p:sp>
+      <p:sp>
+        <p:nvSpPr>
+          <p:cNvPr id="5" name="Freeform: Shape 4">
+            <a:extLst>
+              <a:ext uri="{FF2B5EF4-FFF2-40B4-BE49-F238E27FC236}">
+                <a16:creationId xmlns:a16="http://schemas.microsoft.com/office/drawing/2014/main" id="{4DC65CA7-9E98-BC34-5DD4-95FDBD1F59CF}"/>
+              </a:ext>
+            </a:extLst>
+          </p:cNvPr>
+          <p:cNvSpPr/>
+          <p:nvPr/>
+        </p:nvSpPr>
+        <p:spPr>
+          <a:xfrm flipV="1">
+            <a:off x="-123825" y="1484646"/>
+            <a:ext cx="12439650" cy="432388"/>
+          </a:xfrm>
+          <a:custGeom>
+            <a:avLst/>
+            <a:gdLst>
+              <a:gd name="connsiteX0" fmla="*/ 0 w 12439650"/>
+              <a:gd name="connsiteY0" fmla="*/ 285773 h 654690"/>
+              <a:gd name="connsiteX1" fmla="*/ 3238500 w 12439650"/>
+              <a:gd name="connsiteY1" fmla="*/ 647723 h 654690"/>
+              <a:gd name="connsiteX2" fmla="*/ 7543800 w 12439650"/>
+              <a:gd name="connsiteY2" fmla="*/ 23 h 654690"/>
+              <a:gd name="connsiteX3" fmla="*/ 12439650 w 12439650"/>
+              <a:gd name="connsiteY3" fmla="*/ 628673 h 654690"/>
+            </a:gdLst>
+            <a:ahLst/>
+            <a:cxnLst>
+              <a:cxn ang="0">
+                <a:pos x="connsiteX0" y="connsiteY0"/>
+              </a:cxn>
+              <a:cxn ang="0">
+                <a:pos x="connsiteX1" y="connsiteY1"/>
+              </a:cxn>
+              <a:cxn ang="0">
+                <a:pos x="connsiteX2" y="connsiteY2"/>
+              </a:cxn>
+              <a:cxn ang="0">
+                <a:pos x="connsiteX3" y="connsiteY3"/>
+              </a:cxn>
+            </a:cxnLst>
+            <a:rect l="l" t="t" r="r" b="b"/>
+            <a:pathLst>
+              <a:path w="12439650" h="654690">
+                <a:moveTo>
+                  <a:pt x="0" y="285773"/>
+                </a:moveTo>
+                <a:cubicBezTo>
+                  <a:pt x="990600" y="490560"/>
+                  <a:pt x="1981200" y="695348"/>
+                  <a:pt x="3238500" y="647723"/>
+                </a:cubicBezTo>
+                <a:cubicBezTo>
+                  <a:pt x="4495800" y="600098"/>
+                  <a:pt x="6010275" y="3198"/>
+                  <a:pt x="7543800" y="23"/>
+                </a:cubicBezTo>
+                <a:cubicBezTo>
+                  <a:pt x="9077325" y="-3152"/>
+                  <a:pt x="10758487" y="312760"/>
+                  <a:pt x="12439650" y="628673"/>
+                </a:cubicBezTo>
+              </a:path>
+            </a:pathLst>
+          </a:custGeom>
+          <a:solidFill>
+            <a:schemeClr val="accent4">
+              <a:lumMod val="60000"/>
+              <a:lumOff val="40000"/>
+            </a:schemeClr>
+          </a:solidFill>
+          <a:ln>
+            <a:noFill/>
+          </a:ln>
+        </p:spPr>
+        <p:style>
+          <a:lnRef idx="2">
+            <a:schemeClr val="accent1">
+              <a:shade val="50000"/>
+            </a:schemeClr>
+          </a:lnRef>
+          <a:fillRef idx="1">
+            <a:schemeClr val="accent1"/>
+          </a:fillRef>
+          <a:effectRef idx="0">
+            <a:schemeClr val="accent1"/>
+          </a:effectRef>
+          <a:fontRef idx="minor">
+            <a:schemeClr val="lt1"/>
+          </a:fontRef>
+        </p:style>
+        <p:txBody>
+          <a:bodyPr rtlCol="0" anchor="ctr"/>
+          <a:lstStyle/>
+          <a:p>
+            <a:pPr algn="ctr"/>
+            <a:endParaRPr lang="en-US"/>
+          </a:p>
+        </p:txBody>
+      </p:sp>
+      <p:sp>
+        <p:nvSpPr>
+          <p:cNvPr id="6" name="Freeform: Shape 5">
+            <a:extLst>
+              <a:ext uri="{FF2B5EF4-FFF2-40B4-BE49-F238E27FC236}">
+                <a16:creationId xmlns:a16="http://schemas.microsoft.com/office/drawing/2014/main" id="{E27F91B0-AC71-1122-8B32-A11E8FF71E6E}"/>
+              </a:ext>
+            </a:extLst>
+          </p:cNvPr>
+          <p:cNvSpPr/>
+          <p:nvPr/>
+        </p:nvSpPr>
+        <p:spPr>
+          <a:xfrm flipV="1">
+            <a:off x="-161925" y="1407586"/>
+            <a:ext cx="12515850" cy="530902"/>
+          </a:xfrm>
+          <a:custGeom>
+            <a:avLst/>
+            <a:gdLst>
+              <a:gd name="connsiteX0" fmla="*/ 0 w 12515850"/>
+              <a:gd name="connsiteY0" fmla="*/ 392012 h 803852"/>
+              <a:gd name="connsiteX1" fmla="*/ 2895600 w 12515850"/>
+              <a:gd name="connsiteY1" fmla="*/ 11012 h 803852"/>
+              <a:gd name="connsiteX2" fmla="*/ 9982200 w 12515850"/>
+              <a:gd name="connsiteY2" fmla="*/ 773012 h 803852"/>
+              <a:gd name="connsiteX3" fmla="*/ 12515850 w 12515850"/>
+              <a:gd name="connsiteY3" fmla="*/ 582512 h 803852"/>
+            </a:gdLst>
+            <a:ahLst/>
+            <a:cxnLst>
+              <a:cxn ang="0">
+                <a:pos x="connsiteX0" y="connsiteY0"/>
+              </a:cxn>
+              <a:cxn ang="0">
+                <a:pos x="connsiteX1" y="connsiteY1"/>
+              </a:cxn>
+              <a:cxn ang="0">
+                <a:pos x="connsiteX2" y="connsiteY2"/>
+              </a:cxn>
+              <a:cxn ang="0">
+                <a:pos x="connsiteX3" y="connsiteY3"/>
+              </a:cxn>
+            </a:cxnLst>
+            <a:rect l="l" t="t" r="r" b="b"/>
+            <a:pathLst>
+              <a:path w="12515850" h="803852">
+                <a:moveTo>
+                  <a:pt x="0" y="392012"/>
+                </a:moveTo>
+                <a:cubicBezTo>
+                  <a:pt x="615950" y="169762"/>
+                  <a:pt x="1231900" y="-52488"/>
+                  <a:pt x="2895600" y="11012"/>
+                </a:cubicBezTo>
+                <a:cubicBezTo>
+                  <a:pt x="4559300" y="74512"/>
+                  <a:pt x="8378825" y="677762"/>
+                  <a:pt x="9982200" y="773012"/>
+                </a:cubicBezTo>
+                <a:cubicBezTo>
+                  <a:pt x="11585575" y="868262"/>
+                  <a:pt x="12050712" y="725387"/>
+                  <a:pt x="12515850" y="582512"/>
+                </a:cubicBezTo>
+              </a:path>
+            </a:pathLst>
+          </a:custGeom>
+          <a:solidFill>
+            <a:schemeClr val="tx1"/>
+          </a:solidFill>
+          <a:ln>
+            <a:noFill/>
+          </a:ln>
+        </p:spPr>
+        <p:style>
+          <a:lnRef idx="2">
+            <a:schemeClr val="accent1">
+              <a:shade val="50000"/>
+            </a:schemeClr>
+          </a:lnRef>
+          <a:fillRef idx="1">
+            <a:schemeClr val="accent1"/>
+          </a:fillRef>
+          <a:effectRef idx="0">
+            <a:schemeClr val="accent1"/>
+          </a:effectRef>
+          <a:fontRef idx="minor">
+            <a:schemeClr val="lt1"/>
+          </a:fontRef>
+        </p:style>
+        <p:txBody>
+          <a:bodyPr rtlCol="0" anchor="ctr"/>
+          <a:lstStyle/>
+          <a:p>
+            <a:pPr algn="ctr"/>
+            <a:endParaRPr lang="en-US"/>
+          </a:p>
+        </p:txBody>
+      </p:sp>
+      <p:pic>
+        <p:nvPicPr>
+          <p:cNvPr id="8" name="Picture 7">
+            <a:extLst>
+              <a:ext uri="{FF2B5EF4-FFF2-40B4-BE49-F238E27FC236}">
+                <a16:creationId xmlns:a16="http://schemas.microsoft.com/office/drawing/2014/main" id="{853AF6B9-6FD8-5385-ACE5-3B9868F3D6CC}"/>
+              </a:ext>
+            </a:extLst>
+          </p:cNvPr>
+          <p:cNvPicPr>
+            <a:picLocks noChangeAspect="1"/>
+          </p:cNvPicPr>
+          <p:nvPr/>
+        </p:nvPicPr>
+        <p:blipFill>
+          <a:blip r:embed="rId2"/>
+          <a:stretch>
+            <a:fillRect/>
+          </a:stretch>
+        </p:blipFill>
+        <p:spPr>
+          <a:xfrm>
+            <a:off x="4814003" y="4888289"/>
+            <a:ext cx="3267232" cy="1837818"/>
+          </a:xfrm>
+          <a:prstGeom prst="rect">
+            <a:avLst/>
+          </a:prstGeom>
+        </p:spPr>
+      </p:pic>
+      <p:pic>
+        <p:nvPicPr>
+          <p:cNvPr id="11" name="Picture 10">
+            <a:extLst>
+              <a:ext uri="{FF2B5EF4-FFF2-40B4-BE49-F238E27FC236}">
+                <a16:creationId xmlns:a16="http://schemas.microsoft.com/office/drawing/2014/main" id="{412401DD-B53B-C760-B24F-A197CF97F679}"/>
+              </a:ext>
+            </a:extLst>
+          </p:cNvPr>
+          <p:cNvPicPr>
+            <a:picLocks noChangeAspect="1"/>
+          </p:cNvPicPr>
+          <p:nvPr/>
+        </p:nvPicPr>
+        <p:blipFill>
+          <a:blip r:embed="rId3"/>
+          <a:stretch>
+            <a:fillRect/>
+          </a:stretch>
+        </p:blipFill>
+        <p:spPr>
+          <a:xfrm>
+            <a:off x="504882" y="2798103"/>
+            <a:ext cx="3969900" cy="1963678"/>
+          </a:xfrm>
+          <a:prstGeom prst="rect">
+            <a:avLst/>
+          </a:prstGeom>
+        </p:spPr>
+      </p:pic>
+      <p:pic>
+        <p:nvPicPr>
+          <p:cNvPr id="13" name="Picture 12">
+            <a:extLst>
+              <a:ext uri="{FF2B5EF4-FFF2-40B4-BE49-F238E27FC236}">
+                <a16:creationId xmlns:a16="http://schemas.microsoft.com/office/drawing/2014/main" id="{D21D7D91-6900-6471-A7C1-8A89ABE00791}"/>
+              </a:ext>
+            </a:extLst>
+          </p:cNvPr>
+          <p:cNvPicPr>
+            <a:picLocks noChangeAspect="1"/>
+          </p:cNvPicPr>
+          <p:nvPr/>
+        </p:nvPicPr>
+        <p:blipFill>
+          <a:blip r:embed="rId4"/>
+          <a:stretch>
+            <a:fillRect/>
+          </a:stretch>
+        </p:blipFill>
+        <p:spPr>
+          <a:xfrm>
+            <a:off x="504882" y="4888289"/>
+            <a:ext cx="3963601" cy="1854529"/>
+          </a:xfrm>
+          <a:prstGeom prst="rect">
+            <a:avLst/>
+          </a:prstGeom>
+        </p:spPr>
+      </p:pic>
+      <p:pic>
+        <p:nvPicPr>
+          <p:cNvPr id="15" name="Picture 14">
+            <a:extLst>
+              <a:ext uri="{FF2B5EF4-FFF2-40B4-BE49-F238E27FC236}">
+                <a16:creationId xmlns:a16="http://schemas.microsoft.com/office/drawing/2014/main" id="{1C2772A7-3DCE-B46C-AC89-B7C63EB0670A}"/>
+              </a:ext>
+            </a:extLst>
+          </p:cNvPr>
+          <p:cNvPicPr>
+            <a:picLocks noChangeAspect="1"/>
+          </p:cNvPicPr>
+          <p:nvPr/>
+        </p:nvPicPr>
+        <p:blipFill>
+          <a:blip r:embed="rId5"/>
+          <a:stretch>
+            <a:fillRect/>
+          </a:stretch>
+        </p:blipFill>
+        <p:spPr>
+          <a:xfrm>
+            <a:off x="8575569" y="194072"/>
+            <a:ext cx="2346911" cy="6548746"/>
+          </a:xfrm>
+          <a:prstGeom prst="rect">
+            <a:avLst/>
+          </a:prstGeom>
+        </p:spPr>
+      </p:pic>
+      <p:sp>
+        <p:nvSpPr>
+          <p:cNvPr id="16" name="Content Placeholder 2">
+            <a:extLst>
+              <a:ext uri="{FF2B5EF4-FFF2-40B4-BE49-F238E27FC236}">
+                <a16:creationId xmlns:a16="http://schemas.microsoft.com/office/drawing/2014/main" id="{EB376D43-77A4-5213-BC69-1B6EBBC5357B}"/>
+              </a:ext>
+            </a:extLst>
+          </p:cNvPr>
+          <p:cNvSpPr txBox="1">
+            <a:spLocks/>
+          </p:cNvSpPr>
+          <p:nvPr/>
+        </p:nvSpPr>
+        <p:spPr>
+          <a:xfrm>
+            <a:off x="4747259" y="2859106"/>
+            <a:ext cx="4530615" cy="1461314"/>
+          </a:xfrm>
+          <a:prstGeom prst="rect">
+            <a:avLst/>
+          </a:prstGeom>
+        </p:spPr>
+        <p:txBody>
+          <a:bodyPr vert="horz" lIns="91440" tIns="45720" rIns="91440" bIns="45720" rtlCol="0">
+            <a:normAutofit/>
+          </a:bodyPr>
+          <a:lstStyle>
+            <a:lvl1pPr marL="228600" indent="-228600" algn="l" defTabSz="914400" rtl="0" eaLnBrk="1" latinLnBrk="0" hangingPunct="1">
+              <a:lnSpc>
+                <a:spcPct val="90000"/>
+              </a:lnSpc>
+              <a:spcBef>
+                <a:spcPts val="1000"/>
+              </a:spcBef>
+              <a:buFont typeface="Arial" panose="020B0604020202020204" pitchFamily="34" charset="0"/>
+              <a:buChar char="•"/>
+              <a:defRPr sz="2800" kern="1200">
+                <a:solidFill>
+                  <a:schemeClr val="tx1"/>
+                </a:solidFill>
+                <a:latin typeface="+mn-lt"/>
+                <a:ea typeface="+mn-ea"/>
+                <a:cs typeface="+mn-cs"/>
+              </a:defRPr>
+            </a:lvl1pPr>
+            <a:lvl2pPr marL="685800" indent="-228600" algn="l" defTabSz="914400" rtl="0" eaLnBrk="1" latinLnBrk="0" hangingPunct="1">
+              <a:lnSpc>
+                <a:spcPct val="90000"/>
+              </a:lnSpc>
+              <a:spcBef>
+                <a:spcPts val="500"/>
+              </a:spcBef>
+              <a:buFont typeface="Arial" panose="020B0604020202020204" pitchFamily="34" charset="0"/>
+              <a:buChar char="•"/>
+              <a:defRPr sz="2400" kern="1200">
+                <a:solidFill>
+                  <a:schemeClr val="tx1"/>
+                </a:solidFill>
+                <a:latin typeface="+mn-lt"/>
+                <a:ea typeface="+mn-ea"/>
+                <a:cs typeface="+mn-cs"/>
+              </a:defRPr>
+            </a:lvl2pPr>
+            <a:lvl3pPr marL="1143000" indent="-228600" algn="l" defTabSz="914400" rtl="0" eaLnBrk="1" latinLnBrk="0" hangingPunct="1">
+              <a:lnSpc>
+                <a:spcPct val="90000"/>
+              </a:lnSpc>
+              <a:spcBef>
+                <a:spcPts val="500"/>
+              </a:spcBef>
+              <a:buFont typeface="Arial" panose="020B0604020202020204" pitchFamily="34" charset="0"/>
+              <a:buChar char="•"/>
+              <a:defRPr sz="2000" kern="1200">
+                <a:solidFill>
+                  <a:schemeClr val="tx1"/>
+                </a:solidFill>
+                <a:latin typeface="+mn-lt"/>
+                <a:ea typeface="+mn-ea"/>
+                <a:cs typeface="+mn-cs"/>
+              </a:defRPr>
+            </a:lvl3pPr>
+            <a:lvl4pPr marL="1600200" indent="-228600" algn="l" defTabSz="914400" rtl="0" eaLnBrk="1" latinLnBrk="0" hangingPunct="1">
+              <a:lnSpc>
+                <a:spcPct val="90000"/>
+              </a:lnSpc>
+              <a:spcBef>
+                <a:spcPts val="500"/>
+              </a:spcBef>
+              <a:buFont typeface="Arial" panose="020B0604020202020204" pitchFamily="34" charset="0"/>
+              <a:buChar char="•"/>
+              <a:defRPr sz="1800" kern="1200">
+                <a:solidFill>
+                  <a:schemeClr val="tx1"/>
+                </a:solidFill>
+                <a:latin typeface="+mn-lt"/>
+                <a:ea typeface="+mn-ea"/>
+                <a:cs typeface="+mn-cs"/>
+              </a:defRPr>
+            </a:lvl4pPr>
+            <a:lvl5pPr marL="2057400" indent="-228600" algn="l" defTabSz="914400" rtl="0" eaLnBrk="1" latinLnBrk="0" hangingPunct="1">
+              <a:lnSpc>
+                <a:spcPct val="90000"/>
+              </a:lnSpc>
+              <a:spcBef>
+                <a:spcPts val="500"/>
+              </a:spcBef>
+              <a:buFont typeface="Arial" panose="020B0604020202020204" pitchFamily="34" charset="0"/>
+              <a:buChar char="•"/>
+              <a:defRPr sz="1800" kern="1200">
+                <a:solidFill>
+                  <a:schemeClr val="tx1"/>
+                </a:solidFill>
+                <a:latin typeface="+mn-lt"/>
+                <a:ea typeface="+mn-ea"/>
+                <a:cs typeface="+mn-cs"/>
+              </a:defRPr>
+            </a:lvl5pPr>
+            <a:lvl6pPr marL="2514600" indent="-228600" algn="l" defTabSz="914400" rtl="0" eaLnBrk="1" latinLnBrk="0" hangingPunct="1">
+              <a:lnSpc>
+                <a:spcPct val="90000"/>
+              </a:lnSpc>
+              <a:spcBef>
+                <a:spcPts val="500"/>
+              </a:spcBef>
+              <a:buFont typeface="Arial" panose="020B0604020202020204" pitchFamily="34" charset="0"/>
+              <a:buChar char="•"/>
+              <a:defRPr sz="1800" kern="1200">
+                <a:solidFill>
+                  <a:schemeClr val="tx1"/>
+                </a:solidFill>
+                <a:latin typeface="+mn-lt"/>
+                <a:ea typeface="+mn-ea"/>
+                <a:cs typeface="+mn-cs"/>
+              </a:defRPr>
+            </a:lvl6pPr>
+            <a:lvl7pPr marL="2971800" indent="-228600" algn="l" defTabSz="914400" rtl="0" eaLnBrk="1" latinLnBrk="0" hangingPunct="1">
+              <a:lnSpc>
+                <a:spcPct val="90000"/>
+              </a:lnSpc>
+              <a:spcBef>
+                <a:spcPts val="500"/>
+              </a:spcBef>
+              <a:buFont typeface="Arial" panose="020B0604020202020204" pitchFamily="34" charset="0"/>
+              <a:buChar char="•"/>
+              <a:defRPr sz="1800" kern="1200">
+                <a:solidFill>
+                  <a:schemeClr val="tx1"/>
+                </a:solidFill>
+                <a:latin typeface="+mn-lt"/>
+                <a:ea typeface="+mn-ea"/>
+                <a:cs typeface="+mn-cs"/>
+              </a:defRPr>
+            </a:lvl7pPr>
+            <a:lvl8pPr marL="3429000" indent="-228600" algn="l" defTabSz="914400" rtl="0" eaLnBrk="1" latinLnBrk="0" hangingPunct="1">
+              <a:lnSpc>
+                <a:spcPct val="90000"/>
+              </a:lnSpc>
+              <a:spcBef>
+                <a:spcPts val="500"/>
+              </a:spcBef>
+              <a:buFont typeface="Arial" panose="020B0604020202020204" pitchFamily="34" charset="0"/>
+              <a:buChar char="•"/>
+              <a:defRPr sz="1800" kern="1200">
+                <a:solidFill>
+                  <a:schemeClr val="tx1"/>
+                </a:solidFill>
+                <a:latin typeface="+mn-lt"/>
+                <a:ea typeface="+mn-ea"/>
+                <a:cs typeface="+mn-cs"/>
+              </a:defRPr>
+            </a:lvl8pPr>
+            <a:lvl9pPr marL="3886200" indent="-228600" algn="l" defTabSz="914400" rtl="0" eaLnBrk="1" latinLnBrk="0" hangingPunct="1">
+              <a:lnSpc>
+                <a:spcPct val="90000"/>
+              </a:lnSpc>
+              <a:spcBef>
+                <a:spcPts val="500"/>
+              </a:spcBef>
+              <a:buFont typeface="Arial" panose="020B0604020202020204" pitchFamily="34" charset="0"/>
+              <a:buChar char="•"/>
+              <a:defRPr sz="1800" kern="1200">
+                <a:solidFill>
+                  <a:schemeClr val="tx1"/>
+                </a:solidFill>
+                <a:latin typeface="+mn-lt"/>
+                <a:ea typeface="+mn-ea"/>
+                <a:cs typeface="+mn-cs"/>
+              </a:defRPr>
+            </a:lvl9pPr>
+          </a:lstStyle>
+          <a:p>
+            <a:r>
+              <a:rPr lang="en-US" sz="2000" dirty="0">
+                <a:solidFill>
+                  <a:srgbClr val="00B0F0"/>
+                </a:solidFill>
+                <a:latin typeface="Biome" panose="020B0503030204020804" pitchFamily="34" charset="0"/>
+                <a:cs typeface="Biome" panose="020B0503030204020804" pitchFamily="34" charset="0"/>
+                <a:hlinkClick r:id="rId6">
+                  <a:extLst>
+                    <a:ext uri="{A12FA001-AC4F-418D-AE19-62706E023703}">
+                      <ahyp:hlinkClr xmlns:ahyp="http://schemas.microsoft.com/office/drawing/2018/hyperlinkcolor" val="tx"/>
+                    </a:ext>
+                  </a:extLst>
+                </a:hlinkClick>
+              </a:rPr>
+              <a:t>Victron</a:t>
+            </a:r>
+            <a:endParaRPr lang="en-US" sz="2000" dirty="0">
+              <a:solidFill>
+                <a:srgbClr val="00B0F0"/>
+              </a:solidFill>
+              <a:latin typeface="Biome" panose="020B0503030204020804" pitchFamily="34" charset="0"/>
+              <a:cs typeface="Biome" panose="020B0503030204020804" pitchFamily="34" charset="0"/>
+            </a:endParaRPr>
+          </a:p>
+          <a:p>
+            <a:r>
+              <a:rPr lang="en-US" sz="2000" dirty="0">
+                <a:latin typeface="Biome" panose="020B0503030204020804" pitchFamily="34" charset="0"/>
+                <a:cs typeface="Biome" panose="020B0503030204020804" pitchFamily="34" charset="0"/>
+              </a:rPr>
+              <a:t>Schneider (</a:t>
+            </a:r>
+            <a:r>
+              <a:rPr lang="en-US" sz="2000" dirty="0">
+                <a:solidFill>
+                  <a:srgbClr val="00B0F0"/>
+                </a:solidFill>
+                <a:latin typeface="Biome" panose="020B0503030204020804" pitchFamily="34" charset="0"/>
+                <a:cs typeface="Biome" panose="020B0503030204020804" pitchFamily="34" charset="0"/>
+                <a:hlinkClick r:id="rId7">
+                  <a:extLst>
+                    <a:ext uri="{A12FA001-AC4F-418D-AE19-62706E023703}">
+                      <ahyp:hlinkClr xmlns:ahyp="http://schemas.microsoft.com/office/drawing/2018/hyperlinkcolor" val="tx"/>
+                    </a:ext>
+                  </a:extLst>
+                </a:hlinkClick>
+              </a:rPr>
+              <a:t>Wiser Energy</a:t>
+            </a:r>
+            <a:r>
+              <a:rPr lang="en-US" sz="2000" dirty="0">
+                <a:latin typeface="Biome" panose="020B0503030204020804" pitchFamily="34" charset="0"/>
+                <a:cs typeface="Biome" panose="020B0503030204020804" pitchFamily="34" charset="0"/>
+              </a:rPr>
+              <a:t>)</a:t>
+            </a:r>
+          </a:p>
+          <a:p>
+            <a:r>
+              <a:rPr lang="en-US" sz="2000" dirty="0" err="1">
+                <a:latin typeface="Biome" panose="020B0503030204020804" pitchFamily="34" charset="0"/>
+                <a:cs typeface="Biome" panose="020B0503030204020804" pitchFamily="34" charset="0"/>
+              </a:rPr>
+              <a:t>Steamaco</a:t>
+            </a:r>
+            <a:endParaRPr lang="en-US" sz="2000" dirty="0">
+              <a:latin typeface="Biome" panose="020B0503030204020804" pitchFamily="34" charset="0"/>
+              <a:cs typeface="Biome" panose="020B0503030204020804" pitchFamily="34" charset="0"/>
+            </a:endParaRPr>
+          </a:p>
+          <a:p>
+            <a:endParaRPr lang="en-US" sz="2000" dirty="0">
+              <a:latin typeface="Biome" panose="020B0503030204020804" pitchFamily="34" charset="0"/>
+              <a:cs typeface="Biome" panose="020B0503030204020804" pitchFamily="34" charset="0"/>
+            </a:endParaRPr>
+          </a:p>
+        </p:txBody>
+      </p:sp>
+    </p:spTree>
+    <p:extLst>
+      <p:ext uri="{BB962C8B-B14F-4D97-AF65-F5344CB8AC3E}">
+        <p14:creationId xmlns:p14="http://schemas.microsoft.com/office/powerpoint/2010/main" val="1242313544"/>
+      </p:ext>
+    </p:extLst>
+  </p:cSld>
+  <p:clrMapOvr>
+    <a:masterClrMapping/>
+  </p:clrMapOvr>
+</p:sld>
+</file>
+
+<file path=ppt/slides/slide5.xml><?xml version="1.0" encoding="utf-8"?>
+<p:sld xmlns:a="http://schemas.openxmlformats.org/drawingml/2006/main" xmlns:r="http://schemas.openxmlformats.org/officeDocument/2006/relationships" xmlns:p="http://schemas.openxmlformats.org/presentationml/2006/main">
+  <p:cSld>
+    <p:spTree>
+      <p:nvGrpSpPr>
+        <p:cNvPr id="1" name=""/>
+        <p:cNvGrpSpPr/>
+        <p:nvPr/>
+      </p:nvGrpSpPr>
+      <p:grpSpPr>
+        <a:xfrm>
+          <a:off x="0" y="0"/>
+          <a:ext cx="0" cy="0"/>
+          <a:chOff x="0" y="0"/>
+          <a:chExt cx="0" cy="0"/>
+        </a:xfrm>
+      </p:grpSpPr>
+      <p:sp>
+        <p:nvSpPr>
+          <p:cNvPr id="2" name="Title 1">
+            <a:extLst>
+              <a:ext uri="{FF2B5EF4-FFF2-40B4-BE49-F238E27FC236}">
+                <a16:creationId xmlns:a16="http://schemas.microsoft.com/office/drawing/2014/main" id="{B1F4A399-281E-DF5D-E710-B81236B29750}"/>
+              </a:ext>
+            </a:extLst>
+          </p:cNvPr>
+          <p:cNvSpPr>
+            <a:spLocks noGrp="1"/>
+          </p:cNvSpPr>
+          <p:nvPr>
+            <p:ph type="title"/>
+          </p:nvPr>
+        </p:nvSpPr>
+        <p:spPr/>
+        <p:txBody>
+          <a:bodyPr/>
+          <a:lstStyle/>
+          <a:p>
+            <a:r>
+              <a:rPr lang="en-US" dirty="0">
+                <a:latin typeface="Biome" panose="020B0503030204020804" pitchFamily="34" charset="0"/>
+                <a:cs typeface="Biome" panose="020B0503030204020804" pitchFamily="34" charset="0"/>
+              </a:rPr>
+              <a:t>Sundial</a:t>
+            </a:r>
+          </a:p>
+        </p:txBody>
+      </p:sp>
+      <p:sp>
+        <p:nvSpPr>
+          <p:cNvPr id="3" name="Content Placeholder 2">
+            <a:extLst>
+              <a:ext uri="{FF2B5EF4-FFF2-40B4-BE49-F238E27FC236}">
+                <a16:creationId xmlns:a16="http://schemas.microsoft.com/office/drawing/2014/main" id="{F20EE39A-35D7-F3CF-F36B-72BE9C65C60A}"/>
+              </a:ext>
+            </a:extLst>
+          </p:cNvPr>
+          <p:cNvSpPr>
+            <a:spLocks noGrp="1"/>
+          </p:cNvSpPr>
+          <p:nvPr>
+            <p:ph idx="1"/>
+          </p:nvPr>
+        </p:nvSpPr>
+        <p:spPr>
+          <a:xfrm>
+            <a:off x="715991" y="2494540"/>
+            <a:ext cx="10263997" cy="3931167"/>
+          </a:xfrm>
+        </p:spPr>
+        <p:txBody>
+          <a:bodyPr>
+            <a:normAutofit/>
+          </a:bodyPr>
+          <a:lstStyle/>
+          <a:p>
+            <a:pPr marL="0" indent="0">
+              <a:buNone/>
+            </a:pPr>
+            <a:r>
+              <a:rPr lang="en-US" sz="2400" dirty="0">
+                <a:latin typeface="Biome" panose="020B0503030204020804" pitchFamily="34" charset="0"/>
+                <a:cs typeface="Biome" panose="020B0503030204020804" pitchFamily="34" charset="0"/>
+              </a:rPr>
+              <a:t>Start with Daily Energy Data</a:t>
+            </a:r>
+          </a:p>
+          <a:p>
+            <a:pPr marL="0" indent="0">
+              <a:buNone/>
+            </a:pPr>
+            <a:endParaRPr lang="en-US" sz="2400" dirty="0">
+              <a:latin typeface="Biome" panose="020B0503030204020804" pitchFamily="34" charset="0"/>
+              <a:cs typeface="Biome" panose="020B0503030204020804" pitchFamily="34" charset="0"/>
+            </a:endParaRPr>
+          </a:p>
+          <a:p>
+            <a:r>
+              <a:rPr lang="en-US" sz="2400" dirty="0">
+                <a:latin typeface="Biome" panose="020B0503030204020804" pitchFamily="34" charset="0"/>
+                <a:cs typeface="Biome" panose="020B0503030204020804" pitchFamily="34" charset="0"/>
+              </a:rPr>
+              <a:t>Solar Yield</a:t>
+            </a:r>
+          </a:p>
+          <a:p>
+            <a:r>
+              <a:rPr lang="en-US" sz="2400" dirty="0">
+                <a:latin typeface="Biome" panose="020B0503030204020804" pitchFamily="34" charset="0"/>
+                <a:cs typeface="Biome" panose="020B0503030204020804" pitchFamily="34" charset="0"/>
+              </a:rPr>
+              <a:t>Battery Charge Cycles</a:t>
+            </a:r>
+          </a:p>
+          <a:p>
+            <a:r>
+              <a:rPr lang="en-US" sz="2400" dirty="0">
+                <a:latin typeface="Biome" panose="020B0503030204020804" pitchFamily="34" charset="0"/>
+                <a:cs typeface="Biome" panose="020B0503030204020804" pitchFamily="34" charset="0"/>
+              </a:rPr>
+              <a:t>Customer Usage</a:t>
+            </a:r>
+          </a:p>
+          <a:p>
+            <a:r>
+              <a:rPr lang="en-US" sz="2400" dirty="0">
+                <a:latin typeface="Biome" panose="020B0503030204020804" pitchFamily="34" charset="0"/>
+                <a:cs typeface="Biome" panose="020B0503030204020804" pitchFamily="34" charset="0"/>
+              </a:rPr>
+              <a:t>Weather Data</a:t>
+            </a:r>
+          </a:p>
+        </p:txBody>
+      </p:sp>
+      <p:sp>
+        <p:nvSpPr>
+          <p:cNvPr id="4" name="Freeform: Shape 3">
+            <a:extLst>
+              <a:ext uri="{FF2B5EF4-FFF2-40B4-BE49-F238E27FC236}">
+                <a16:creationId xmlns:a16="http://schemas.microsoft.com/office/drawing/2014/main" id="{72EE4071-BE36-751D-1CCB-50257F1979B1}"/>
+              </a:ext>
+            </a:extLst>
+          </p:cNvPr>
+          <p:cNvSpPr/>
+          <p:nvPr/>
+        </p:nvSpPr>
+        <p:spPr>
+          <a:xfrm flipH="1">
+            <a:off x="0" y="1417738"/>
+            <a:ext cx="13544550" cy="702866"/>
+          </a:xfrm>
+          <a:custGeom>
+            <a:avLst/>
+            <a:gdLst>
+              <a:gd name="connsiteX0" fmla="*/ 0 w 13544550"/>
+              <a:gd name="connsiteY0" fmla="*/ 784798 h 1092698"/>
+              <a:gd name="connsiteX1" fmla="*/ 5886450 w 13544550"/>
+              <a:gd name="connsiteY1" fmla="*/ 3748 h 1092698"/>
+              <a:gd name="connsiteX2" fmla="*/ 13544550 w 13544550"/>
+              <a:gd name="connsiteY2" fmla="*/ 1070548 h 1092698"/>
+            </a:gdLst>
+            <a:ahLst/>
+            <a:cxnLst>
+              <a:cxn ang="0">
+                <a:pos x="connsiteX0" y="connsiteY0"/>
+              </a:cxn>
+              <a:cxn ang="0">
+                <a:pos x="connsiteX1" y="connsiteY1"/>
+              </a:cxn>
+              <a:cxn ang="0">
+                <a:pos x="connsiteX2" y="connsiteY2"/>
+              </a:cxn>
+            </a:cxnLst>
+            <a:rect l="l" t="t" r="r" b="b"/>
+            <a:pathLst>
+              <a:path w="13544550" h="1092698">
+                <a:moveTo>
+                  <a:pt x="0" y="784798"/>
+                </a:moveTo>
+                <a:cubicBezTo>
+                  <a:pt x="1814512" y="370460"/>
+                  <a:pt x="3629025" y="-43877"/>
+                  <a:pt x="5886450" y="3748"/>
+                </a:cubicBezTo>
+                <a:cubicBezTo>
+                  <a:pt x="8143875" y="51373"/>
+                  <a:pt x="11287125" y="1270573"/>
+                  <a:pt x="13544550" y="1070548"/>
+                </a:cubicBezTo>
+              </a:path>
+            </a:pathLst>
+          </a:custGeom>
+          <a:solidFill>
+            <a:srgbClr val="BF9000">
+              <a:alpha val="50196"/>
+            </a:srgbClr>
+          </a:solidFill>
+          <a:ln>
+            <a:noFill/>
+          </a:ln>
+        </p:spPr>
+        <p:style>
+          <a:lnRef idx="2">
+            <a:schemeClr val="accent1">
+              <a:shade val="50000"/>
+            </a:schemeClr>
+          </a:lnRef>
+          <a:fillRef idx="1">
+            <a:schemeClr val="accent1"/>
+          </a:fillRef>
+          <a:effectRef idx="0">
+            <a:schemeClr val="accent1"/>
+          </a:effectRef>
+          <a:fontRef idx="minor">
+            <a:schemeClr val="lt1"/>
+          </a:fontRef>
+        </p:style>
+        <p:txBody>
+          <a:bodyPr rtlCol="0" anchor="ctr"/>
+          <a:lstStyle/>
+          <a:p>
+            <a:pPr algn="ctr"/>
+            <a:endParaRPr lang="en-US"/>
+          </a:p>
+        </p:txBody>
+      </p:sp>
+      <p:sp>
+        <p:nvSpPr>
+          <p:cNvPr id="5" name="Freeform: Shape 4">
+            <a:extLst>
+              <a:ext uri="{FF2B5EF4-FFF2-40B4-BE49-F238E27FC236}">
+                <a16:creationId xmlns:a16="http://schemas.microsoft.com/office/drawing/2014/main" id="{4DC65CA7-9E98-BC34-5DD4-95FDBD1F59CF}"/>
+              </a:ext>
+            </a:extLst>
+          </p:cNvPr>
+          <p:cNvSpPr/>
+          <p:nvPr/>
+        </p:nvSpPr>
+        <p:spPr>
+          <a:xfrm flipH="1">
+            <a:off x="-114300" y="1689129"/>
+            <a:ext cx="12439650" cy="432388"/>
+          </a:xfrm>
+          <a:custGeom>
+            <a:avLst/>
+            <a:gdLst>
+              <a:gd name="connsiteX0" fmla="*/ 0 w 12439650"/>
+              <a:gd name="connsiteY0" fmla="*/ 285773 h 654690"/>
+              <a:gd name="connsiteX1" fmla="*/ 3238500 w 12439650"/>
+              <a:gd name="connsiteY1" fmla="*/ 647723 h 654690"/>
+              <a:gd name="connsiteX2" fmla="*/ 7543800 w 12439650"/>
+              <a:gd name="connsiteY2" fmla="*/ 23 h 654690"/>
+              <a:gd name="connsiteX3" fmla="*/ 12439650 w 12439650"/>
+              <a:gd name="connsiteY3" fmla="*/ 628673 h 654690"/>
+            </a:gdLst>
+            <a:ahLst/>
+            <a:cxnLst>
+              <a:cxn ang="0">
+                <a:pos x="connsiteX0" y="connsiteY0"/>
+              </a:cxn>
+              <a:cxn ang="0">
+                <a:pos x="connsiteX1" y="connsiteY1"/>
+              </a:cxn>
+              <a:cxn ang="0">
+                <a:pos x="connsiteX2" y="connsiteY2"/>
+              </a:cxn>
+              <a:cxn ang="0">
+                <a:pos x="connsiteX3" y="connsiteY3"/>
+              </a:cxn>
+            </a:cxnLst>
+            <a:rect l="l" t="t" r="r" b="b"/>
+            <a:pathLst>
+              <a:path w="12439650" h="654690">
+                <a:moveTo>
+                  <a:pt x="0" y="285773"/>
+                </a:moveTo>
+                <a:cubicBezTo>
+                  <a:pt x="990600" y="490560"/>
+                  <a:pt x="1981200" y="695348"/>
+                  <a:pt x="3238500" y="647723"/>
+                </a:cubicBezTo>
+                <a:cubicBezTo>
+                  <a:pt x="4495800" y="600098"/>
+                  <a:pt x="6010275" y="3198"/>
+                  <a:pt x="7543800" y="23"/>
+                </a:cubicBezTo>
+                <a:cubicBezTo>
+                  <a:pt x="9077325" y="-3152"/>
+                  <a:pt x="10758487" y="312760"/>
+                  <a:pt x="12439650" y="628673"/>
+                </a:cubicBezTo>
+              </a:path>
+            </a:pathLst>
+          </a:custGeom>
+          <a:solidFill>
+            <a:schemeClr val="accent4">
+              <a:lumMod val="60000"/>
+              <a:lumOff val="40000"/>
+            </a:schemeClr>
+          </a:solidFill>
+          <a:ln>
+            <a:noFill/>
+          </a:ln>
+        </p:spPr>
+        <p:style>
+          <a:lnRef idx="2">
+            <a:schemeClr val="accent1">
+              <a:shade val="50000"/>
+            </a:schemeClr>
+          </a:lnRef>
+          <a:fillRef idx="1">
+            <a:schemeClr val="accent1"/>
+          </a:fillRef>
+          <a:effectRef idx="0">
+            <a:schemeClr val="accent1"/>
+          </a:effectRef>
+          <a:fontRef idx="minor">
+            <a:schemeClr val="lt1"/>
+          </a:fontRef>
+        </p:style>
+        <p:txBody>
+          <a:bodyPr rtlCol="0" anchor="ctr"/>
+          <a:lstStyle/>
+          <a:p>
+            <a:pPr algn="ctr"/>
+            <a:endParaRPr lang="en-US"/>
+          </a:p>
+        </p:txBody>
+      </p:sp>
+      <p:sp>
+        <p:nvSpPr>
+          <p:cNvPr id="6" name="Freeform: Shape 5">
+            <a:extLst>
+              <a:ext uri="{FF2B5EF4-FFF2-40B4-BE49-F238E27FC236}">
+                <a16:creationId xmlns:a16="http://schemas.microsoft.com/office/drawing/2014/main" id="{E27F91B0-AC71-1122-8B32-A11E8FF71E6E}"/>
+              </a:ext>
+            </a:extLst>
+          </p:cNvPr>
+          <p:cNvSpPr/>
+          <p:nvPr/>
+        </p:nvSpPr>
+        <p:spPr>
+          <a:xfrm flipH="1">
+            <a:off x="-138344" y="1690688"/>
+            <a:ext cx="12515850" cy="530902"/>
+          </a:xfrm>
+          <a:custGeom>
+            <a:avLst/>
+            <a:gdLst>
+              <a:gd name="connsiteX0" fmla="*/ 0 w 12515850"/>
+              <a:gd name="connsiteY0" fmla="*/ 392012 h 803852"/>
+              <a:gd name="connsiteX1" fmla="*/ 2895600 w 12515850"/>
+              <a:gd name="connsiteY1" fmla="*/ 11012 h 803852"/>
+              <a:gd name="connsiteX2" fmla="*/ 9982200 w 12515850"/>
+              <a:gd name="connsiteY2" fmla="*/ 773012 h 803852"/>
+              <a:gd name="connsiteX3" fmla="*/ 12515850 w 12515850"/>
+              <a:gd name="connsiteY3" fmla="*/ 582512 h 803852"/>
+            </a:gdLst>
+            <a:ahLst/>
+            <a:cxnLst>
+              <a:cxn ang="0">
+                <a:pos x="connsiteX0" y="connsiteY0"/>
+              </a:cxn>
+              <a:cxn ang="0">
+                <a:pos x="connsiteX1" y="connsiteY1"/>
+              </a:cxn>
+              <a:cxn ang="0">
+                <a:pos x="connsiteX2" y="connsiteY2"/>
+              </a:cxn>
+              <a:cxn ang="0">
+                <a:pos x="connsiteX3" y="connsiteY3"/>
+              </a:cxn>
+            </a:cxnLst>
+            <a:rect l="l" t="t" r="r" b="b"/>
+            <a:pathLst>
+              <a:path w="12515850" h="803852">
+                <a:moveTo>
+                  <a:pt x="0" y="392012"/>
+                </a:moveTo>
+                <a:cubicBezTo>
+                  <a:pt x="615950" y="169762"/>
+                  <a:pt x="1231900" y="-52488"/>
+                  <a:pt x="2895600" y="11012"/>
+                </a:cubicBezTo>
+                <a:cubicBezTo>
+                  <a:pt x="4559300" y="74512"/>
+                  <a:pt x="8378825" y="677762"/>
+                  <a:pt x="9982200" y="773012"/>
+                </a:cubicBezTo>
+                <a:cubicBezTo>
+                  <a:pt x="11585575" y="868262"/>
+                  <a:pt x="12050712" y="725387"/>
+                  <a:pt x="12515850" y="582512"/>
+                </a:cubicBezTo>
+              </a:path>
+            </a:pathLst>
+          </a:custGeom>
+          <a:solidFill>
+            <a:schemeClr val="tx1"/>
+          </a:solidFill>
+          <a:ln>
+            <a:noFill/>
+          </a:ln>
+        </p:spPr>
+        <p:style>
+          <a:lnRef idx="2">
+            <a:schemeClr val="accent1">
+              <a:shade val="50000"/>
+            </a:schemeClr>
+          </a:lnRef>
+          <a:fillRef idx="1">
+            <a:schemeClr val="accent1"/>
+          </a:fillRef>
+          <a:effectRef idx="0">
+            <a:schemeClr val="accent1"/>
+          </a:effectRef>
+          <a:fontRef idx="minor">
+            <a:schemeClr val="lt1"/>
+          </a:fontRef>
+        </p:style>
+        <p:txBody>
+          <a:bodyPr rtlCol="0" anchor="ctr"/>
+          <a:lstStyle/>
+          <a:p>
+            <a:pPr algn="ctr"/>
+            <a:endParaRPr lang="en-US"/>
+          </a:p>
+        </p:txBody>
+      </p:sp>
+      <p:pic>
+        <p:nvPicPr>
+          <p:cNvPr id="7" name="Online Media 9" title="Circaevum Google Oauth Flow on the Oculus Quest">
+            <a:hlinkClick r:id="" action="ppaction://media"/>
+            <a:extLst>
+              <a:ext uri="{FF2B5EF4-FFF2-40B4-BE49-F238E27FC236}">
+                <a16:creationId xmlns:a16="http://schemas.microsoft.com/office/drawing/2014/main" id="{129E4C24-0484-507A-BFCE-AFB5D6E54C4D}"/>
+              </a:ext>
+            </a:extLst>
+          </p:cNvPr>
+          <p:cNvPicPr>
+            <a:picLocks noRot="1" noChangeAspect="1"/>
+          </p:cNvPicPr>
+          <p:nvPr>
+            <a:videoFile r:link="rId1"/>
+          </p:nvPr>
+        </p:nvPicPr>
+        <p:blipFill>
+          <a:blip r:embed="rId3"/>
+          <a:stretch>
+            <a:fillRect/>
+          </a:stretch>
+        </p:blipFill>
+        <p:spPr>
+          <a:xfrm>
+            <a:off x="6469812" y="2901826"/>
+            <a:ext cx="4745578" cy="2681252"/>
+          </a:xfrm>
+          <a:prstGeom prst="rect">
+            <a:avLst/>
+          </a:prstGeom>
+        </p:spPr>
+      </p:pic>
+      <p:pic>
+        <p:nvPicPr>
+          <p:cNvPr id="9" name="Picture 2">
+            <a:extLst>
+              <a:ext uri="{FF2B5EF4-FFF2-40B4-BE49-F238E27FC236}">
+                <a16:creationId xmlns:a16="http://schemas.microsoft.com/office/drawing/2014/main" id="{BE62BFE4-D8BF-D6B1-5183-6C39C213FF97}"/>
+              </a:ext>
+            </a:extLst>
+          </p:cNvPr>
+          <p:cNvPicPr>
+            <a:picLocks noChangeAspect="1" noChangeArrowheads="1"/>
+          </p:cNvPicPr>
+          <p:nvPr/>
+        </p:nvPicPr>
+        <p:blipFill>
+          <a:blip r:embed="rId4">
+            <a:extLst>
+              <a:ext uri="{28A0092B-C50C-407E-A947-70E740481C1C}">
+                <a14:useLocalDpi xmlns:a14="http://schemas.microsoft.com/office/drawing/2010/main" val="0"/>
+              </a:ext>
+            </a:extLst>
+          </a:blip>
+          <a:srcRect/>
+          <a:stretch>
+            <a:fillRect/>
+          </a:stretch>
+        </p:blipFill>
+        <p:spPr bwMode="auto">
+          <a:xfrm>
+            <a:off x="6119581" y="2494540"/>
+            <a:ext cx="5292244" cy="3215989"/>
+          </a:xfrm>
+          <a:prstGeom prst="roundRect">
+            <a:avLst>
+              <a:gd name="adj" fmla="val 8594"/>
+            </a:avLst>
+          </a:prstGeom>
+          <a:solidFill>
+            <a:srgbClr val="FFFFFF">
+              <a:shade val="85000"/>
+            </a:srgbClr>
+          </a:solidFill>
+          <a:ln>
+            <a:noFill/>
+          </a:ln>
+          <a:effectLst>
+            <a:reflection blurRad="12700" stA="38000" endPos="28000" dist="5000" dir="5400000" sy="-100000" algn="bl" rotWithShape="0"/>
+          </a:effectLst>
+        </p:spPr>
+      </p:pic>
+    </p:spTree>
+    <p:extLst>
+      <p:ext uri="{BB962C8B-B14F-4D97-AF65-F5344CB8AC3E}">
+        <p14:creationId xmlns:p14="http://schemas.microsoft.com/office/powerpoint/2010/main" val="917922473"/>
+      </p:ext>
+    </p:extLst>
+  </p:cSld>
+  <p:clrMapOvr>
+    <a:masterClrMapping/>
+  </p:clrMapOvr>
+  <p:timing>
+    <p:tnLst>
+      <p:par>
+        <p:cTn id="1" dur="indefinite" restart="never" nodeType="tmRoot">
+          <p:childTnLst>
+            <p:seq concurrent="1" nextAc="seek">
+              <p:cTn id="2" dur="indefinite" nodeType="mainSeq">
+                <p:childTnLst>
+                  <p:par>
+                    <p:cTn id="3" fill="hold">
+                      <p:stCondLst>
+                        <p:cond delay="indefinite"/>
+                      </p:stCondLst>
+                      <p:childTnLst>
+                        <p:par>
+                          <p:cTn id="4" fill="hold">
+                            <p:stCondLst>
+                              <p:cond delay="0"/>
+                            </p:stCondLst>
+                            <p:childTnLst>
+                              <p:par>
+                                <p:cTn id="5" presetID="1" presetClass="mediacall" presetSubtype="0" fill="hold" nodeType="clickEffect">
+                                  <p:stCondLst>
+                                    <p:cond delay="0"/>
+                                  </p:stCondLst>
+                                  <p:childTnLst>
+                                    <p:cmd type="call" cmd="playFrom(0.0)">
+                                      <p:cBhvr>
+                                        <p:cTn id="6" dur="1" fill="hold"/>
+                                        <p:tgtEl>
+                                          <p:spTgt spid="7"/>
+                                        </p:tgtEl>
+                                      </p:cBhvr>
+                                    </p:cmd>
+                                  </p:childTnLst>
+                                </p:cTn>
+                              </p:par>
+                            </p:childTnLst>
+                          </p:cTn>
+                        </p:par>
+                      </p:childTnLst>
+                    </p:cTn>
+                  </p:par>
+                </p:childTnLst>
+              </p:cTn>
+              <p:prevCondLst>
+                <p:cond evt="onPrev" delay="0">
+                  <p:tgtEl>
+                    <p:sldTgt/>
+                  </p:tgtEl>
+                </p:cond>
+              </p:prevCondLst>
+              <p:nextCondLst>
+                <p:cond evt="onNext" delay="0">
+                  <p:tgtEl>
+                    <p:sldTgt/>
+                  </p:tgtEl>
+                </p:cond>
+              </p:nextCondLst>
+            </p:seq>
+            <p:seq concurrent="1" nextAc="seek">
+              <p:cTn id="7" restart="whenNotActive" fill="hold" evtFilter="cancelBubble" nodeType="interactiveSeq">
+                <p:stCondLst>
+                  <p:cond evt="onClick" delay="0">
+                    <p:tgtEl>
+                      <p:spTgt spid="7"/>
+                    </p:tgtEl>
+                  </p:cond>
+                </p:stCondLst>
+                <p:endSync evt="end" delay="0">
+                  <p:rtn val="all"/>
+                </p:endSync>
+                <p:childTnLst>
+                  <p:par>
+                    <p:cTn id="8" fill="hold">
+                      <p:stCondLst>
+                        <p:cond delay="0"/>
+                      </p:stCondLst>
+                      <p:childTnLst>
+                        <p:par>
+                          <p:cTn id="9" fill="hold">
+                            <p:stCondLst>
+                              <p:cond delay="0"/>
+                            </p:stCondLst>
+                            <p:childTnLst>
+                              <p:par>
+                                <p:cTn id="10" presetID="2" presetClass="mediacall" presetSubtype="0" fill="hold" nodeType="clickEffect">
+                                  <p:stCondLst>
+                                    <p:cond delay="0"/>
+                                  </p:stCondLst>
+                                  <p:childTnLst>
+                                    <p:cmd type="call" cmd="togglePause">
+                                      <p:cBhvr>
+                                        <p:cTn id="11" dur="1" fill="hold"/>
+                                        <p:tgtEl>
+                                          <p:spTgt spid="7"/>
+                                        </p:tgtEl>
+                                      </p:cBhvr>
+                                    </p:cmd>
+                                  </p:childTnLst>
+                                </p:cTn>
+                              </p:par>
+                            </p:childTnLst>
+                          </p:cTn>
+                        </p:par>
+                      </p:childTnLst>
+                    </p:cTn>
+                  </p:par>
+                </p:childTnLst>
+              </p:cTn>
+              <p:nextCondLst>
+                <p:cond evt="onClick" delay="0">
+                  <p:tgtEl>
+                    <p:spTgt spid="7"/>
+                  </p:tgtEl>
+                </p:cond>
+              </p:nextCondLst>
+            </p:seq>
+            <p:video>
+              <p:cMediaNode vol="80000">
+                <p:cTn id="12" fill="hold" display="0">
+                  <p:stCondLst>
+                    <p:cond delay="indefinite"/>
+                  </p:stCondLst>
+                </p:cTn>
+                <p:tgtEl>
+                  <p:spTgt spid="7"/>
+                </p:tgtEl>
+              </p:cMediaNode>
+            </p:video>
+          </p:childTnLst>
+        </p:cTn>
+      </p:par>
+    </p:tnLst>
+  </p:timing>
+</p:sld>
+</file>
+
+<file path=ppt/slides/slide6.xml><?xml version="1.0" encoding="utf-8"?>
+<p:sld xmlns:a="http://schemas.openxmlformats.org/drawingml/2006/main" xmlns:r="http://schemas.openxmlformats.org/officeDocument/2006/relationships" xmlns:p="http://schemas.openxmlformats.org/presentationml/2006/main">
+  <p:cSld>
+    <p:spTree>
+      <p:nvGrpSpPr>
+        <p:cNvPr id="1" name=""/>
+        <p:cNvGrpSpPr/>
+        <p:nvPr/>
+      </p:nvGrpSpPr>
+      <p:grpSpPr>
+        <a:xfrm>
+          <a:off x="0" y="0"/>
+          <a:ext cx="0" cy="0"/>
+          <a:chOff x="0" y="0"/>
+          <a:chExt cx="0" cy="0"/>
+        </a:xfrm>
+      </p:grpSpPr>
+      <p:sp>
+        <p:nvSpPr>
+          <p:cNvPr id="2" name="Title 1">
+            <a:extLst>
+              <a:ext uri="{FF2B5EF4-FFF2-40B4-BE49-F238E27FC236}">
+                <a16:creationId xmlns:a16="http://schemas.microsoft.com/office/drawing/2014/main" id="{B1F4A399-281E-DF5D-E710-B81236B29750}"/>
+              </a:ext>
+            </a:extLst>
+          </p:cNvPr>
+          <p:cNvSpPr>
+            <a:spLocks noGrp="1"/>
+          </p:cNvSpPr>
+          <p:nvPr>
+            <p:ph type="title"/>
+          </p:nvPr>
+        </p:nvSpPr>
+        <p:spPr/>
+        <p:txBody>
+          <a:bodyPr/>
+          <a:lstStyle/>
+          <a:p>
+            <a:r>
+              <a:rPr lang="en-US" dirty="0">
+                <a:latin typeface="Biome" panose="020B0503030204020804" pitchFamily="34" charset="0"/>
+                <a:cs typeface="Biome" panose="020B0503030204020804" pitchFamily="34" charset="0"/>
+              </a:rPr>
+              <a:t>Questions</a:t>
+            </a:r>
+          </a:p>
+        </p:txBody>
+      </p:sp>
+      <p:sp>
+        <p:nvSpPr>
+          <p:cNvPr id="3" name="Content Placeholder 2">
+            <a:extLst>
+              <a:ext uri="{FF2B5EF4-FFF2-40B4-BE49-F238E27FC236}">
+                <a16:creationId xmlns:a16="http://schemas.microsoft.com/office/drawing/2014/main" id="{F20EE39A-35D7-F3CF-F36B-72BE9C65C60A}"/>
+              </a:ext>
+            </a:extLst>
+          </p:cNvPr>
+          <p:cNvSpPr>
+            <a:spLocks noGrp="1"/>
+          </p:cNvSpPr>
+          <p:nvPr>
+            <p:ph idx="1"/>
+          </p:nvPr>
+        </p:nvSpPr>
+        <p:spPr>
+          <a:xfrm>
+            <a:off x="406880" y="2267199"/>
+            <a:ext cx="10515600" cy="3900687"/>
+          </a:xfrm>
+        </p:spPr>
+        <p:txBody>
+          <a:bodyPr>
+            <a:normAutofit/>
+          </a:bodyPr>
+          <a:lstStyle/>
+          <a:p>
+            <a:pPr marL="0" indent="0" algn="ctr">
+              <a:buNone/>
+            </a:pPr>
+            <a:r>
+              <a:rPr lang="en-US" sz="23900" dirty="0">
+                <a:latin typeface="Biome" panose="020B0503030204020804" pitchFamily="34" charset="0"/>
+                <a:cs typeface="Biome" panose="020B0503030204020804" pitchFamily="34" charset="0"/>
+              </a:rPr>
+              <a:t>?</a:t>
+            </a:r>
+          </a:p>
+        </p:txBody>
+      </p:sp>
+      <p:sp>
+        <p:nvSpPr>
+          <p:cNvPr id="4" name="Freeform: Shape 3">
+            <a:extLst>
+              <a:ext uri="{FF2B5EF4-FFF2-40B4-BE49-F238E27FC236}">
+                <a16:creationId xmlns:a16="http://schemas.microsoft.com/office/drawing/2014/main" id="{72EE4071-BE36-751D-1CCB-50257F1979B1}"/>
+              </a:ext>
+            </a:extLst>
+          </p:cNvPr>
+          <p:cNvSpPr/>
+          <p:nvPr/>
+        </p:nvSpPr>
+        <p:spPr>
+          <a:xfrm>
+            <a:off x="0" y="1417738"/>
+            <a:ext cx="13544550" cy="702866"/>
+          </a:xfrm>
+          <a:custGeom>
+            <a:avLst/>
+            <a:gdLst>
+              <a:gd name="connsiteX0" fmla="*/ 0 w 13544550"/>
+              <a:gd name="connsiteY0" fmla="*/ 784798 h 1092698"/>
+              <a:gd name="connsiteX1" fmla="*/ 5886450 w 13544550"/>
+              <a:gd name="connsiteY1" fmla="*/ 3748 h 1092698"/>
+              <a:gd name="connsiteX2" fmla="*/ 13544550 w 13544550"/>
+              <a:gd name="connsiteY2" fmla="*/ 1070548 h 1092698"/>
+            </a:gdLst>
+            <a:ahLst/>
+            <a:cxnLst>
+              <a:cxn ang="0">
+                <a:pos x="connsiteX0" y="connsiteY0"/>
+              </a:cxn>
+              <a:cxn ang="0">
+                <a:pos x="connsiteX1" y="connsiteY1"/>
+              </a:cxn>
+              <a:cxn ang="0">
+                <a:pos x="connsiteX2" y="connsiteY2"/>
+              </a:cxn>
+            </a:cxnLst>
+            <a:rect l="l" t="t" r="r" b="b"/>
+            <a:pathLst>
+              <a:path w="13544550" h="1092698">
+                <a:moveTo>
+                  <a:pt x="0" y="784798"/>
+                </a:moveTo>
+                <a:cubicBezTo>
+                  <a:pt x="1814512" y="370460"/>
+                  <a:pt x="3629025" y="-43877"/>
+                  <a:pt x="5886450" y="3748"/>
+                </a:cubicBezTo>
+                <a:cubicBezTo>
+                  <a:pt x="8143875" y="51373"/>
+                  <a:pt x="11287125" y="1270573"/>
+                  <a:pt x="13544550" y="1070548"/>
+                </a:cubicBezTo>
+              </a:path>
+            </a:pathLst>
+          </a:custGeom>
+          <a:solidFill>
+            <a:srgbClr val="BF9000">
+              <a:alpha val="50196"/>
+            </a:srgbClr>
+          </a:solidFill>
+          <a:ln>
+            <a:noFill/>
+          </a:ln>
+        </p:spPr>
+        <p:style>
+          <a:lnRef idx="2">
+            <a:schemeClr val="accent1">
+              <a:shade val="50000"/>
+            </a:schemeClr>
+          </a:lnRef>
+          <a:fillRef idx="1">
+            <a:schemeClr val="accent1"/>
+          </a:fillRef>
+          <a:effectRef idx="0">
+            <a:schemeClr val="accent1"/>
+          </a:effectRef>
+          <a:fontRef idx="minor">
+            <a:schemeClr val="lt1"/>
+          </a:fontRef>
+        </p:style>
+        <p:txBody>
+          <a:bodyPr rtlCol="0" anchor="ctr"/>
+          <a:lstStyle/>
+          <a:p>
+            <a:pPr algn="ctr"/>
+            <a:endParaRPr lang="en-US"/>
+          </a:p>
+        </p:txBody>
+      </p:sp>
+      <p:sp>
+        <p:nvSpPr>
+          <p:cNvPr id="5" name="Freeform: Shape 4">
+            <a:extLst>
+              <a:ext uri="{FF2B5EF4-FFF2-40B4-BE49-F238E27FC236}">
+                <a16:creationId xmlns:a16="http://schemas.microsoft.com/office/drawing/2014/main" id="{4DC65CA7-9E98-BC34-5DD4-95FDBD1F59CF}"/>
+              </a:ext>
+            </a:extLst>
+          </p:cNvPr>
+          <p:cNvSpPr/>
+          <p:nvPr/>
+        </p:nvSpPr>
+        <p:spPr>
+          <a:xfrm>
+            <a:off x="-114300" y="1689129"/>
+            <a:ext cx="12439650" cy="432388"/>
+          </a:xfrm>
+          <a:custGeom>
+            <a:avLst/>
+            <a:gdLst>
+              <a:gd name="connsiteX0" fmla="*/ 0 w 12439650"/>
+              <a:gd name="connsiteY0" fmla="*/ 285773 h 654690"/>
+              <a:gd name="connsiteX1" fmla="*/ 3238500 w 12439650"/>
+              <a:gd name="connsiteY1" fmla="*/ 647723 h 654690"/>
+              <a:gd name="connsiteX2" fmla="*/ 7543800 w 12439650"/>
+              <a:gd name="connsiteY2" fmla="*/ 23 h 654690"/>
+              <a:gd name="connsiteX3" fmla="*/ 12439650 w 12439650"/>
+              <a:gd name="connsiteY3" fmla="*/ 628673 h 654690"/>
+            </a:gdLst>
+            <a:ahLst/>
+            <a:cxnLst>
+              <a:cxn ang="0">
+                <a:pos x="connsiteX0" y="connsiteY0"/>
+              </a:cxn>
+              <a:cxn ang="0">
+                <a:pos x="connsiteX1" y="connsiteY1"/>
+              </a:cxn>
+              <a:cxn ang="0">
+                <a:pos x="connsiteX2" y="connsiteY2"/>
+              </a:cxn>
+              <a:cxn ang="0">
+                <a:pos x="connsiteX3" y="connsiteY3"/>
+              </a:cxn>
+            </a:cxnLst>
+            <a:rect l="l" t="t" r="r" b="b"/>
+            <a:pathLst>
+              <a:path w="12439650" h="654690">
+                <a:moveTo>
+                  <a:pt x="0" y="285773"/>
+                </a:moveTo>
+                <a:cubicBezTo>
+                  <a:pt x="990600" y="490560"/>
+                  <a:pt x="1981200" y="695348"/>
+                  <a:pt x="3238500" y="647723"/>
+                </a:cubicBezTo>
+                <a:cubicBezTo>
+                  <a:pt x="4495800" y="600098"/>
+                  <a:pt x="6010275" y="3198"/>
+                  <a:pt x="7543800" y="23"/>
+                </a:cubicBezTo>
+                <a:cubicBezTo>
+                  <a:pt x="9077325" y="-3152"/>
+                  <a:pt x="10758487" y="312760"/>
+                  <a:pt x="12439650" y="628673"/>
+                </a:cubicBezTo>
+              </a:path>
+            </a:pathLst>
+          </a:custGeom>
+          <a:solidFill>
+            <a:schemeClr val="accent4">
+              <a:lumMod val="60000"/>
+              <a:lumOff val="40000"/>
+            </a:schemeClr>
+          </a:solidFill>
+          <a:ln>
+            <a:noFill/>
+          </a:ln>
+        </p:spPr>
+        <p:style>
+          <a:lnRef idx="2">
+            <a:schemeClr val="accent1">
+              <a:shade val="50000"/>
+            </a:schemeClr>
+          </a:lnRef>
+          <a:fillRef idx="1">
+            <a:schemeClr val="accent1"/>
+          </a:fillRef>
+          <a:effectRef idx="0">
+            <a:schemeClr val="accent1"/>
+          </a:effectRef>
+          <a:fontRef idx="minor">
+            <a:schemeClr val="lt1"/>
+          </a:fontRef>
+        </p:style>
+        <p:txBody>
+          <a:bodyPr rtlCol="0" anchor="ctr"/>
+          <a:lstStyle/>
+          <a:p>
+            <a:pPr algn="ctr"/>
+            <a:endParaRPr lang="en-US"/>
+          </a:p>
+        </p:txBody>
+      </p:sp>
+      <p:sp>
+        <p:nvSpPr>
+          <p:cNvPr id="6" name="Freeform: Shape 5">
+            <a:extLst>
+              <a:ext uri="{FF2B5EF4-FFF2-40B4-BE49-F238E27FC236}">
+                <a16:creationId xmlns:a16="http://schemas.microsoft.com/office/drawing/2014/main" id="{E27F91B0-AC71-1122-8B32-A11E8FF71E6E}"/>
+              </a:ext>
+            </a:extLst>
+          </p:cNvPr>
+          <p:cNvSpPr/>
+          <p:nvPr/>
+        </p:nvSpPr>
+        <p:spPr>
+          <a:xfrm>
+            <a:off x="-138344" y="1690688"/>
+            <a:ext cx="12515850" cy="530902"/>
+          </a:xfrm>
+          <a:custGeom>
+            <a:avLst/>
+            <a:gdLst>
+              <a:gd name="connsiteX0" fmla="*/ 0 w 12515850"/>
+              <a:gd name="connsiteY0" fmla="*/ 392012 h 803852"/>
+              <a:gd name="connsiteX1" fmla="*/ 2895600 w 12515850"/>
+              <a:gd name="connsiteY1" fmla="*/ 11012 h 803852"/>
+              <a:gd name="connsiteX2" fmla="*/ 9982200 w 12515850"/>
+              <a:gd name="connsiteY2" fmla="*/ 773012 h 803852"/>
+              <a:gd name="connsiteX3" fmla="*/ 12515850 w 12515850"/>
+              <a:gd name="connsiteY3" fmla="*/ 582512 h 803852"/>
+            </a:gdLst>
+            <a:ahLst/>
+            <a:cxnLst>
+              <a:cxn ang="0">
+                <a:pos x="connsiteX0" y="connsiteY0"/>
+              </a:cxn>
+              <a:cxn ang="0">
+                <a:pos x="connsiteX1" y="connsiteY1"/>
+              </a:cxn>
+              <a:cxn ang="0">
+                <a:pos x="connsiteX2" y="connsiteY2"/>
+              </a:cxn>
+              <a:cxn ang="0">
+                <a:pos x="connsiteX3" y="connsiteY3"/>
+              </a:cxn>
+            </a:cxnLst>
+            <a:rect l="l" t="t" r="r" b="b"/>
+            <a:pathLst>
+              <a:path w="12515850" h="803852">
+                <a:moveTo>
+                  <a:pt x="0" y="392012"/>
+                </a:moveTo>
+                <a:cubicBezTo>
+                  <a:pt x="615950" y="169762"/>
+                  <a:pt x="1231900" y="-52488"/>
+                  <a:pt x="2895600" y="11012"/>
+                </a:cubicBezTo>
+                <a:cubicBezTo>
+                  <a:pt x="4559300" y="74512"/>
+                  <a:pt x="8378825" y="677762"/>
+                  <a:pt x="9982200" y="773012"/>
+                </a:cubicBezTo>
+                <a:cubicBezTo>
+                  <a:pt x="11585575" y="868262"/>
+                  <a:pt x="12050712" y="725387"/>
+                  <a:pt x="12515850" y="582512"/>
+                </a:cubicBezTo>
+              </a:path>
+            </a:pathLst>
+          </a:custGeom>
+          <a:solidFill>
+            <a:schemeClr val="tx1"/>
+          </a:solidFill>
+          <a:ln>
+            <a:noFill/>
+          </a:ln>
+        </p:spPr>
+        <p:style>
+          <a:lnRef idx="2">
+            <a:schemeClr val="accent1">
+              <a:shade val="50000"/>
+            </a:schemeClr>
+          </a:lnRef>
+          <a:fillRef idx="1">
+            <a:schemeClr val="accent1"/>
+          </a:fillRef>
+          <a:effectRef idx="0">
+            <a:schemeClr val="accent1"/>
+          </a:effectRef>
+          <a:fontRef idx="minor">
+            <a:schemeClr val="lt1"/>
+          </a:fontRef>
+        </p:style>
+        <p:txBody>
+          <a:bodyPr rtlCol="0" anchor="ctr"/>
+          <a:lstStyle/>
+          <a:p>
+            <a:pPr algn="ctr"/>
+            <a:endParaRPr lang="en-US"/>
+          </a:p>
+        </p:txBody>
+      </p:sp>
+    </p:spTree>
+    <p:extLst>
+      <p:ext uri="{BB962C8B-B14F-4D97-AF65-F5344CB8AC3E}">
+        <p14:creationId xmlns:p14="http://schemas.microsoft.com/office/powerpoint/2010/main" val="1144652838"/>
+      </p:ext>
+    </p:extLst>
+  </p:cSld>
+  <p:clrMapOvr>
+    <a:masterClrMapping/>
+  </p:clrMapOvr>
+</p:sld>
+</file>
+
+<file path=ppt/slides/slide7.xml><?xml version="1.0" encoding="utf-8"?>
+<p:sld xmlns:a="http://schemas.openxmlformats.org/drawingml/2006/main" xmlns:r="http://schemas.openxmlformats.org/officeDocument/2006/relationships" xmlns:p="http://schemas.openxmlformats.org/presentationml/2006/main">
+  <p:cSld>
+    <p:spTree>
+      <p:nvGrpSpPr>
+        <p:cNvPr id="1" name=""/>
+        <p:cNvGrpSpPr/>
+        <p:nvPr/>
+      </p:nvGrpSpPr>
+      <p:grpSpPr>
+        <a:xfrm>
+          <a:off x="0" y="0"/>
+          <a:ext cx="0" cy="0"/>
+          <a:chOff x="0" y="0"/>
+          <a:chExt cx="0" cy="0"/>
+        </a:xfrm>
+      </p:grpSpPr>
+      <p:sp>
+        <p:nvSpPr>
+          <p:cNvPr id="2" name="Title 1">
+            <a:extLst>
+              <a:ext uri="{FF2B5EF4-FFF2-40B4-BE49-F238E27FC236}">
+                <a16:creationId xmlns:a16="http://schemas.microsoft.com/office/drawing/2014/main" id="{B1F4A399-281E-DF5D-E710-B81236B29750}"/>
+              </a:ext>
+            </a:extLst>
+          </p:cNvPr>
+          <p:cNvSpPr>
+            <a:spLocks noGrp="1"/>
+          </p:cNvSpPr>
+          <p:nvPr>
+            <p:ph type="title"/>
+          </p:nvPr>
+        </p:nvSpPr>
+        <p:spPr/>
+        <p:txBody>
+          <a:bodyPr/>
+          <a:lstStyle/>
+          <a:p>
+            <a:r>
+              <a:rPr lang="en-US" dirty="0">
+                <a:latin typeface="Biome" panose="020B0503030204020804" pitchFamily="34" charset="0"/>
+                <a:cs typeface="Biome" panose="020B0503030204020804" pitchFamily="34" charset="0"/>
+              </a:rPr>
+              <a:t>Circaevum – Tech Stack</a:t>
+            </a:r>
+          </a:p>
+        </p:txBody>
+      </p:sp>
+      <p:sp>
+        <p:nvSpPr>
+          <p:cNvPr id="3" name="Content Placeholder 2">
+            <a:extLst>
+              <a:ext uri="{FF2B5EF4-FFF2-40B4-BE49-F238E27FC236}">
+                <a16:creationId xmlns:a16="http://schemas.microsoft.com/office/drawing/2014/main" id="{F20EE39A-35D7-F3CF-F36B-72BE9C65C60A}"/>
+              </a:ext>
+            </a:extLst>
+          </p:cNvPr>
+          <p:cNvSpPr>
+            <a:spLocks noGrp="1"/>
+          </p:cNvSpPr>
+          <p:nvPr>
+            <p:ph idx="1"/>
+          </p:nvPr>
+        </p:nvSpPr>
+        <p:spPr>
+          <a:xfrm>
+            <a:off x="251557" y="2320990"/>
+            <a:ext cx="2159647" cy="539864"/>
+          </a:xfrm>
+        </p:spPr>
+        <p:txBody>
+          <a:bodyPr/>
+          <a:lstStyle/>
+          <a:p>
+            <a:pPr marL="0" indent="0">
+              <a:buNone/>
+            </a:pPr>
+            <a:r>
+              <a:rPr lang="en-US" dirty="0"/>
+              <a:t>Data Pipeline</a:t>
+            </a:r>
+          </a:p>
+        </p:txBody>
+      </p:sp>
+      <p:sp>
+        <p:nvSpPr>
+          <p:cNvPr id="4" name="Freeform: Shape 3">
+            <a:extLst>
+              <a:ext uri="{FF2B5EF4-FFF2-40B4-BE49-F238E27FC236}">
+                <a16:creationId xmlns:a16="http://schemas.microsoft.com/office/drawing/2014/main" id="{72EE4071-BE36-751D-1CCB-50257F1979B1}"/>
+              </a:ext>
+            </a:extLst>
+          </p:cNvPr>
+          <p:cNvSpPr/>
+          <p:nvPr/>
+        </p:nvSpPr>
+        <p:spPr>
+          <a:xfrm>
+            <a:off x="0" y="1417738"/>
+            <a:ext cx="13544550" cy="702866"/>
+          </a:xfrm>
+          <a:custGeom>
+            <a:avLst/>
+            <a:gdLst>
+              <a:gd name="connsiteX0" fmla="*/ 0 w 13544550"/>
+              <a:gd name="connsiteY0" fmla="*/ 784798 h 1092698"/>
+              <a:gd name="connsiteX1" fmla="*/ 5886450 w 13544550"/>
+              <a:gd name="connsiteY1" fmla="*/ 3748 h 1092698"/>
+              <a:gd name="connsiteX2" fmla="*/ 13544550 w 13544550"/>
+              <a:gd name="connsiteY2" fmla="*/ 1070548 h 1092698"/>
+            </a:gdLst>
+            <a:ahLst/>
+            <a:cxnLst>
+              <a:cxn ang="0">
+                <a:pos x="connsiteX0" y="connsiteY0"/>
+              </a:cxn>
+              <a:cxn ang="0">
+                <a:pos x="connsiteX1" y="connsiteY1"/>
+              </a:cxn>
+              <a:cxn ang="0">
+                <a:pos x="connsiteX2" y="connsiteY2"/>
+              </a:cxn>
+            </a:cxnLst>
+            <a:rect l="l" t="t" r="r" b="b"/>
+            <a:pathLst>
+              <a:path w="13544550" h="1092698">
+                <a:moveTo>
+                  <a:pt x="0" y="784798"/>
+                </a:moveTo>
+                <a:cubicBezTo>
+                  <a:pt x="1814512" y="370460"/>
+                  <a:pt x="3629025" y="-43877"/>
+                  <a:pt x="5886450" y="3748"/>
+                </a:cubicBezTo>
+                <a:cubicBezTo>
+                  <a:pt x="8143875" y="51373"/>
+                  <a:pt x="11287125" y="1270573"/>
+                  <a:pt x="13544550" y="1070548"/>
+                </a:cubicBezTo>
+              </a:path>
+            </a:pathLst>
+          </a:custGeom>
+          <a:solidFill>
+            <a:srgbClr val="BF9000">
+              <a:alpha val="50196"/>
+            </a:srgbClr>
+          </a:solidFill>
+          <a:ln>
+            <a:noFill/>
+          </a:ln>
+        </p:spPr>
+        <p:style>
+          <a:lnRef idx="2">
+            <a:schemeClr val="accent1">
+              <a:shade val="50000"/>
+            </a:schemeClr>
+          </a:lnRef>
+          <a:fillRef idx="1">
+            <a:schemeClr val="accent1"/>
+          </a:fillRef>
+          <a:effectRef idx="0">
+            <a:schemeClr val="accent1"/>
+          </a:effectRef>
+          <a:fontRef idx="minor">
+            <a:schemeClr val="lt1"/>
+          </a:fontRef>
+        </p:style>
+        <p:txBody>
+          <a:bodyPr rtlCol="0" anchor="ctr"/>
+          <a:lstStyle/>
+          <a:p>
+            <a:pPr algn="ctr"/>
+            <a:endParaRPr lang="en-US"/>
+          </a:p>
+        </p:txBody>
+      </p:sp>
+      <p:sp>
+        <p:nvSpPr>
+          <p:cNvPr id="5" name="Freeform: Shape 4">
+            <a:extLst>
+              <a:ext uri="{FF2B5EF4-FFF2-40B4-BE49-F238E27FC236}">
+                <a16:creationId xmlns:a16="http://schemas.microsoft.com/office/drawing/2014/main" id="{4DC65CA7-9E98-BC34-5DD4-95FDBD1F59CF}"/>
+              </a:ext>
+            </a:extLst>
+          </p:cNvPr>
+          <p:cNvSpPr/>
+          <p:nvPr/>
+        </p:nvSpPr>
+        <p:spPr>
+          <a:xfrm>
+            <a:off x="-114300" y="1689129"/>
+            <a:ext cx="12439650" cy="432388"/>
+          </a:xfrm>
+          <a:custGeom>
+            <a:avLst/>
+            <a:gdLst>
+              <a:gd name="connsiteX0" fmla="*/ 0 w 12439650"/>
+              <a:gd name="connsiteY0" fmla="*/ 285773 h 654690"/>
+              <a:gd name="connsiteX1" fmla="*/ 3238500 w 12439650"/>
+              <a:gd name="connsiteY1" fmla="*/ 647723 h 654690"/>
+              <a:gd name="connsiteX2" fmla="*/ 7543800 w 12439650"/>
+              <a:gd name="connsiteY2" fmla="*/ 23 h 654690"/>
+              <a:gd name="connsiteX3" fmla="*/ 12439650 w 12439650"/>
+              <a:gd name="connsiteY3" fmla="*/ 628673 h 654690"/>
+            </a:gdLst>
+            <a:ahLst/>
+            <a:cxnLst>
+              <a:cxn ang="0">
+                <a:pos x="connsiteX0" y="connsiteY0"/>
+              </a:cxn>
+              <a:cxn ang="0">
+                <a:pos x="connsiteX1" y="connsiteY1"/>
+              </a:cxn>
+              <a:cxn ang="0">
+                <a:pos x="connsiteX2" y="connsiteY2"/>
+              </a:cxn>
+              <a:cxn ang="0">
+                <a:pos x="connsiteX3" y="connsiteY3"/>
+              </a:cxn>
+            </a:cxnLst>
+            <a:rect l="l" t="t" r="r" b="b"/>
+            <a:pathLst>
+              <a:path w="12439650" h="654690">
+                <a:moveTo>
+                  <a:pt x="0" y="285773"/>
+                </a:moveTo>
+                <a:cubicBezTo>
+                  <a:pt x="990600" y="490560"/>
+                  <a:pt x="1981200" y="695348"/>
+                  <a:pt x="3238500" y="647723"/>
+                </a:cubicBezTo>
+                <a:cubicBezTo>
+                  <a:pt x="4495800" y="600098"/>
+                  <a:pt x="6010275" y="3198"/>
+                  <a:pt x="7543800" y="23"/>
+                </a:cubicBezTo>
+                <a:cubicBezTo>
+                  <a:pt x="9077325" y="-3152"/>
+                  <a:pt x="10758487" y="312760"/>
+                  <a:pt x="12439650" y="628673"/>
+                </a:cubicBezTo>
+              </a:path>
+            </a:pathLst>
+          </a:custGeom>
+          <a:solidFill>
+            <a:schemeClr val="accent4">
+              <a:lumMod val="60000"/>
+              <a:lumOff val="40000"/>
+            </a:schemeClr>
+          </a:solidFill>
+          <a:ln>
+            <a:noFill/>
+          </a:ln>
+        </p:spPr>
+        <p:style>
+          <a:lnRef idx="2">
+            <a:schemeClr val="accent1">
+              <a:shade val="50000"/>
+            </a:schemeClr>
+          </a:lnRef>
+          <a:fillRef idx="1">
+            <a:schemeClr val="accent1"/>
+          </a:fillRef>
+          <a:effectRef idx="0">
+            <a:schemeClr val="accent1"/>
+          </a:effectRef>
+          <a:fontRef idx="minor">
+            <a:schemeClr val="lt1"/>
+          </a:fontRef>
+        </p:style>
+        <p:txBody>
+          <a:bodyPr rtlCol="0" anchor="ctr"/>
+          <a:lstStyle/>
+          <a:p>
+            <a:pPr algn="ctr"/>
+            <a:endParaRPr lang="en-US"/>
+          </a:p>
+        </p:txBody>
+      </p:sp>
+      <p:sp>
+        <p:nvSpPr>
+          <p:cNvPr id="6" name="Freeform: Shape 5">
+            <a:extLst>
+              <a:ext uri="{FF2B5EF4-FFF2-40B4-BE49-F238E27FC236}">
+                <a16:creationId xmlns:a16="http://schemas.microsoft.com/office/drawing/2014/main" id="{E27F91B0-AC71-1122-8B32-A11E8FF71E6E}"/>
+              </a:ext>
+            </a:extLst>
+          </p:cNvPr>
+          <p:cNvSpPr/>
+          <p:nvPr/>
+        </p:nvSpPr>
+        <p:spPr>
+          <a:xfrm>
+            <a:off x="-138344" y="1690688"/>
+            <a:ext cx="12515850" cy="530902"/>
+          </a:xfrm>
+          <a:custGeom>
+            <a:avLst/>
+            <a:gdLst>
+              <a:gd name="connsiteX0" fmla="*/ 0 w 12515850"/>
+              <a:gd name="connsiteY0" fmla="*/ 392012 h 803852"/>
+              <a:gd name="connsiteX1" fmla="*/ 2895600 w 12515850"/>
+              <a:gd name="connsiteY1" fmla="*/ 11012 h 803852"/>
+              <a:gd name="connsiteX2" fmla="*/ 9982200 w 12515850"/>
+              <a:gd name="connsiteY2" fmla="*/ 773012 h 803852"/>
+              <a:gd name="connsiteX3" fmla="*/ 12515850 w 12515850"/>
+              <a:gd name="connsiteY3" fmla="*/ 582512 h 803852"/>
+            </a:gdLst>
+            <a:ahLst/>
+            <a:cxnLst>
+              <a:cxn ang="0">
+                <a:pos x="connsiteX0" y="connsiteY0"/>
+              </a:cxn>
+              <a:cxn ang="0">
+                <a:pos x="connsiteX1" y="connsiteY1"/>
+              </a:cxn>
+              <a:cxn ang="0">
+                <a:pos x="connsiteX2" y="connsiteY2"/>
+              </a:cxn>
+              <a:cxn ang="0">
+                <a:pos x="connsiteX3" y="connsiteY3"/>
+              </a:cxn>
+            </a:cxnLst>
+            <a:rect l="l" t="t" r="r" b="b"/>
+            <a:pathLst>
+              <a:path w="12515850" h="803852">
+                <a:moveTo>
+                  <a:pt x="0" y="392012"/>
+                </a:moveTo>
+                <a:cubicBezTo>
+                  <a:pt x="615950" y="169762"/>
+                  <a:pt x="1231900" y="-52488"/>
+                  <a:pt x="2895600" y="11012"/>
+                </a:cubicBezTo>
+                <a:cubicBezTo>
+                  <a:pt x="4559300" y="74512"/>
+                  <a:pt x="8378825" y="677762"/>
+                  <a:pt x="9982200" y="773012"/>
+                </a:cubicBezTo>
+                <a:cubicBezTo>
+                  <a:pt x="11585575" y="868262"/>
+                  <a:pt x="12050712" y="725387"/>
+                  <a:pt x="12515850" y="582512"/>
+                </a:cubicBezTo>
+              </a:path>
+            </a:pathLst>
+          </a:custGeom>
+          <a:solidFill>
+            <a:schemeClr val="tx1"/>
+          </a:solidFill>
+          <a:ln>
+            <a:noFill/>
+          </a:ln>
+        </p:spPr>
+        <p:style>
+          <a:lnRef idx="2">
+            <a:schemeClr val="accent1">
+              <a:shade val="50000"/>
+            </a:schemeClr>
+          </a:lnRef>
+          <a:fillRef idx="1">
+            <a:schemeClr val="accent1"/>
+          </a:fillRef>
+          <a:effectRef idx="0">
+            <a:schemeClr val="accent1"/>
+          </a:effectRef>
+          <a:fontRef idx="minor">
+            <a:schemeClr val="lt1"/>
+          </a:fontRef>
+        </p:style>
+        <p:txBody>
+          <a:bodyPr rtlCol="0" anchor="ctr"/>
+          <a:lstStyle/>
+          <a:p>
+            <a:pPr algn="ctr"/>
+            <a:endParaRPr lang="en-US"/>
+          </a:p>
+        </p:txBody>
+      </p:sp>
+      <p:sp>
+        <p:nvSpPr>
+          <p:cNvPr id="30" name="TextBox 29">
+            <a:extLst>
+              <a:ext uri="{FF2B5EF4-FFF2-40B4-BE49-F238E27FC236}">
+                <a16:creationId xmlns:a16="http://schemas.microsoft.com/office/drawing/2014/main" id="{A7F5C51F-CB5D-22C3-43B8-2FF00C762DA5}"/>
+              </a:ext>
+            </a:extLst>
+          </p:cNvPr>
+          <p:cNvSpPr txBox="1"/>
+          <p:nvPr/>
+        </p:nvSpPr>
+        <p:spPr>
+          <a:xfrm>
+            <a:off x="857004" y="4137075"/>
+            <a:ext cx="2159647" cy="1209963"/>
+          </a:xfrm>
+          <a:prstGeom prst="rect">
+            <a:avLst/>
+          </a:prstGeom>
+          <a:solidFill>
+            <a:schemeClr val="bg1">
+              <a:lumMod val="75000"/>
+            </a:schemeClr>
+          </a:solidFill>
+          <a:ln>
+            <a:solidFill>
+              <a:schemeClr val="tx1"/>
+            </a:solidFill>
+          </a:ln>
+        </p:spPr>
+        <p:txBody>
+          <a:bodyPr wrap="square" rtlCol="0">
+            <a:spAutoFit/>
+          </a:bodyPr>
+          <a:lstStyle/>
+          <a:p>
+            <a:r>
+              <a:rPr lang="en-US" dirty="0"/>
+              <a:t>PostgresDB</a:t>
+            </a:r>
+          </a:p>
+          <a:p>
+            <a:endParaRPr lang="en-US" dirty="0"/>
+          </a:p>
+          <a:p>
+            <a:endParaRPr lang="en-US" dirty="0"/>
+          </a:p>
+          <a:p>
+            <a:endParaRPr lang="en-US" dirty="0"/>
+          </a:p>
+        </p:txBody>
+      </p:sp>
+      <p:sp>
+        <p:nvSpPr>
+          <p:cNvPr id="31" name="TextBox 30">
+            <a:extLst>
+              <a:ext uri="{FF2B5EF4-FFF2-40B4-BE49-F238E27FC236}">
+                <a16:creationId xmlns:a16="http://schemas.microsoft.com/office/drawing/2014/main" id="{7AC9B8E4-65DB-5581-ECBC-0AA07A65FCB8}"/>
+              </a:ext>
+            </a:extLst>
+          </p:cNvPr>
+          <p:cNvSpPr txBox="1"/>
+          <p:nvPr/>
+        </p:nvSpPr>
+        <p:spPr>
+          <a:xfrm>
+            <a:off x="1393708" y="4670249"/>
+            <a:ext cx="1461111" cy="369332"/>
+          </a:xfrm>
+          <a:prstGeom prst="rect">
+            <a:avLst/>
+          </a:prstGeom>
+          <a:solidFill>
+            <a:schemeClr val="accent1">
+              <a:lumMod val="50000"/>
+            </a:schemeClr>
+          </a:solidFill>
+          <a:ln>
+            <a:solidFill>
+              <a:schemeClr val="tx1"/>
+            </a:solidFill>
+          </a:ln>
+        </p:spPr>
+        <p:txBody>
+          <a:bodyPr wrap="square" rtlCol="0">
+            <a:spAutoFit/>
+          </a:bodyPr>
+          <a:lstStyle/>
+          <a:p>
+            <a:r>
+              <a:rPr lang="en-US" dirty="0"/>
+              <a:t>Game Server</a:t>
+            </a:r>
+          </a:p>
+        </p:txBody>
+      </p:sp>
+      <p:sp>
+        <p:nvSpPr>
+          <p:cNvPr id="32" name="TextBox 31">
+            <a:extLst>
+              <a:ext uri="{FF2B5EF4-FFF2-40B4-BE49-F238E27FC236}">
+                <a16:creationId xmlns:a16="http://schemas.microsoft.com/office/drawing/2014/main" id="{9FD01490-E748-1435-965A-82B969CF7CFB}"/>
+              </a:ext>
+            </a:extLst>
+          </p:cNvPr>
+          <p:cNvSpPr txBox="1"/>
+          <p:nvPr/>
+        </p:nvSpPr>
+        <p:spPr>
+          <a:xfrm>
+            <a:off x="3254317" y="2980010"/>
+            <a:ext cx="6666060" cy="3416320"/>
+          </a:xfrm>
+          <a:prstGeom prst="rect">
+            <a:avLst/>
+          </a:prstGeom>
+          <a:solidFill>
+            <a:schemeClr val="bg1">
+              <a:lumMod val="75000"/>
+            </a:schemeClr>
+          </a:solidFill>
+          <a:ln>
+            <a:solidFill>
+              <a:schemeClr val="tx1"/>
+            </a:solidFill>
+          </a:ln>
+        </p:spPr>
+        <p:txBody>
+          <a:bodyPr wrap="square" rtlCol="0">
+            <a:spAutoFit/>
+          </a:bodyPr>
+          <a:lstStyle/>
+          <a:p>
+            <a:r>
+              <a:rPr lang="en-US" dirty="0"/>
+              <a:t>Unity Game Engine</a:t>
+            </a:r>
+          </a:p>
+          <a:p>
+            <a:endParaRPr lang="en-US" dirty="0"/>
+          </a:p>
+          <a:p>
+            <a:endParaRPr lang="en-US" dirty="0"/>
+          </a:p>
+          <a:p>
+            <a:endParaRPr lang="en-US" dirty="0"/>
+          </a:p>
+          <a:p>
+            <a:endParaRPr lang="en-US" dirty="0"/>
+          </a:p>
+          <a:p>
+            <a:endParaRPr lang="en-US" dirty="0"/>
+          </a:p>
+          <a:p>
+            <a:endParaRPr lang="en-US" dirty="0"/>
+          </a:p>
+          <a:p>
+            <a:endParaRPr lang="en-US" dirty="0"/>
+          </a:p>
+          <a:p>
+            <a:endParaRPr lang="en-US" dirty="0"/>
+          </a:p>
+          <a:p>
+            <a:endParaRPr lang="en-US" dirty="0"/>
+          </a:p>
+          <a:p>
+            <a:endParaRPr lang="en-US" dirty="0"/>
+          </a:p>
+          <a:p>
+            <a:endParaRPr lang="en-US" dirty="0"/>
+          </a:p>
+        </p:txBody>
+      </p:sp>
+      <p:sp>
+        <p:nvSpPr>
+          <p:cNvPr id="33" name="TextBox 32">
+            <a:extLst>
+              <a:ext uri="{FF2B5EF4-FFF2-40B4-BE49-F238E27FC236}">
+                <a16:creationId xmlns:a16="http://schemas.microsoft.com/office/drawing/2014/main" id="{65E89116-0EF4-F8AA-F63F-D25A17309229}"/>
+              </a:ext>
+            </a:extLst>
+          </p:cNvPr>
+          <p:cNvSpPr txBox="1"/>
+          <p:nvPr/>
+        </p:nvSpPr>
+        <p:spPr>
+          <a:xfrm>
+            <a:off x="3574268" y="3576358"/>
+            <a:ext cx="2306172" cy="2585323"/>
+          </a:xfrm>
+          <a:prstGeom prst="rect">
+            <a:avLst/>
+          </a:prstGeom>
+          <a:solidFill>
+            <a:schemeClr val="accent1">
+              <a:lumMod val="50000"/>
+            </a:schemeClr>
+          </a:solidFill>
+          <a:ln>
+            <a:solidFill>
+              <a:schemeClr val="tx1"/>
+            </a:solidFill>
+          </a:ln>
+        </p:spPr>
+        <p:txBody>
+          <a:bodyPr wrap="square" rtlCol="0">
+            <a:spAutoFit/>
+          </a:bodyPr>
+          <a:lstStyle/>
+          <a:p>
+            <a:r>
+              <a:rPr lang="en-US" dirty="0"/>
+              <a:t>Game Server Client</a:t>
+            </a:r>
+          </a:p>
+          <a:p>
+            <a:endParaRPr lang="en-US" dirty="0"/>
+          </a:p>
+          <a:p>
+            <a:endParaRPr lang="en-US" dirty="0"/>
+          </a:p>
+          <a:p>
+            <a:endParaRPr lang="en-US" dirty="0"/>
+          </a:p>
+          <a:p>
+            <a:endParaRPr lang="en-US" dirty="0"/>
+          </a:p>
+          <a:p>
+            <a:endParaRPr lang="en-US" dirty="0"/>
+          </a:p>
+          <a:p>
+            <a:endParaRPr lang="en-US" dirty="0"/>
+          </a:p>
+          <a:p>
+            <a:endParaRPr lang="en-US" dirty="0"/>
+          </a:p>
+          <a:p>
+            <a:endParaRPr lang="en-US" dirty="0"/>
+          </a:p>
+        </p:txBody>
+      </p:sp>
+      <p:sp>
+        <p:nvSpPr>
+          <p:cNvPr id="34" name="TextBox 33">
+            <a:extLst>
+              <a:ext uri="{FF2B5EF4-FFF2-40B4-BE49-F238E27FC236}">
+                <a16:creationId xmlns:a16="http://schemas.microsoft.com/office/drawing/2014/main" id="{6676EA31-FFCB-2E19-1279-C45FE1B35470}"/>
+              </a:ext>
+            </a:extLst>
+          </p:cNvPr>
+          <p:cNvSpPr txBox="1"/>
+          <p:nvPr/>
+        </p:nvSpPr>
+        <p:spPr>
+          <a:xfrm>
+            <a:off x="3806230" y="4027914"/>
+            <a:ext cx="1876987" cy="369332"/>
+          </a:xfrm>
+          <a:prstGeom prst="rect">
+            <a:avLst/>
+          </a:prstGeom>
+          <a:solidFill>
+            <a:schemeClr val="bg1"/>
+          </a:solidFill>
+          <a:ln>
+            <a:solidFill>
+              <a:schemeClr val="tx1"/>
+            </a:solidFill>
+          </a:ln>
+        </p:spPr>
+        <p:txBody>
+          <a:bodyPr wrap="square" rtlCol="0">
+            <a:spAutoFit/>
+          </a:bodyPr>
+          <a:lstStyle/>
+          <a:p>
+            <a:r>
+              <a:rPr lang="en-US" dirty="0"/>
+              <a:t>Login Menu</a:t>
+            </a:r>
+          </a:p>
+        </p:txBody>
+      </p:sp>
+      <p:sp>
+        <p:nvSpPr>
+          <p:cNvPr id="35" name="TextBox 34">
+            <a:extLst>
+              <a:ext uri="{FF2B5EF4-FFF2-40B4-BE49-F238E27FC236}">
+                <a16:creationId xmlns:a16="http://schemas.microsoft.com/office/drawing/2014/main" id="{85AC6997-0C7C-F48E-D090-F7726E201CD2}"/>
+              </a:ext>
+            </a:extLst>
+          </p:cNvPr>
+          <p:cNvSpPr txBox="1"/>
+          <p:nvPr/>
+        </p:nvSpPr>
+        <p:spPr>
+          <a:xfrm>
+            <a:off x="3806229" y="4470443"/>
+            <a:ext cx="1876988" cy="923330"/>
+          </a:xfrm>
+          <a:prstGeom prst="rect">
+            <a:avLst/>
+          </a:prstGeom>
+          <a:solidFill>
+            <a:schemeClr val="bg1"/>
+          </a:solidFill>
+          <a:ln>
+            <a:solidFill>
+              <a:schemeClr val="tx1"/>
+            </a:solidFill>
+          </a:ln>
+        </p:spPr>
+        <p:txBody>
+          <a:bodyPr wrap="square" rtlCol="0">
+            <a:spAutoFit/>
+          </a:bodyPr>
+          <a:lstStyle/>
+          <a:p>
+            <a:r>
+              <a:rPr lang="en-US" dirty="0"/>
+              <a:t>User Data System</a:t>
+            </a:r>
+          </a:p>
+          <a:p>
+            <a:endParaRPr lang="en-US" dirty="0"/>
+          </a:p>
+          <a:p>
+            <a:endParaRPr lang="en-US" dirty="0"/>
+          </a:p>
+        </p:txBody>
+      </p:sp>
+      <p:sp>
+        <p:nvSpPr>
+          <p:cNvPr id="43" name="TextBox 42">
+            <a:extLst>
+              <a:ext uri="{FF2B5EF4-FFF2-40B4-BE49-F238E27FC236}">
+                <a16:creationId xmlns:a16="http://schemas.microsoft.com/office/drawing/2014/main" id="{9DD3789F-DAE7-42E0-B2C7-BEF3ACA891DF}"/>
+              </a:ext>
+            </a:extLst>
+          </p:cNvPr>
+          <p:cNvSpPr txBox="1"/>
+          <p:nvPr/>
+        </p:nvSpPr>
+        <p:spPr>
+          <a:xfrm>
+            <a:off x="6191666" y="3313615"/>
+            <a:ext cx="3495798" cy="2862322"/>
+          </a:xfrm>
+          <a:prstGeom prst="rect">
+            <a:avLst/>
+          </a:prstGeom>
+          <a:solidFill>
+            <a:schemeClr val="accent4">
+              <a:lumMod val="50000"/>
+            </a:schemeClr>
+          </a:solidFill>
+          <a:ln>
+            <a:solidFill>
+              <a:schemeClr val="tx1"/>
+            </a:solidFill>
+          </a:ln>
+        </p:spPr>
+        <p:txBody>
+          <a:bodyPr wrap="square" rtlCol="0">
+            <a:spAutoFit/>
+          </a:bodyPr>
+          <a:lstStyle/>
+          <a:p>
+            <a:r>
+              <a:rPr lang="en-US" dirty="0"/>
+              <a:t>Circaevum Mapping System</a:t>
+            </a:r>
+          </a:p>
+          <a:p>
+            <a:endParaRPr lang="en-US" dirty="0"/>
+          </a:p>
+          <a:p>
+            <a:endParaRPr lang="en-US" dirty="0"/>
+          </a:p>
+          <a:p>
+            <a:endParaRPr lang="en-US" dirty="0"/>
+          </a:p>
+          <a:p>
+            <a:endParaRPr lang="en-US" dirty="0"/>
+          </a:p>
+          <a:p>
+            <a:endParaRPr lang="en-US" dirty="0"/>
+          </a:p>
+          <a:p>
+            <a:endParaRPr lang="en-US" dirty="0"/>
+          </a:p>
+          <a:p>
+            <a:endParaRPr lang="en-US" dirty="0"/>
+          </a:p>
+          <a:p>
+            <a:endParaRPr lang="en-US" dirty="0"/>
+          </a:p>
+          <a:p>
+            <a:endParaRPr lang="en-US" dirty="0"/>
+          </a:p>
+        </p:txBody>
+      </p:sp>
+      <p:sp>
+        <p:nvSpPr>
+          <p:cNvPr id="47" name="TextBox 46">
+            <a:extLst>
+              <a:ext uri="{FF2B5EF4-FFF2-40B4-BE49-F238E27FC236}">
+                <a16:creationId xmlns:a16="http://schemas.microsoft.com/office/drawing/2014/main" id="{9E787C6F-DAEB-8D49-3413-7AB334CCD53C}"/>
+              </a:ext>
+            </a:extLst>
+          </p:cNvPr>
+          <p:cNvSpPr txBox="1"/>
+          <p:nvPr/>
+        </p:nvSpPr>
+        <p:spPr>
+          <a:xfrm>
+            <a:off x="4004444" y="4881557"/>
+            <a:ext cx="1593192" cy="369332"/>
+          </a:xfrm>
+          <a:prstGeom prst="rect">
+            <a:avLst/>
+          </a:prstGeom>
+          <a:solidFill>
+            <a:schemeClr val="accent6">
+              <a:lumMod val="50000"/>
+            </a:schemeClr>
+          </a:solidFill>
+          <a:ln w="19050">
+            <a:solidFill>
+              <a:srgbClr val="92D050"/>
+            </a:solidFill>
+          </a:ln>
+        </p:spPr>
+        <p:txBody>
+          <a:bodyPr wrap="square" rtlCol="0">
+            <a:spAutoFit/>
+          </a:bodyPr>
+          <a:lstStyle/>
+          <a:p>
+            <a:r>
+              <a:rPr lang="en-US" dirty="0"/>
+              <a:t>OAuth Tokens</a:t>
+            </a:r>
+          </a:p>
+        </p:txBody>
+      </p:sp>
+      <p:sp>
+        <p:nvSpPr>
+          <p:cNvPr id="53" name="TextBox 52">
+            <a:extLst>
+              <a:ext uri="{FF2B5EF4-FFF2-40B4-BE49-F238E27FC236}">
+                <a16:creationId xmlns:a16="http://schemas.microsoft.com/office/drawing/2014/main" id="{9FC901FB-7114-05FC-82D4-123AC0713F57}"/>
+              </a:ext>
+            </a:extLst>
+          </p:cNvPr>
+          <p:cNvSpPr txBox="1"/>
+          <p:nvPr/>
+        </p:nvSpPr>
+        <p:spPr>
+          <a:xfrm>
+            <a:off x="251871" y="3008357"/>
+            <a:ext cx="1528425" cy="369332"/>
+          </a:xfrm>
+          <a:prstGeom prst="rect">
+            <a:avLst/>
+          </a:prstGeom>
+          <a:solidFill>
+            <a:srgbClr val="321547"/>
+          </a:solidFill>
+          <a:ln w="19050">
+            <a:solidFill>
+              <a:srgbClr val="92D050"/>
+            </a:solidFill>
+          </a:ln>
+        </p:spPr>
+        <p:txBody>
+          <a:bodyPr wrap="square" rtlCol="0">
+            <a:spAutoFit/>
+          </a:bodyPr>
+          <a:lstStyle/>
+          <a:p>
+            <a:pPr algn="r"/>
+            <a:r>
+              <a:rPr lang="en-US" dirty="0"/>
+              <a:t>Google OAuth</a:t>
+            </a:r>
+          </a:p>
+        </p:txBody>
+      </p:sp>
+      <p:sp>
+        <p:nvSpPr>
+          <p:cNvPr id="54" name="TextBox 53">
+            <a:extLst>
+              <a:ext uri="{FF2B5EF4-FFF2-40B4-BE49-F238E27FC236}">
+                <a16:creationId xmlns:a16="http://schemas.microsoft.com/office/drawing/2014/main" id="{563EBC23-38EA-3FF0-C043-BCE7A0B4FEB0}"/>
+              </a:ext>
+            </a:extLst>
+          </p:cNvPr>
+          <p:cNvSpPr txBox="1"/>
+          <p:nvPr/>
+        </p:nvSpPr>
+        <p:spPr>
+          <a:xfrm>
+            <a:off x="251871" y="3566450"/>
+            <a:ext cx="1528425" cy="369332"/>
+          </a:xfrm>
+          <a:prstGeom prst="rect">
+            <a:avLst/>
+          </a:prstGeom>
+          <a:solidFill>
+            <a:srgbClr val="321547"/>
+          </a:solidFill>
+          <a:ln w="19050">
+            <a:solidFill>
+              <a:srgbClr val="92D050"/>
+            </a:solidFill>
+          </a:ln>
+        </p:spPr>
+        <p:txBody>
+          <a:bodyPr wrap="square" rtlCol="0">
+            <a:spAutoFit/>
+          </a:bodyPr>
+          <a:lstStyle/>
+          <a:p>
+            <a:pPr algn="r"/>
+            <a:r>
+              <a:rPr lang="en-US" dirty="0"/>
+              <a:t>Apple OAuth</a:t>
+            </a:r>
+          </a:p>
+        </p:txBody>
+      </p:sp>
+      <p:cxnSp>
+        <p:nvCxnSpPr>
+          <p:cNvPr id="57" name="Connector: Elbow 56">
+            <a:extLst>
+              <a:ext uri="{FF2B5EF4-FFF2-40B4-BE49-F238E27FC236}">
+                <a16:creationId xmlns:a16="http://schemas.microsoft.com/office/drawing/2014/main" id="{7D2C35B7-482D-D8D4-A9BA-AE2A8614D46A}"/>
+              </a:ext>
+            </a:extLst>
+          </p:cNvPr>
+          <p:cNvCxnSpPr>
+            <a:cxnSpLocks/>
+            <a:stCxn id="53" idx="3"/>
+            <a:endCxn id="31" idx="0"/>
+          </p:cNvCxnSpPr>
+          <p:nvPr/>
+        </p:nvCxnSpPr>
+        <p:spPr>
+          <a:xfrm>
+            <a:off x="1780296" y="3193023"/>
+            <a:ext cx="343968" cy="1477226"/>
+          </a:xfrm>
+          <a:prstGeom prst="bentConnector2">
+            <a:avLst/>
+          </a:prstGeom>
+          <a:ln w="28575">
+            <a:solidFill>
+              <a:srgbClr val="92D050"/>
+            </a:solidFill>
+            <a:tailEnd type="triangle"/>
+          </a:ln>
+        </p:spPr>
+        <p:style>
+          <a:lnRef idx="1">
+            <a:schemeClr val="accent1"/>
+          </a:lnRef>
+          <a:fillRef idx="0">
+            <a:schemeClr val="accent1"/>
+          </a:fillRef>
+          <a:effectRef idx="0">
+            <a:schemeClr val="accent1"/>
+          </a:effectRef>
+          <a:fontRef idx="minor">
+            <a:schemeClr val="tx1"/>
+          </a:fontRef>
+        </p:style>
+      </p:cxnSp>
+      <p:cxnSp>
+        <p:nvCxnSpPr>
+          <p:cNvPr id="1033" name="Connector: Elbow 1032">
+            <a:extLst>
+              <a:ext uri="{FF2B5EF4-FFF2-40B4-BE49-F238E27FC236}">
+                <a16:creationId xmlns:a16="http://schemas.microsoft.com/office/drawing/2014/main" id="{1C2966B9-EEF4-AB04-D607-9EE8F7542A09}"/>
+              </a:ext>
+            </a:extLst>
+          </p:cNvPr>
+          <p:cNvCxnSpPr>
+            <a:stCxn id="31" idx="3"/>
+            <a:endCxn id="47" idx="1"/>
+          </p:cNvCxnSpPr>
+          <p:nvPr/>
+        </p:nvCxnSpPr>
+        <p:spPr>
+          <a:xfrm>
+            <a:off x="2854819" y="4854915"/>
+            <a:ext cx="1149625" cy="211308"/>
+          </a:xfrm>
+          <a:prstGeom prst="bentConnector3">
+            <a:avLst>
+              <a:gd name="adj1" fmla="val 50000"/>
+            </a:avLst>
+          </a:prstGeom>
+          <a:ln w="28575">
+            <a:solidFill>
+              <a:srgbClr val="92D050"/>
+            </a:solidFill>
+            <a:tailEnd type="triangle"/>
+          </a:ln>
+        </p:spPr>
+        <p:style>
+          <a:lnRef idx="1">
+            <a:schemeClr val="accent1"/>
+          </a:lnRef>
+          <a:fillRef idx="0">
+            <a:schemeClr val="accent1"/>
+          </a:fillRef>
+          <a:effectRef idx="0">
+            <a:schemeClr val="accent1"/>
+          </a:effectRef>
+          <a:fontRef idx="minor">
+            <a:schemeClr val="tx1"/>
+          </a:fontRef>
+        </p:style>
+      </p:cxnSp>
+      <p:sp>
+        <p:nvSpPr>
+          <p:cNvPr id="1035" name="TextBox 1034">
+            <a:extLst>
+              <a:ext uri="{FF2B5EF4-FFF2-40B4-BE49-F238E27FC236}">
+                <a16:creationId xmlns:a16="http://schemas.microsoft.com/office/drawing/2014/main" id="{8F95CCEB-2702-8539-03EE-4A4F9F72F3DD}"/>
+              </a:ext>
+            </a:extLst>
+          </p:cNvPr>
+          <p:cNvSpPr txBox="1"/>
+          <p:nvPr/>
+        </p:nvSpPr>
+        <p:spPr>
+          <a:xfrm>
+            <a:off x="6336745" y="3687042"/>
+            <a:ext cx="2198209" cy="369332"/>
+          </a:xfrm>
+          <a:prstGeom prst="rect">
+            <a:avLst/>
+          </a:prstGeom>
+          <a:solidFill>
+            <a:schemeClr val="bg1"/>
+          </a:solidFill>
+          <a:ln>
+            <a:solidFill>
+              <a:schemeClr val="tx1"/>
+            </a:solidFill>
+          </a:ln>
+        </p:spPr>
+        <p:txBody>
+          <a:bodyPr wrap="square" rtlCol="0">
+            <a:spAutoFit/>
+          </a:bodyPr>
+          <a:lstStyle/>
+          <a:p>
+            <a:r>
+              <a:rPr lang="en-US" dirty="0"/>
+              <a:t>Core Time Structure</a:t>
+            </a:r>
+          </a:p>
+        </p:txBody>
+      </p:sp>
+      <p:sp>
+        <p:nvSpPr>
+          <p:cNvPr id="1036" name="TextBox 1035">
+            <a:extLst>
+              <a:ext uri="{FF2B5EF4-FFF2-40B4-BE49-F238E27FC236}">
+                <a16:creationId xmlns:a16="http://schemas.microsoft.com/office/drawing/2014/main" id="{6F155DC3-7699-5136-89FD-508570BD26D9}"/>
+              </a:ext>
+            </a:extLst>
+          </p:cNvPr>
+          <p:cNvSpPr txBox="1"/>
+          <p:nvPr/>
+        </p:nvSpPr>
+        <p:spPr>
+          <a:xfrm>
+            <a:off x="6336745" y="4559421"/>
+            <a:ext cx="3126822" cy="1477328"/>
+          </a:xfrm>
+          <a:prstGeom prst="rect">
+            <a:avLst/>
+          </a:prstGeom>
+          <a:solidFill>
+            <a:schemeClr val="bg1"/>
+          </a:solidFill>
+          <a:ln w="12700">
+            <a:solidFill>
+              <a:schemeClr val="tx1"/>
+            </a:solidFill>
+          </a:ln>
+        </p:spPr>
+        <p:txBody>
+          <a:bodyPr wrap="square" rtlCol="0">
+            <a:spAutoFit/>
+          </a:bodyPr>
+          <a:lstStyle/>
+          <a:p>
+            <a:r>
+              <a:rPr lang="en-US" dirty="0"/>
+              <a:t>Event-Object Rendering System</a:t>
+            </a:r>
+          </a:p>
+          <a:p>
+            <a:endParaRPr lang="en-US" dirty="0"/>
+          </a:p>
+          <a:p>
+            <a:endParaRPr lang="en-US" dirty="0"/>
+          </a:p>
+          <a:p>
+            <a:endParaRPr lang="en-US" dirty="0"/>
+          </a:p>
+          <a:p>
+            <a:endParaRPr lang="en-US" dirty="0"/>
+          </a:p>
+        </p:txBody>
+      </p:sp>
+      <p:cxnSp>
+        <p:nvCxnSpPr>
+          <p:cNvPr id="1038" name="Connector: Elbow 1037">
+            <a:extLst>
+              <a:ext uri="{FF2B5EF4-FFF2-40B4-BE49-F238E27FC236}">
+                <a16:creationId xmlns:a16="http://schemas.microsoft.com/office/drawing/2014/main" id="{ED25E655-B9BA-D568-0548-D4799C737EB4}"/>
+              </a:ext>
+            </a:extLst>
+          </p:cNvPr>
+          <p:cNvCxnSpPr>
+            <a:cxnSpLocks/>
+            <a:stCxn id="47" idx="3"/>
+            <a:endCxn id="1040" idx="1"/>
+          </p:cNvCxnSpPr>
+          <p:nvPr/>
+        </p:nvCxnSpPr>
+        <p:spPr>
+          <a:xfrm>
+            <a:off x="5597636" y="5066223"/>
+            <a:ext cx="928582" cy="84922"/>
+          </a:xfrm>
+          <a:prstGeom prst="bentConnector3">
+            <a:avLst/>
+          </a:prstGeom>
+          <a:ln w="28575">
+            <a:solidFill>
+              <a:srgbClr val="92D050"/>
+            </a:solidFill>
+            <a:tailEnd type="triangle"/>
+          </a:ln>
+        </p:spPr>
+        <p:style>
+          <a:lnRef idx="1">
+            <a:schemeClr val="accent1"/>
+          </a:lnRef>
+          <a:fillRef idx="0">
+            <a:schemeClr val="accent1"/>
+          </a:fillRef>
+          <a:effectRef idx="0">
+            <a:schemeClr val="accent1"/>
+          </a:effectRef>
+          <a:fontRef idx="minor">
+            <a:schemeClr val="tx1"/>
+          </a:fontRef>
+        </p:style>
+      </p:cxnSp>
+      <p:sp>
+        <p:nvSpPr>
+          <p:cNvPr id="1040" name="TextBox 1039">
+            <a:extLst>
+              <a:ext uri="{FF2B5EF4-FFF2-40B4-BE49-F238E27FC236}">
+                <a16:creationId xmlns:a16="http://schemas.microsoft.com/office/drawing/2014/main" id="{692DE474-91CE-CFB4-E89B-BC875442ADBE}"/>
+              </a:ext>
+            </a:extLst>
+          </p:cNvPr>
+          <p:cNvSpPr txBox="1"/>
+          <p:nvPr/>
+        </p:nvSpPr>
+        <p:spPr>
+          <a:xfrm>
+            <a:off x="6526218" y="4966479"/>
+            <a:ext cx="2558498" cy="369332"/>
+          </a:xfrm>
+          <a:prstGeom prst="rect">
+            <a:avLst/>
+          </a:prstGeom>
+          <a:solidFill>
+            <a:schemeClr val="bg1"/>
+          </a:solidFill>
+          <a:ln w="19050">
+            <a:solidFill>
+              <a:srgbClr val="92D050"/>
+            </a:solidFill>
+          </a:ln>
+        </p:spPr>
+        <p:txBody>
+          <a:bodyPr wrap="square" rtlCol="0">
+            <a:spAutoFit/>
+          </a:bodyPr>
+          <a:lstStyle/>
+          <a:p>
+            <a:pPr algn="r"/>
+            <a:r>
+              <a:rPr lang="en-US" dirty="0"/>
+              <a:t>Static Event-Objects</a:t>
+            </a:r>
+          </a:p>
+        </p:txBody>
+      </p:sp>
+      <p:sp>
+        <p:nvSpPr>
+          <p:cNvPr id="1043" name="TextBox 1042">
+            <a:extLst>
+              <a:ext uri="{FF2B5EF4-FFF2-40B4-BE49-F238E27FC236}">
+                <a16:creationId xmlns:a16="http://schemas.microsoft.com/office/drawing/2014/main" id="{42F30EF0-BF91-1813-A55D-D503EBD00EC1}"/>
+              </a:ext>
+            </a:extLst>
+          </p:cNvPr>
+          <p:cNvSpPr txBox="1"/>
+          <p:nvPr/>
+        </p:nvSpPr>
+        <p:spPr>
+          <a:xfrm>
+            <a:off x="6528080" y="5503590"/>
+            <a:ext cx="2558498" cy="369332"/>
+          </a:xfrm>
+          <a:prstGeom prst="rect">
+            <a:avLst/>
+          </a:prstGeom>
+          <a:solidFill>
+            <a:schemeClr val="bg1"/>
+          </a:solidFill>
+          <a:ln w="19050">
+            <a:solidFill>
+              <a:srgbClr val="92D050"/>
+            </a:solidFill>
+          </a:ln>
+        </p:spPr>
+        <p:txBody>
+          <a:bodyPr wrap="square" rtlCol="0">
+            <a:spAutoFit/>
+          </a:bodyPr>
+          <a:lstStyle/>
+          <a:p>
+            <a:pPr algn="r"/>
+            <a:r>
+              <a:rPr lang="en-US" dirty="0"/>
+              <a:t>Dynamic Event-Objects</a:t>
+            </a:r>
+          </a:p>
+        </p:txBody>
+      </p:sp>
+      <p:cxnSp>
+        <p:nvCxnSpPr>
+          <p:cNvPr id="1054" name="Connector: Elbow 1053">
+            <a:extLst>
+              <a:ext uri="{FF2B5EF4-FFF2-40B4-BE49-F238E27FC236}">
+                <a16:creationId xmlns:a16="http://schemas.microsoft.com/office/drawing/2014/main" id="{6778694B-5D1B-29EC-E53F-268E5A966569}"/>
+              </a:ext>
+            </a:extLst>
+          </p:cNvPr>
+          <p:cNvCxnSpPr>
+            <a:cxnSpLocks/>
+            <a:stCxn id="47" idx="3"/>
+            <a:endCxn id="1043" idx="1"/>
+          </p:cNvCxnSpPr>
+          <p:nvPr/>
+        </p:nvCxnSpPr>
+        <p:spPr>
+          <a:xfrm>
+            <a:off x="5597636" y="5066223"/>
+            <a:ext cx="930444" cy="622033"/>
+          </a:xfrm>
+          <a:prstGeom prst="bentConnector3">
+            <a:avLst/>
+          </a:prstGeom>
+          <a:ln w="28575">
+            <a:solidFill>
+              <a:srgbClr val="92D050"/>
+            </a:solidFill>
+            <a:tailEnd type="triangle"/>
+          </a:ln>
+        </p:spPr>
+        <p:style>
+          <a:lnRef idx="1">
+            <a:schemeClr val="accent1"/>
+          </a:lnRef>
+          <a:fillRef idx="0">
+            <a:schemeClr val="accent1"/>
+          </a:fillRef>
+          <a:effectRef idx="0">
+            <a:schemeClr val="accent1"/>
+          </a:effectRef>
+          <a:fontRef idx="minor">
+            <a:schemeClr val="tx1"/>
+          </a:fontRef>
+        </p:style>
+      </p:cxnSp>
+      <p:sp>
+        <p:nvSpPr>
+          <p:cNvPr id="1058" name="TextBox 1057">
+            <a:extLst>
+              <a:ext uri="{FF2B5EF4-FFF2-40B4-BE49-F238E27FC236}">
+                <a16:creationId xmlns:a16="http://schemas.microsoft.com/office/drawing/2014/main" id="{9FC3A540-B2F9-1B9D-754E-E53804BFC2C6}"/>
+              </a:ext>
+            </a:extLst>
+          </p:cNvPr>
+          <p:cNvSpPr txBox="1"/>
+          <p:nvPr/>
+        </p:nvSpPr>
+        <p:spPr>
+          <a:xfrm>
+            <a:off x="6336744" y="4114371"/>
+            <a:ext cx="2198209" cy="369332"/>
+          </a:xfrm>
+          <a:prstGeom prst="rect">
+            <a:avLst/>
+          </a:prstGeom>
+          <a:solidFill>
+            <a:schemeClr val="bg1"/>
+          </a:solidFill>
+          <a:ln>
+            <a:solidFill>
+              <a:schemeClr val="tx1"/>
+            </a:solidFill>
+          </a:ln>
+        </p:spPr>
+        <p:txBody>
+          <a:bodyPr wrap="square" rtlCol="0">
+            <a:spAutoFit/>
+          </a:bodyPr>
+          <a:lstStyle/>
+          <a:p>
+            <a:r>
+              <a:rPr lang="en-US" dirty="0"/>
+              <a:t>Interaction Manager</a:t>
+            </a:r>
+          </a:p>
+        </p:txBody>
+      </p:sp>
+      <p:sp>
+        <p:nvSpPr>
+          <p:cNvPr id="1059" name="TextBox 1058">
+            <a:extLst>
+              <a:ext uri="{FF2B5EF4-FFF2-40B4-BE49-F238E27FC236}">
+                <a16:creationId xmlns:a16="http://schemas.microsoft.com/office/drawing/2014/main" id="{D3C07952-7AAC-00E1-3B9E-5AC4E4EBAC12}"/>
+              </a:ext>
+            </a:extLst>
+          </p:cNvPr>
+          <p:cNvSpPr txBox="1"/>
+          <p:nvPr/>
+        </p:nvSpPr>
+        <p:spPr>
+          <a:xfrm>
+            <a:off x="3806229" y="5475452"/>
+            <a:ext cx="1876987" cy="338554"/>
+          </a:xfrm>
+          <a:prstGeom prst="rect">
+            <a:avLst/>
+          </a:prstGeom>
+          <a:solidFill>
+            <a:schemeClr val="bg1"/>
+          </a:solidFill>
+          <a:ln>
+            <a:solidFill>
+              <a:schemeClr val="tx1"/>
+            </a:solidFill>
+          </a:ln>
+        </p:spPr>
+        <p:txBody>
+          <a:bodyPr wrap="square" rtlCol="0">
+            <a:spAutoFit/>
+          </a:bodyPr>
+          <a:lstStyle/>
+          <a:p>
+            <a:r>
+              <a:rPr lang="en-US" sz="1600" dirty="0"/>
+              <a:t>Multiplayer System</a:t>
+            </a:r>
+          </a:p>
+        </p:txBody>
+      </p:sp>
+      <p:cxnSp>
+        <p:nvCxnSpPr>
+          <p:cNvPr id="58" name="Connector: Elbow 57">
+            <a:extLst>
+              <a:ext uri="{FF2B5EF4-FFF2-40B4-BE49-F238E27FC236}">
+                <a16:creationId xmlns:a16="http://schemas.microsoft.com/office/drawing/2014/main" id="{8395108A-B4CC-9740-61BA-E7126EF3848B}"/>
+              </a:ext>
+            </a:extLst>
+          </p:cNvPr>
+          <p:cNvCxnSpPr>
+            <a:cxnSpLocks/>
+            <a:stCxn id="54" idx="3"/>
+            <a:endCxn id="31" idx="0"/>
+          </p:cNvCxnSpPr>
+          <p:nvPr/>
+        </p:nvCxnSpPr>
+        <p:spPr>
+          <a:xfrm>
+            <a:off x="1780296" y="3751116"/>
+            <a:ext cx="343968" cy="919133"/>
+          </a:xfrm>
+          <a:prstGeom prst="bentConnector2">
+            <a:avLst/>
+          </a:prstGeom>
+          <a:ln w="28575">
+            <a:solidFill>
+              <a:srgbClr val="92D050"/>
+            </a:solidFill>
+            <a:tailEnd type="triangle"/>
+          </a:ln>
+        </p:spPr>
+        <p:style>
+          <a:lnRef idx="1">
+            <a:schemeClr val="accent1"/>
+          </a:lnRef>
+          <a:fillRef idx="0">
+            <a:schemeClr val="accent1"/>
+          </a:fillRef>
+          <a:effectRef idx="0">
+            <a:schemeClr val="accent1"/>
+          </a:effectRef>
+          <a:fontRef idx="minor">
+            <a:schemeClr val="tx1"/>
+          </a:fontRef>
+        </p:style>
+      </p:cxnSp>
+      <p:sp>
+        <p:nvSpPr>
+          <p:cNvPr id="36" name="TextBox 35">
+            <a:extLst>
+              <a:ext uri="{FF2B5EF4-FFF2-40B4-BE49-F238E27FC236}">
+                <a16:creationId xmlns:a16="http://schemas.microsoft.com/office/drawing/2014/main" id="{22BC825F-9CF6-F666-36AB-3A68BFE06C02}"/>
+              </a:ext>
+            </a:extLst>
+          </p:cNvPr>
+          <p:cNvSpPr txBox="1"/>
+          <p:nvPr/>
+        </p:nvSpPr>
+        <p:spPr>
+          <a:xfrm>
+            <a:off x="10551931" y="2990449"/>
+            <a:ext cx="1317674" cy="646331"/>
+          </a:xfrm>
+          <a:prstGeom prst="rect">
+            <a:avLst/>
+          </a:prstGeom>
+          <a:solidFill>
+            <a:schemeClr val="bg1"/>
+          </a:solidFill>
+          <a:ln w="19050">
+            <a:solidFill>
+              <a:srgbClr val="92D050"/>
+            </a:solidFill>
+          </a:ln>
+        </p:spPr>
+        <p:txBody>
+          <a:bodyPr wrap="square" rtlCol="0">
+            <a:spAutoFit/>
+          </a:bodyPr>
+          <a:lstStyle/>
+          <a:p>
+            <a:pPr algn="ctr"/>
+            <a:r>
+              <a:rPr lang="en-US" dirty="0">
+                <a:solidFill>
+                  <a:srgbClr val="92D050"/>
+                </a:solidFill>
+              </a:rPr>
+              <a:t>Circaevum</a:t>
+            </a:r>
+          </a:p>
+          <a:p>
+            <a:pPr algn="ctr"/>
+            <a:r>
+              <a:rPr lang="en-US" dirty="0">
+                <a:solidFill>
+                  <a:srgbClr val="92D050"/>
+                </a:solidFill>
+              </a:rPr>
+              <a:t>App</a:t>
+            </a:r>
+          </a:p>
+        </p:txBody>
+      </p:sp>
+      <p:sp>
+        <p:nvSpPr>
+          <p:cNvPr id="37" name="Content Placeholder 2">
+            <a:extLst>
+              <a:ext uri="{FF2B5EF4-FFF2-40B4-BE49-F238E27FC236}">
+                <a16:creationId xmlns:a16="http://schemas.microsoft.com/office/drawing/2014/main" id="{9B2CB1FF-BE94-815C-E97C-08D1786A890E}"/>
+              </a:ext>
+            </a:extLst>
+          </p:cNvPr>
+          <p:cNvSpPr txBox="1">
+            <a:spLocks/>
+          </p:cNvSpPr>
+          <p:nvPr/>
+        </p:nvSpPr>
+        <p:spPr>
+          <a:xfrm>
+            <a:off x="4890267" y="2317763"/>
+            <a:ext cx="3271901" cy="539864"/>
+          </a:xfrm>
+          <a:prstGeom prst="rect">
+            <a:avLst/>
+          </a:prstGeom>
+        </p:spPr>
+        <p:txBody>
+          <a:bodyPr vert="horz" lIns="91440" tIns="45720" rIns="91440" bIns="45720" rtlCol="0">
+            <a:normAutofit/>
+          </a:bodyPr>
+          <a:lstStyle>
+            <a:lvl1pPr marL="228600" indent="-228600" algn="l" defTabSz="914400" rtl="0" eaLnBrk="1" latinLnBrk="0" hangingPunct="1">
+              <a:lnSpc>
+                <a:spcPct val="90000"/>
+              </a:lnSpc>
+              <a:spcBef>
+                <a:spcPts val="1000"/>
+              </a:spcBef>
+              <a:buFont typeface="Arial" panose="020B0604020202020204" pitchFamily="34" charset="0"/>
+              <a:buChar char="•"/>
+              <a:defRPr sz="2800" kern="1200">
+                <a:solidFill>
+                  <a:schemeClr val="tx1"/>
+                </a:solidFill>
+                <a:latin typeface="+mn-lt"/>
+                <a:ea typeface="+mn-ea"/>
+                <a:cs typeface="+mn-cs"/>
+              </a:defRPr>
+            </a:lvl1pPr>
+            <a:lvl2pPr marL="685800" indent="-228600" algn="l" defTabSz="914400" rtl="0" eaLnBrk="1" latinLnBrk="0" hangingPunct="1">
+              <a:lnSpc>
+                <a:spcPct val="90000"/>
+              </a:lnSpc>
+              <a:spcBef>
+                <a:spcPts val="500"/>
+              </a:spcBef>
+              <a:buFont typeface="Arial" panose="020B0604020202020204" pitchFamily="34" charset="0"/>
+              <a:buChar char="•"/>
+              <a:defRPr sz="2400" kern="1200">
+                <a:solidFill>
+                  <a:schemeClr val="tx1"/>
+                </a:solidFill>
+                <a:latin typeface="+mn-lt"/>
+                <a:ea typeface="+mn-ea"/>
+                <a:cs typeface="+mn-cs"/>
+              </a:defRPr>
+            </a:lvl2pPr>
+            <a:lvl3pPr marL="1143000" indent="-228600" algn="l" defTabSz="914400" rtl="0" eaLnBrk="1" latinLnBrk="0" hangingPunct="1">
+              <a:lnSpc>
+                <a:spcPct val="90000"/>
+              </a:lnSpc>
+              <a:spcBef>
+                <a:spcPts val="500"/>
+              </a:spcBef>
+              <a:buFont typeface="Arial" panose="020B0604020202020204" pitchFamily="34" charset="0"/>
+              <a:buChar char="•"/>
+              <a:defRPr sz="2000" kern="1200">
+                <a:solidFill>
+                  <a:schemeClr val="tx1"/>
+                </a:solidFill>
+                <a:latin typeface="+mn-lt"/>
+                <a:ea typeface="+mn-ea"/>
+                <a:cs typeface="+mn-cs"/>
+              </a:defRPr>
+            </a:lvl3pPr>
+            <a:lvl4pPr marL="1600200" indent="-228600" algn="l" defTabSz="914400" rtl="0" eaLnBrk="1" latinLnBrk="0" hangingPunct="1">
+              <a:lnSpc>
+                <a:spcPct val="90000"/>
+              </a:lnSpc>
+              <a:spcBef>
+                <a:spcPts val="500"/>
+              </a:spcBef>
+              <a:buFont typeface="Arial" panose="020B0604020202020204" pitchFamily="34" charset="0"/>
+              <a:buChar char="•"/>
+              <a:defRPr sz="1800" kern="1200">
+                <a:solidFill>
+                  <a:schemeClr val="tx1"/>
+                </a:solidFill>
+                <a:latin typeface="+mn-lt"/>
+                <a:ea typeface="+mn-ea"/>
+                <a:cs typeface="+mn-cs"/>
+              </a:defRPr>
+            </a:lvl4pPr>
+            <a:lvl5pPr marL="2057400" indent="-228600" algn="l" defTabSz="914400" rtl="0" eaLnBrk="1" latinLnBrk="0" hangingPunct="1">
+              <a:lnSpc>
+                <a:spcPct val="90000"/>
+              </a:lnSpc>
+              <a:spcBef>
+                <a:spcPts val="500"/>
+              </a:spcBef>
+              <a:buFont typeface="Arial" panose="020B0604020202020204" pitchFamily="34" charset="0"/>
+              <a:buChar char="•"/>
+              <a:defRPr sz="1800" kern="1200">
+                <a:solidFill>
+                  <a:schemeClr val="tx1"/>
+                </a:solidFill>
+                <a:latin typeface="+mn-lt"/>
+                <a:ea typeface="+mn-ea"/>
+                <a:cs typeface="+mn-cs"/>
+              </a:defRPr>
+            </a:lvl5pPr>
+            <a:lvl6pPr marL="2514600" indent="-228600" algn="l" defTabSz="914400" rtl="0" eaLnBrk="1" latinLnBrk="0" hangingPunct="1">
+              <a:lnSpc>
+                <a:spcPct val="90000"/>
+              </a:lnSpc>
+              <a:spcBef>
+                <a:spcPts val="500"/>
+              </a:spcBef>
+              <a:buFont typeface="Arial" panose="020B0604020202020204" pitchFamily="34" charset="0"/>
+              <a:buChar char="•"/>
+              <a:defRPr sz="1800" kern="1200">
+                <a:solidFill>
+                  <a:schemeClr val="tx1"/>
+                </a:solidFill>
+                <a:latin typeface="+mn-lt"/>
+                <a:ea typeface="+mn-ea"/>
+                <a:cs typeface="+mn-cs"/>
+              </a:defRPr>
+            </a:lvl6pPr>
+            <a:lvl7pPr marL="2971800" indent="-228600" algn="l" defTabSz="914400" rtl="0" eaLnBrk="1" latinLnBrk="0" hangingPunct="1">
+              <a:lnSpc>
+                <a:spcPct val="90000"/>
+              </a:lnSpc>
+              <a:spcBef>
+                <a:spcPts val="500"/>
+              </a:spcBef>
+              <a:buFont typeface="Arial" panose="020B0604020202020204" pitchFamily="34" charset="0"/>
+              <a:buChar char="•"/>
+              <a:defRPr sz="1800" kern="1200">
+                <a:solidFill>
+                  <a:schemeClr val="tx1"/>
+                </a:solidFill>
+                <a:latin typeface="+mn-lt"/>
+                <a:ea typeface="+mn-ea"/>
+                <a:cs typeface="+mn-cs"/>
+              </a:defRPr>
+            </a:lvl7pPr>
+            <a:lvl8pPr marL="3429000" indent="-228600" algn="l" defTabSz="914400" rtl="0" eaLnBrk="1" latinLnBrk="0" hangingPunct="1">
+              <a:lnSpc>
+                <a:spcPct val="90000"/>
+              </a:lnSpc>
+              <a:spcBef>
+                <a:spcPts val="500"/>
+              </a:spcBef>
+              <a:buFont typeface="Arial" panose="020B0604020202020204" pitchFamily="34" charset="0"/>
+              <a:buChar char="•"/>
+              <a:defRPr sz="1800" kern="1200">
+                <a:solidFill>
+                  <a:schemeClr val="tx1"/>
+                </a:solidFill>
+                <a:latin typeface="+mn-lt"/>
+                <a:ea typeface="+mn-ea"/>
+                <a:cs typeface="+mn-cs"/>
+              </a:defRPr>
+            </a:lvl8pPr>
+            <a:lvl9pPr marL="3886200" indent="-228600" algn="l" defTabSz="914400" rtl="0" eaLnBrk="1" latinLnBrk="0" hangingPunct="1">
+              <a:lnSpc>
+                <a:spcPct val="90000"/>
+              </a:lnSpc>
+              <a:spcBef>
+                <a:spcPts val="500"/>
+              </a:spcBef>
+              <a:buFont typeface="Arial" panose="020B0604020202020204" pitchFamily="34" charset="0"/>
+              <a:buChar char="•"/>
+              <a:defRPr sz="1800" kern="1200">
+                <a:solidFill>
+                  <a:schemeClr val="tx1"/>
+                </a:solidFill>
+                <a:latin typeface="+mn-lt"/>
+                <a:ea typeface="+mn-ea"/>
+                <a:cs typeface="+mn-cs"/>
+              </a:defRPr>
+            </a:lvl9pPr>
+          </a:lstStyle>
+          <a:p>
+            <a:pPr marL="0" indent="0">
+              <a:buFont typeface="Arial" panose="020B0604020202020204" pitchFamily="34" charset="0"/>
+              <a:buNone/>
+            </a:pPr>
+            <a:r>
+              <a:rPr lang="en-US" dirty="0"/>
+              <a:t>Build Environment</a:t>
+            </a:r>
+          </a:p>
+        </p:txBody>
+      </p:sp>
+      <p:sp>
+        <p:nvSpPr>
+          <p:cNvPr id="38" name="Content Placeholder 2">
+            <a:extLst>
+              <a:ext uri="{FF2B5EF4-FFF2-40B4-BE49-F238E27FC236}">
+                <a16:creationId xmlns:a16="http://schemas.microsoft.com/office/drawing/2014/main" id="{AC74D36E-700A-1C87-FD00-BD752D46E280}"/>
+              </a:ext>
+            </a:extLst>
+          </p:cNvPr>
+          <p:cNvSpPr txBox="1">
+            <a:spLocks/>
+          </p:cNvSpPr>
+          <p:nvPr/>
+        </p:nvSpPr>
+        <p:spPr>
+          <a:xfrm>
+            <a:off x="10481094" y="2315175"/>
+            <a:ext cx="1459349" cy="539864"/>
+          </a:xfrm>
+          <a:prstGeom prst="rect">
+            <a:avLst/>
+          </a:prstGeom>
+        </p:spPr>
+        <p:txBody>
+          <a:bodyPr vert="horz" lIns="91440" tIns="45720" rIns="91440" bIns="45720" rtlCol="0">
+            <a:normAutofit/>
+          </a:bodyPr>
+          <a:lstStyle>
+            <a:lvl1pPr marL="228600" indent="-228600" algn="l" defTabSz="914400" rtl="0" eaLnBrk="1" latinLnBrk="0" hangingPunct="1">
+              <a:lnSpc>
+                <a:spcPct val="90000"/>
+              </a:lnSpc>
+              <a:spcBef>
+                <a:spcPts val="1000"/>
+              </a:spcBef>
+              <a:buFont typeface="Arial" panose="020B0604020202020204" pitchFamily="34" charset="0"/>
+              <a:buChar char="•"/>
+              <a:defRPr sz="2800" kern="1200">
+                <a:solidFill>
+                  <a:schemeClr val="tx1"/>
+                </a:solidFill>
+                <a:latin typeface="+mn-lt"/>
+                <a:ea typeface="+mn-ea"/>
+                <a:cs typeface="+mn-cs"/>
+              </a:defRPr>
+            </a:lvl1pPr>
+            <a:lvl2pPr marL="685800" indent="-228600" algn="l" defTabSz="914400" rtl="0" eaLnBrk="1" latinLnBrk="0" hangingPunct="1">
+              <a:lnSpc>
+                <a:spcPct val="90000"/>
+              </a:lnSpc>
+              <a:spcBef>
+                <a:spcPts val="500"/>
+              </a:spcBef>
+              <a:buFont typeface="Arial" panose="020B0604020202020204" pitchFamily="34" charset="0"/>
+              <a:buChar char="•"/>
+              <a:defRPr sz="2400" kern="1200">
+                <a:solidFill>
+                  <a:schemeClr val="tx1"/>
+                </a:solidFill>
+                <a:latin typeface="+mn-lt"/>
+                <a:ea typeface="+mn-ea"/>
+                <a:cs typeface="+mn-cs"/>
+              </a:defRPr>
+            </a:lvl2pPr>
+            <a:lvl3pPr marL="1143000" indent="-228600" algn="l" defTabSz="914400" rtl="0" eaLnBrk="1" latinLnBrk="0" hangingPunct="1">
+              <a:lnSpc>
+                <a:spcPct val="90000"/>
+              </a:lnSpc>
+              <a:spcBef>
+                <a:spcPts val="500"/>
+              </a:spcBef>
+              <a:buFont typeface="Arial" panose="020B0604020202020204" pitchFamily="34" charset="0"/>
+              <a:buChar char="•"/>
+              <a:defRPr sz="2000" kern="1200">
+                <a:solidFill>
+                  <a:schemeClr val="tx1"/>
+                </a:solidFill>
+                <a:latin typeface="+mn-lt"/>
+                <a:ea typeface="+mn-ea"/>
+                <a:cs typeface="+mn-cs"/>
+              </a:defRPr>
+            </a:lvl3pPr>
+            <a:lvl4pPr marL="1600200" indent="-228600" algn="l" defTabSz="914400" rtl="0" eaLnBrk="1" latinLnBrk="0" hangingPunct="1">
+              <a:lnSpc>
+                <a:spcPct val="90000"/>
+              </a:lnSpc>
+              <a:spcBef>
+                <a:spcPts val="500"/>
+              </a:spcBef>
+              <a:buFont typeface="Arial" panose="020B0604020202020204" pitchFamily="34" charset="0"/>
+              <a:buChar char="•"/>
+              <a:defRPr sz="1800" kern="1200">
+                <a:solidFill>
+                  <a:schemeClr val="tx1"/>
+                </a:solidFill>
+                <a:latin typeface="+mn-lt"/>
+                <a:ea typeface="+mn-ea"/>
+                <a:cs typeface="+mn-cs"/>
+              </a:defRPr>
+            </a:lvl4pPr>
+            <a:lvl5pPr marL="2057400" indent="-228600" algn="l" defTabSz="914400" rtl="0" eaLnBrk="1" latinLnBrk="0" hangingPunct="1">
+              <a:lnSpc>
+                <a:spcPct val="90000"/>
+              </a:lnSpc>
+              <a:spcBef>
+                <a:spcPts val="500"/>
+              </a:spcBef>
+              <a:buFont typeface="Arial" panose="020B0604020202020204" pitchFamily="34" charset="0"/>
+              <a:buChar char="•"/>
+              <a:defRPr sz="1800" kern="1200">
+                <a:solidFill>
+                  <a:schemeClr val="tx1"/>
+                </a:solidFill>
+                <a:latin typeface="+mn-lt"/>
+                <a:ea typeface="+mn-ea"/>
+                <a:cs typeface="+mn-cs"/>
+              </a:defRPr>
+            </a:lvl5pPr>
+            <a:lvl6pPr marL="2514600" indent="-228600" algn="l" defTabSz="914400" rtl="0" eaLnBrk="1" latinLnBrk="0" hangingPunct="1">
+              <a:lnSpc>
+                <a:spcPct val="90000"/>
+              </a:lnSpc>
+              <a:spcBef>
+                <a:spcPts val="500"/>
+              </a:spcBef>
+              <a:buFont typeface="Arial" panose="020B0604020202020204" pitchFamily="34" charset="0"/>
+              <a:buChar char="•"/>
+              <a:defRPr sz="1800" kern="1200">
+                <a:solidFill>
+                  <a:schemeClr val="tx1"/>
+                </a:solidFill>
+                <a:latin typeface="+mn-lt"/>
+                <a:ea typeface="+mn-ea"/>
+                <a:cs typeface="+mn-cs"/>
+              </a:defRPr>
+            </a:lvl6pPr>
+            <a:lvl7pPr marL="2971800" indent="-228600" algn="l" defTabSz="914400" rtl="0" eaLnBrk="1" latinLnBrk="0" hangingPunct="1">
+              <a:lnSpc>
+                <a:spcPct val="90000"/>
+              </a:lnSpc>
+              <a:spcBef>
+                <a:spcPts val="500"/>
+              </a:spcBef>
+              <a:buFont typeface="Arial" panose="020B0604020202020204" pitchFamily="34" charset="0"/>
+              <a:buChar char="•"/>
+              <a:defRPr sz="1800" kern="1200">
+                <a:solidFill>
+                  <a:schemeClr val="tx1"/>
+                </a:solidFill>
+                <a:latin typeface="+mn-lt"/>
+                <a:ea typeface="+mn-ea"/>
+                <a:cs typeface="+mn-cs"/>
+              </a:defRPr>
+            </a:lvl7pPr>
+            <a:lvl8pPr marL="3429000" indent="-228600" algn="l" defTabSz="914400" rtl="0" eaLnBrk="1" latinLnBrk="0" hangingPunct="1">
+              <a:lnSpc>
+                <a:spcPct val="90000"/>
+              </a:lnSpc>
+              <a:spcBef>
+                <a:spcPts val="500"/>
+              </a:spcBef>
+              <a:buFont typeface="Arial" panose="020B0604020202020204" pitchFamily="34" charset="0"/>
+              <a:buChar char="•"/>
+              <a:defRPr sz="1800" kern="1200">
+                <a:solidFill>
+                  <a:schemeClr val="tx1"/>
+                </a:solidFill>
+                <a:latin typeface="+mn-lt"/>
+                <a:ea typeface="+mn-ea"/>
+                <a:cs typeface="+mn-cs"/>
+              </a:defRPr>
+            </a:lvl8pPr>
+            <a:lvl9pPr marL="3886200" indent="-228600" algn="l" defTabSz="914400" rtl="0" eaLnBrk="1" latinLnBrk="0" hangingPunct="1">
+              <a:lnSpc>
+                <a:spcPct val="90000"/>
+              </a:lnSpc>
+              <a:spcBef>
+                <a:spcPts val="500"/>
+              </a:spcBef>
+              <a:buFont typeface="Arial" panose="020B0604020202020204" pitchFamily="34" charset="0"/>
+              <a:buChar char="•"/>
+              <a:defRPr sz="1800" kern="1200">
+                <a:solidFill>
+                  <a:schemeClr val="tx1"/>
+                </a:solidFill>
+                <a:latin typeface="+mn-lt"/>
+                <a:ea typeface="+mn-ea"/>
+                <a:cs typeface="+mn-cs"/>
+              </a:defRPr>
+            </a:lvl9pPr>
+          </a:lstStyle>
+          <a:p>
+            <a:pPr marL="0" indent="0">
+              <a:buFont typeface="Arial" panose="020B0604020202020204" pitchFamily="34" charset="0"/>
+              <a:buNone/>
+            </a:pPr>
+            <a:r>
+              <a:rPr lang="en-US" dirty="0"/>
+              <a:t>Product</a:t>
+            </a:r>
+          </a:p>
+        </p:txBody>
+      </p:sp>
+      <p:cxnSp>
+        <p:nvCxnSpPr>
+          <p:cNvPr id="41" name="Connector: Elbow 40">
+            <a:extLst>
+              <a:ext uri="{FF2B5EF4-FFF2-40B4-BE49-F238E27FC236}">
+                <a16:creationId xmlns:a16="http://schemas.microsoft.com/office/drawing/2014/main" id="{32950522-238F-B5A7-77AF-D5BCF078379D}"/>
+              </a:ext>
+            </a:extLst>
+          </p:cNvPr>
+          <p:cNvCxnSpPr>
+            <a:cxnSpLocks/>
+            <a:stCxn id="32" idx="3"/>
+            <a:endCxn id="36" idx="1"/>
+          </p:cNvCxnSpPr>
+          <p:nvPr/>
+        </p:nvCxnSpPr>
+        <p:spPr>
+          <a:xfrm flipV="1">
+            <a:off x="9920377" y="3313615"/>
+            <a:ext cx="631554" cy="1374555"/>
+          </a:xfrm>
+          <a:prstGeom prst="bentConnector3">
+            <a:avLst/>
+          </a:prstGeom>
+          <a:ln w="28575">
+            <a:solidFill>
+              <a:srgbClr val="92D050"/>
+            </a:solidFill>
+            <a:tailEnd type="triangle"/>
+          </a:ln>
+        </p:spPr>
+        <p:style>
+          <a:lnRef idx="1">
+            <a:schemeClr val="accent1"/>
+          </a:lnRef>
+          <a:fillRef idx="0">
+            <a:schemeClr val="accent1"/>
+          </a:fillRef>
+          <a:effectRef idx="0">
+            <a:schemeClr val="accent1"/>
+          </a:effectRef>
+          <a:fontRef idx="minor">
+            <a:schemeClr val="tx1"/>
+          </a:fontRef>
+        </p:style>
+      </p:cxnSp>
+      <p:grpSp>
+        <p:nvGrpSpPr>
+          <p:cNvPr id="1031" name="Group 1030">
+            <a:extLst>
+              <a:ext uri="{FF2B5EF4-FFF2-40B4-BE49-F238E27FC236}">
+                <a16:creationId xmlns:a16="http://schemas.microsoft.com/office/drawing/2014/main" id="{90266F20-CCCE-3D86-594F-E49A1ADE42BA}"/>
+              </a:ext>
+            </a:extLst>
+          </p:cNvPr>
+          <p:cNvGrpSpPr/>
+          <p:nvPr/>
+        </p:nvGrpSpPr>
+        <p:grpSpPr>
+          <a:xfrm>
+            <a:off x="251557" y="4688170"/>
+            <a:ext cx="11621647" cy="1191903"/>
+            <a:chOff x="251557" y="4688170"/>
+            <a:chExt cx="11621647" cy="1191903"/>
+          </a:xfrm>
+        </p:grpSpPr>
+        <p:sp>
+          <p:nvSpPr>
+            <p:cNvPr id="55" name="TextBox 54">
+              <a:extLst>
+                <a:ext uri="{FF2B5EF4-FFF2-40B4-BE49-F238E27FC236}">
+                  <a16:creationId xmlns:a16="http://schemas.microsoft.com/office/drawing/2014/main" id="{3276FC58-A7DC-C1CD-99E4-6D40FFD23D1C}"/>
+                </a:ext>
+              </a:extLst>
+            </p:cNvPr>
+            <p:cNvSpPr txBox="1"/>
+            <p:nvPr/>
+          </p:nvSpPr>
+          <p:spPr>
+            <a:xfrm>
+              <a:off x="251557" y="5510741"/>
+              <a:ext cx="1528425" cy="369332"/>
+            </a:xfrm>
+            <a:prstGeom prst="rect">
+              <a:avLst/>
+            </a:prstGeom>
+            <a:solidFill>
+              <a:srgbClr val="321547"/>
+            </a:solidFill>
+            <a:ln w="19050">
+              <a:solidFill>
+                <a:srgbClr val="FF8021"/>
+              </a:solidFill>
+            </a:ln>
+          </p:spPr>
+          <p:txBody>
+            <a:bodyPr wrap="square" rtlCol="0">
+              <a:spAutoFit/>
+            </a:bodyPr>
+            <a:lstStyle/>
+            <a:p>
+              <a:pPr algn="r"/>
+              <a:r>
+                <a:rPr lang="en-US" dirty="0"/>
+                <a:t>Victron OAuth</a:t>
+              </a:r>
+            </a:p>
+          </p:txBody>
+        </p:sp>
+        <p:cxnSp>
+          <p:nvCxnSpPr>
+            <p:cNvPr id="61" name="Connector: Elbow 60">
+              <a:extLst>
+                <a:ext uri="{FF2B5EF4-FFF2-40B4-BE49-F238E27FC236}">
+                  <a16:creationId xmlns:a16="http://schemas.microsoft.com/office/drawing/2014/main" id="{E94DBFB7-89F1-58B7-007C-D15D511E0A2D}"/>
+                </a:ext>
+              </a:extLst>
+            </p:cNvPr>
+            <p:cNvCxnSpPr>
+              <a:cxnSpLocks/>
+              <a:stCxn id="55" idx="3"/>
+              <a:endCxn id="31" idx="2"/>
+            </p:cNvCxnSpPr>
+            <p:nvPr/>
+          </p:nvCxnSpPr>
+          <p:spPr>
+            <a:xfrm flipV="1">
+              <a:off x="1779982" y="5039581"/>
+              <a:ext cx="344282" cy="655826"/>
+            </a:xfrm>
+            <a:prstGeom prst="bentConnector2">
+              <a:avLst/>
+            </a:prstGeom>
+            <a:ln w="28575">
+              <a:solidFill>
+                <a:srgbClr val="FF8021"/>
+              </a:solidFill>
+              <a:tailEnd type="triangle"/>
+            </a:ln>
+          </p:spPr>
+          <p:style>
+            <a:lnRef idx="1">
+              <a:schemeClr val="accent1"/>
+            </a:lnRef>
+            <a:fillRef idx="0">
+              <a:schemeClr val="accent1"/>
+            </a:fillRef>
+            <a:effectRef idx="0">
+              <a:schemeClr val="accent1"/>
+            </a:effectRef>
+            <a:fontRef idx="minor">
+              <a:schemeClr val="tx1"/>
+            </a:fontRef>
+          </p:style>
+        </p:cxnSp>
+        <p:sp>
+          <p:nvSpPr>
+            <p:cNvPr id="39" name="TextBox 38">
+              <a:extLst>
+                <a:ext uri="{FF2B5EF4-FFF2-40B4-BE49-F238E27FC236}">
+                  <a16:creationId xmlns:a16="http://schemas.microsoft.com/office/drawing/2014/main" id="{A57820D7-A9A0-FE34-F225-7EB6A6A0D438}"/>
+                </a:ext>
+              </a:extLst>
+            </p:cNvPr>
+            <p:cNvSpPr txBox="1"/>
+            <p:nvPr/>
+          </p:nvSpPr>
+          <p:spPr>
+            <a:xfrm>
+              <a:off x="10551931" y="5174386"/>
+              <a:ext cx="1321273" cy="646331"/>
+            </a:xfrm>
+            <a:prstGeom prst="rect">
+              <a:avLst/>
+            </a:prstGeom>
+            <a:solidFill>
+              <a:schemeClr val="bg1"/>
+            </a:solidFill>
+            <a:ln w="19050">
+              <a:solidFill>
+                <a:srgbClr val="FF8021"/>
+              </a:solidFill>
+            </a:ln>
+          </p:spPr>
+          <p:txBody>
+            <a:bodyPr wrap="square" rtlCol="0">
+              <a:spAutoFit/>
+            </a:bodyPr>
+            <a:lstStyle/>
+            <a:p>
+              <a:pPr algn="ctr"/>
+              <a:r>
+                <a:rPr lang="en-US" dirty="0">
+                  <a:solidFill>
+                    <a:srgbClr val="FF8021"/>
+                  </a:solidFill>
+                </a:rPr>
+                <a:t>Sundial</a:t>
+              </a:r>
+            </a:p>
+            <a:p>
+              <a:pPr algn="ctr"/>
+              <a:r>
+                <a:rPr lang="en-US" dirty="0">
+                  <a:solidFill>
+                    <a:srgbClr val="FF8021"/>
+                  </a:solidFill>
+                </a:rPr>
+                <a:t>App</a:t>
+              </a:r>
+            </a:p>
+          </p:txBody>
+        </p:sp>
+        <p:cxnSp>
+          <p:nvCxnSpPr>
+            <p:cNvPr id="48" name="Connector: Elbow 47">
+              <a:extLst>
+                <a:ext uri="{FF2B5EF4-FFF2-40B4-BE49-F238E27FC236}">
+                  <a16:creationId xmlns:a16="http://schemas.microsoft.com/office/drawing/2014/main" id="{AF1A79C8-DCB7-7970-423B-98FDABFAE11C}"/>
+                </a:ext>
+              </a:extLst>
+            </p:cNvPr>
+            <p:cNvCxnSpPr>
+              <a:cxnSpLocks/>
+              <a:stCxn id="32" idx="3"/>
+              <a:endCxn id="39" idx="1"/>
+            </p:cNvCxnSpPr>
+            <p:nvPr/>
+          </p:nvCxnSpPr>
+          <p:spPr>
+            <a:xfrm>
+              <a:off x="9920377" y="4688170"/>
+              <a:ext cx="631554" cy="809382"/>
+            </a:xfrm>
+            <a:prstGeom prst="bentConnector3">
+              <a:avLst>
+                <a:gd name="adj1" fmla="val 50000"/>
+              </a:avLst>
+            </a:prstGeom>
+            <a:ln w="28575">
+              <a:solidFill>
+                <a:srgbClr val="FF8021"/>
+              </a:solidFill>
+              <a:tailEnd type="triangle"/>
+            </a:ln>
+          </p:spPr>
+          <p:style>
+            <a:lnRef idx="1">
+              <a:schemeClr val="accent1"/>
+            </a:lnRef>
+            <a:fillRef idx="0">
+              <a:schemeClr val="accent1"/>
+            </a:fillRef>
+            <a:effectRef idx="0">
+              <a:schemeClr val="accent1"/>
+            </a:effectRef>
+            <a:fontRef idx="minor">
+              <a:schemeClr val="tx1"/>
+            </a:fontRef>
+          </p:style>
+        </p:cxnSp>
+        <p:cxnSp>
+          <p:nvCxnSpPr>
+            <p:cNvPr id="52" name="Connector: Elbow 51">
+              <a:extLst>
+                <a:ext uri="{FF2B5EF4-FFF2-40B4-BE49-F238E27FC236}">
+                  <a16:creationId xmlns:a16="http://schemas.microsoft.com/office/drawing/2014/main" id="{60FF0356-96DF-5571-A621-625BF6FDE2C3}"/>
+                </a:ext>
+              </a:extLst>
+            </p:cNvPr>
+            <p:cNvCxnSpPr>
+              <a:cxnSpLocks/>
+              <a:stCxn id="31" idx="3"/>
+              <a:endCxn id="47" idx="1"/>
+            </p:cNvCxnSpPr>
+            <p:nvPr/>
+          </p:nvCxnSpPr>
+          <p:spPr>
+            <a:xfrm>
+              <a:off x="2854819" y="4854915"/>
+              <a:ext cx="1149625" cy="211308"/>
+            </a:xfrm>
+            <a:prstGeom prst="bentConnector3">
+              <a:avLst>
+                <a:gd name="adj1" fmla="val 50000"/>
+              </a:avLst>
+            </a:prstGeom>
+            <a:ln w="28575">
+              <a:solidFill>
+                <a:srgbClr val="FF8021"/>
+              </a:solidFill>
+              <a:tailEnd type="triangle"/>
+            </a:ln>
+          </p:spPr>
+          <p:style>
+            <a:lnRef idx="1">
+              <a:schemeClr val="accent1"/>
+            </a:lnRef>
+            <a:fillRef idx="0">
+              <a:schemeClr val="accent1"/>
+            </a:fillRef>
+            <a:effectRef idx="0">
+              <a:schemeClr val="accent1"/>
+            </a:effectRef>
+            <a:fontRef idx="minor">
+              <a:schemeClr val="tx1"/>
+            </a:fontRef>
+          </p:style>
+        </p:cxnSp>
+        <p:sp>
+          <p:nvSpPr>
+            <p:cNvPr id="62" name="TextBox 61">
+              <a:extLst>
+                <a:ext uri="{FF2B5EF4-FFF2-40B4-BE49-F238E27FC236}">
+                  <a16:creationId xmlns:a16="http://schemas.microsoft.com/office/drawing/2014/main" id="{1B41CF50-A46F-D245-559F-B7F9CCE1E3F6}"/>
+                </a:ext>
+              </a:extLst>
+            </p:cNvPr>
+            <p:cNvSpPr txBox="1"/>
+            <p:nvPr/>
+          </p:nvSpPr>
+          <p:spPr>
+            <a:xfrm>
+              <a:off x="4002582" y="4886259"/>
+              <a:ext cx="1593192" cy="369332"/>
+            </a:xfrm>
+            <a:prstGeom prst="rect">
+              <a:avLst/>
+            </a:prstGeom>
+            <a:solidFill>
+              <a:schemeClr val="accent2">
+                <a:lumMod val="50000"/>
+              </a:schemeClr>
+            </a:solidFill>
+            <a:ln w="19050">
+              <a:solidFill>
+                <a:srgbClr val="FF8021"/>
+              </a:solidFill>
+            </a:ln>
+          </p:spPr>
+          <p:txBody>
+            <a:bodyPr wrap="square" rtlCol="0">
+              <a:spAutoFit/>
+            </a:bodyPr>
+            <a:lstStyle/>
+            <a:p>
+              <a:r>
+                <a:rPr lang="en-US" dirty="0"/>
+                <a:t>OAuth Tokens</a:t>
+              </a:r>
+            </a:p>
+          </p:txBody>
+        </p:sp>
+        <p:cxnSp>
+          <p:nvCxnSpPr>
+            <p:cNvPr id="63" name="Connector: Elbow 62">
+              <a:extLst>
+                <a:ext uri="{FF2B5EF4-FFF2-40B4-BE49-F238E27FC236}">
+                  <a16:creationId xmlns:a16="http://schemas.microsoft.com/office/drawing/2014/main" id="{B45C12B2-5BD7-4CAE-7C2B-361861A50611}"/>
+                </a:ext>
+              </a:extLst>
+            </p:cNvPr>
+            <p:cNvCxnSpPr>
+              <a:cxnSpLocks/>
+              <a:stCxn id="62" idx="3"/>
+              <a:endCxn id="1040" idx="1"/>
+            </p:cNvCxnSpPr>
+            <p:nvPr/>
+          </p:nvCxnSpPr>
+          <p:spPr>
+            <a:xfrm>
+              <a:off x="5595774" y="5070925"/>
+              <a:ext cx="930444" cy="80220"/>
+            </a:xfrm>
+            <a:prstGeom prst="bentConnector3">
+              <a:avLst/>
+            </a:prstGeom>
+            <a:ln w="28575">
+              <a:solidFill>
+                <a:srgbClr val="FF8021"/>
+              </a:solidFill>
+              <a:tailEnd type="triangle"/>
+            </a:ln>
+          </p:spPr>
+          <p:style>
+            <a:lnRef idx="1">
+              <a:schemeClr val="accent1"/>
+            </a:lnRef>
+            <a:fillRef idx="0">
+              <a:schemeClr val="accent1"/>
+            </a:fillRef>
+            <a:effectRef idx="0">
+              <a:schemeClr val="accent1"/>
+            </a:effectRef>
+            <a:fontRef idx="minor">
+              <a:schemeClr val="tx1"/>
+            </a:fontRef>
+          </p:style>
+        </p:cxnSp>
+        <p:cxnSp>
+          <p:nvCxnSpPr>
+            <p:cNvPr id="1026" name="Connector: Elbow 1025">
+              <a:extLst>
+                <a:ext uri="{FF2B5EF4-FFF2-40B4-BE49-F238E27FC236}">
+                  <a16:creationId xmlns:a16="http://schemas.microsoft.com/office/drawing/2014/main" id="{F54EF440-1533-24E4-3E92-B9DFDC20FB5B}"/>
+                </a:ext>
+              </a:extLst>
+            </p:cNvPr>
+            <p:cNvCxnSpPr>
+              <a:cxnSpLocks/>
+              <a:stCxn id="62" idx="3"/>
+              <a:endCxn id="1043" idx="1"/>
+            </p:cNvCxnSpPr>
+            <p:nvPr/>
+          </p:nvCxnSpPr>
+          <p:spPr>
+            <a:xfrm>
+              <a:off x="5595774" y="5070925"/>
+              <a:ext cx="932306" cy="617331"/>
+            </a:xfrm>
+            <a:prstGeom prst="bentConnector3">
+              <a:avLst/>
+            </a:prstGeom>
+            <a:ln w="28575">
+              <a:solidFill>
+                <a:srgbClr val="FF8021"/>
+              </a:solidFill>
+              <a:tailEnd type="triangle"/>
+            </a:ln>
+          </p:spPr>
+          <p:style>
+            <a:lnRef idx="1">
+              <a:schemeClr val="accent1"/>
+            </a:lnRef>
+            <a:fillRef idx="0">
+              <a:schemeClr val="accent1"/>
+            </a:fillRef>
+            <a:effectRef idx="0">
+              <a:schemeClr val="accent1"/>
+            </a:effectRef>
+            <a:fontRef idx="minor">
+              <a:schemeClr val="tx1"/>
+            </a:fontRef>
+          </p:style>
+        </p:cxnSp>
+        <p:sp>
+          <p:nvSpPr>
+            <p:cNvPr id="1029" name="TextBox 1028">
+              <a:extLst>
+                <a:ext uri="{FF2B5EF4-FFF2-40B4-BE49-F238E27FC236}">
+                  <a16:creationId xmlns:a16="http://schemas.microsoft.com/office/drawing/2014/main" id="{AEE3F695-531C-AB9A-42DF-2094010704C4}"/>
+                </a:ext>
+              </a:extLst>
+            </p:cNvPr>
+            <p:cNvSpPr txBox="1"/>
+            <p:nvPr/>
+          </p:nvSpPr>
+          <p:spPr>
+            <a:xfrm>
+              <a:off x="6522494" y="4973630"/>
+              <a:ext cx="2558498" cy="369332"/>
+            </a:xfrm>
+            <a:prstGeom prst="rect">
+              <a:avLst/>
+            </a:prstGeom>
+            <a:solidFill>
+              <a:schemeClr val="bg1"/>
+            </a:solidFill>
+            <a:ln w="19050">
+              <a:solidFill>
+                <a:srgbClr val="FF8021"/>
+              </a:solidFill>
+            </a:ln>
+          </p:spPr>
+          <p:txBody>
+            <a:bodyPr wrap="square" rtlCol="0">
+              <a:spAutoFit/>
+            </a:bodyPr>
+            <a:lstStyle/>
+            <a:p>
+              <a:pPr algn="r"/>
+              <a:r>
+                <a:rPr lang="en-US" dirty="0"/>
+                <a:t>Static Event-Objects</a:t>
+              </a:r>
+            </a:p>
+          </p:txBody>
+        </p:sp>
+        <p:sp>
+          <p:nvSpPr>
+            <p:cNvPr id="1030" name="TextBox 1029">
+              <a:extLst>
+                <a:ext uri="{FF2B5EF4-FFF2-40B4-BE49-F238E27FC236}">
+                  <a16:creationId xmlns:a16="http://schemas.microsoft.com/office/drawing/2014/main" id="{923A590D-D225-C9A7-E7FA-E469763C348C}"/>
+                </a:ext>
+              </a:extLst>
+            </p:cNvPr>
+            <p:cNvSpPr txBox="1"/>
+            <p:nvPr/>
+          </p:nvSpPr>
+          <p:spPr>
+            <a:xfrm>
+              <a:off x="6524356" y="5510741"/>
+              <a:ext cx="2558498" cy="369332"/>
+            </a:xfrm>
+            <a:prstGeom prst="rect">
+              <a:avLst/>
+            </a:prstGeom>
+            <a:solidFill>
+              <a:schemeClr val="bg1"/>
+            </a:solidFill>
+            <a:ln w="19050">
+              <a:solidFill>
+                <a:srgbClr val="FF8021"/>
+              </a:solidFill>
+            </a:ln>
+          </p:spPr>
+          <p:txBody>
+            <a:bodyPr wrap="square" rtlCol="0">
+              <a:spAutoFit/>
+            </a:bodyPr>
+            <a:lstStyle/>
+            <a:p>
+              <a:pPr algn="r"/>
+              <a:r>
+                <a:rPr lang="en-US" dirty="0"/>
+                <a:t>Dynamic Event-Objects</a:t>
+              </a:r>
+            </a:p>
+          </p:txBody>
+        </p:sp>
+      </p:grpSp>
+    </p:spTree>
+    <p:extLst>
+      <p:ext uri="{BB962C8B-B14F-4D97-AF65-F5344CB8AC3E}">
+        <p14:creationId xmlns:p14="http://schemas.microsoft.com/office/powerpoint/2010/main" val="3802933216"/>
+      </p:ext>
+    </p:extLst>
+  </p:cSld>
+  <p:clrMapOvr>
+    <a:masterClrMapping/>
+  </p:clrMapOvr>
+  <p:timing>
+    <p:tnLst>
+      <p:par>
+        <p:cTn id="1" dur="indefinite" restart="never" nodeType="tmRoot">
+          <p:childTnLst>
+            <p:seq concurrent="1" nextAc="seek">
+              <p:cTn id="2" dur="indefinite" nodeType="mainSeq">
+                <p:childTnLst>
+                  <p:par>
+                    <p:cTn id="3" fill="hold">
+                      <p:stCondLst>
+                        <p:cond delay="indefinite"/>
+                      </p:stCondLst>
+                      <p:childTnLst>
+                        <p:par>
+                          <p:cTn id="4" fill="hold">
+                            <p:stCondLst>
+                              <p:cond delay="0"/>
+                            </p:stCondLst>
+                            <p:childTnLst>
+                              <p:par>
+                                <p:cTn id="5" presetID="22" presetClass="entr" presetSubtype="8" fill="hold" nodeType="clickEffect">
+                                  <p:stCondLst>
+                                    <p:cond delay="0"/>
+                                  </p:stCondLst>
+                                  <p:childTnLst>
+                                    <p:set>
+                                      <p:cBhvr>
+                                        <p:cTn id="6" dur="1" fill="hold">
+                                          <p:stCondLst>
+                                            <p:cond delay="0"/>
+                                          </p:stCondLst>
+                                        </p:cTn>
+                                        <p:tgtEl>
+                                          <p:spTgt spid="1031"/>
+                                        </p:tgtEl>
+                                        <p:attrNameLst>
+                                          <p:attrName>style.visibility</p:attrName>
+                                        </p:attrNameLst>
+                                      </p:cBhvr>
+                                      <p:to>
+                                        <p:strVal val="visible"/>
+                                      </p:to>
+                                    </p:set>
+                                    <p:animEffect transition="in" filter="wipe(left)">
+                                      <p:cBhvr>
+                                        <p:cTn id="7" dur="500"/>
+                                        <p:tgtEl>
+                                          <p:spTgt spid="1031"/>
+                                        </p:tgtEl>
+                                      </p:cBhvr>
+                                    </p:animEffect>
+                                  </p:childTnLst>
+                                </p:cTn>
+                              </p:par>
+                            </p:childTnLst>
+                          </p:cTn>
+                        </p:par>
+                      </p:childTnLst>
+                    </p:cTn>
+                  </p:par>
+                </p:childTnLst>
+              </p:cTn>
+              <p:prevCondLst>
+                <p:cond evt="onPrev" delay="0">
+                  <p:tgtEl>
+                    <p:sldTgt/>
+                  </p:tgtEl>
+                </p:cond>
+              </p:prevCondLst>
+              <p:nextCondLst>
+                <p:cond evt="onNext" delay="0">
+                  <p:tgtEl>
+                    <p:sldTgt/>
+                  </p:tgtEl>
+                </p:cond>
+              </p:nextCondLst>
+            </p:seq>
+          </p:childTnLst>
+        </p:cTn>
+      </p:par>
+    </p:tnLst>
+  </p:timing>
 </p:sld>
 </file>
 
